--- a/docs/docs_I_made/slides/rCGH.pptx
+++ b/docs/docs_I_made/slides/rCGH.pptx
@@ -844,7 +844,7 @@
             <a:fld id="{B61BEF0D-F0BB-DE4B-95CE-6DB70DBA9567}" type="datetimeFigureOut">
               <a:rPr lang="en-US" smtClean="0"/>
               <a:pPr/>
-              <a:t>3/23/2022</a:t>
+              <a:t>4/20/2022</a:t>
             </a:fld>
             <a:endParaRPr lang="en-US" dirty="0"/>
           </a:p>
@@ -1097,7 +1097,7 @@
             <a:fld id="{B61BEF0D-F0BB-DE4B-95CE-6DB70DBA9567}" type="datetimeFigureOut">
               <a:rPr lang="en-US" smtClean="0"/>
               <a:pPr/>
-              <a:t>3/23/2022</a:t>
+              <a:t>4/20/2022</a:t>
             </a:fld>
             <a:endParaRPr lang="en-US" dirty="0"/>
           </a:p>
@@ -1413,7 +1413,7 @@
             <a:fld id="{B61BEF0D-F0BB-DE4B-95CE-6DB70DBA9567}" type="datetimeFigureOut">
               <a:rPr lang="en-US" smtClean="0"/>
               <a:pPr/>
-              <a:t>3/23/2022</a:t>
+              <a:t>4/20/2022</a:t>
             </a:fld>
             <a:endParaRPr lang="en-US" dirty="0"/>
           </a:p>
@@ -1742,7 +1742,7 @@
             <a:fld id="{B61BEF0D-F0BB-DE4B-95CE-6DB70DBA9567}" type="datetimeFigureOut">
               <a:rPr lang="en-US" smtClean="0"/>
               <a:pPr/>
-              <a:t>3/23/2022</a:t>
+              <a:t>4/20/2022</a:t>
             </a:fld>
             <a:endParaRPr lang="en-US" dirty="0"/>
           </a:p>
@@ -2058,7 +2058,7 @@
             <a:fld id="{B61BEF0D-F0BB-DE4B-95CE-6DB70DBA9567}" type="datetimeFigureOut">
               <a:rPr lang="en-US" smtClean="0"/>
               <a:pPr/>
-              <a:t>3/23/2022</a:t>
+              <a:t>4/20/2022</a:t>
             </a:fld>
             <a:endParaRPr lang="en-US" dirty="0"/>
           </a:p>
@@ -2447,7 +2447,7 @@
             <a:fld id="{B61BEF0D-F0BB-DE4B-95CE-6DB70DBA9567}" type="datetimeFigureOut">
               <a:rPr lang="en-US" smtClean="0"/>
               <a:pPr/>
-              <a:t>3/23/2022</a:t>
+              <a:t>4/20/2022</a:t>
             </a:fld>
             <a:endParaRPr lang="en-US" dirty="0"/>
           </a:p>
@@ -2618,7 +2618,7 @@
           <a:p>
             <a:fld id="{55C6B4A9-1611-4792-9094-5F34BCA07E0B}" type="datetimeFigureOut">
               <a:rPr lang="en-US" smtClean="0"/>
-              <a:t>3/23/2022</a:t>
+              <a:t>4/20/2022</a:t>
             </a:fld>
             <a:endParaRPr lang="en-US" dirty="0"/>
           </a:p>
@@ -2799,7 +2799,7 @@
             <a:fld id="{B61BEF0D-F0BB-DE4B-95CE-6DB70DBA9567}" type="datetimeFigureOut">
               <a:rPr lang="en-US" smtClean="0"/>
               <a:pPr/>
-              <a:t>3/23/2022</a:t>
+              <a:t>4/20/2022</a:t>
             </a:fld>
             <a:endParaRPr lang="en-US" dirty="0"/>
           </a:p>
@@ -2971,7 +2971,7 @@
             <a:fld id="{B61BEF0D-F0BB-DE4B-95CE-6DB70DBA9567}" type="datetimeFigureOut">
               <a:rPr lang="en-US" smtClean="0"/>
               <a:pPr/>
-              <a:t>3/23/2022</a:t>
+              <a:t>4/20/2022</a:t>
             </a:fld>
             <a:endParaRPr lang="en-US" dirty="0"/>
           </a:p>
@@ -3220,7 +3220,7 @@
             <a:fld id="{B61BEF0D-F0BB-DE4B-95CE-6DB70DBA9567}" type="datetimeFigureOut">
               <a:rPr lang="en-US" smtClean="0"/>
               <a:pPr/>
-              <a:t>3/23/2022</a:t>
+              <a:t>4/20/2022</a:t>
             </a:fld>
             <a:endParaRPr lang="en-US" dirty="0"/>
           </a:p>
@@ -3453,7 +3453,7 @@
           <a:p>
             <a:fld id="{EB712588-04B1-427B-82EE-E8DB90309F08}" type="datetimeFigureOut">
               <a:rPr lang="en-US" smtClean="0"/>
-              <a:t>3/23/2022</a:t>
+              <a:t>4/20/2022</a:t>
             </a:fld>
             <a:endParaRPr lang="en-US" dirty="0"/>
           </a:p>
@@ -3828,7 +3828,7 @@
             <a:fld id="{B61BEF0D-F0BB-DE4B-95CE-6DB70DBA9567}" type="datetimeFigureOut">
               <a:rPr lang="en-US" smtClean="0"/>
               <a:pPr/>
-              <a:t>3/23/2022</a:t>
+              <a:t>4/20/2022</a:t>
             </a:fld>
             <a:endParaRPr lang="en-US" dirty="0"/>
           </a:p>
@@ -3953,7 +3953,7 @@
             <a:fld id="{B61BEF0D-F0BB-DE4B-95CE-6DB70DBA9567}" type="datetimeFigureOut">
               <a:rPr lang="en-US" smtClean="0"/>
               <a:pPr/>
-              <a:t>3/23/2022</a:t>
+              <a:t>4/20/2022</a:t>
             </a:fld>
             <a:endParaRPr lang="en-US" dirty="0"/>
           </a:p>
@@ -4050,7 +4050,7 @@
             <a:fld id="{B61BEF0D-F0BB-DE4B-95CE-6DB70DBA9567}" type="datetimeFigureOut">
               <a:rPr lang="en-US" smtClean="0"/>
               <a:pPr/>
-              <a:t>3/23/2022</a:t>
+              <a:t>4/20/2022</a:t>
             </a:fld>
             <a:endParaRPr lang="en-US" dirty="0"/>
           </a:p>
@@ -4306,7 +4306,7 @@
           <a:p>
             <a:fld id="{42A54C80-263E-416B-A8E0-580EDEADCBDC}" type="datetimeFigureOut">
               <a:rPr lang="en-US" smtClean="0"/>
-              <a:t>3/23/2022</a:t>
+              <a:t>4/20/2022</a:t>
             </a:fld>
             <a:endParaRPr lang="en-US" dirty="0"/>
           </a:p>
@@ -4570,7 +4570,7 @@
             <a:fld id="{B61BEF0D-F0BB-DE4B-95CE-6DB70DBA9567}" type="datetimeFigureOut">
               <a:rPr lang="en-US" smtClean="0"/>
               <a:pPr/>
-              <a:t>3/23/2022</a:t>
+              <a:t>4/20/2022</a:t>
             </a:fld>
             <a:endParaRPr lang="en-US" dirty="0"/>
           </a:p>
@@ -5317,7 +5317,7 @@
             <a:fld id="{B61BEF0D-F0BB-DE4B-95CE-6DB70DBA9567}" type="datetimeFigureOut">
               <a:rPr lang="en-US" smtClean="0"/>
               <a:pPr/>
-              <a:t>3/23/2022</a:t>
+              <a:t>4/20/2022</a:t>
             </a:fld>
             <a:endParaRPr lang="en-US" dirty="0"/>
           </a:p>
@@ -5971,30 +5971,6 @@
           </a:p>
         </p:txBody>
       </p:sp>
-      <p:pic>
-        <p:nvPicPr>
-          <p:cNvPr id="3" name="Image 2"/>
-          <p:cNvPicPr>
-            <a:picLocks noChangeAspect="1"/>
-          </p:cNvPicPr>
-          <p:nvPr/>
-        </p:nvPicPr>
-        <p:blipFill>
-          <a:blip r:embed="rId2"/>
-          <a:stretch>
-            <a:fillRect/>
-          </a:stretch>
-        </p:blipFill>
-        <p:spPr>
-          <a:xfrm>
-            <a:off x="1457916" y="1561054"/>
-            <a:ext cx="7468642" cy="4201111"/>
-          </a:xfrm>
-          <a:prstGeom prst="rect">
-            <a:avLst/>
-          </a:prstGeom>
-        </p:spPr>
-      </p:pic>
     </p:spTree>
     <p:extLst>
       <p:ext uri="{BB962C8B-B14F-4D97-AF65-F5344CB8AC3E}">

--- a/docs/docs_I_made/slides/rCGH.pptx
+++ b/docs/docs_I_made/slides/rCGH.pptx
@@ -11,6 +11,7 @@
     <p:sldId id="260" r:id="rId5"/>
     <p:sldId id="267" r:id="rId6"/>
     <p:sldId id="269" r:id="rId7"/>
+    <p:sldId id="270" r:id="rId8"/>
   </p:sldIdLst>
   <p:sldSz cx="12192000" cy="6858000"/>
   <p:notesSz cx="6858000" cy="9144000"/>
@@ -844,7 +845,7 @@
             <a:fld id="{B61BEF0D-F0BB-DE4B-95CE-6DB70DBA9567}" type="datetimeFigureOut">
               <a:rPr lang="en-US" smtClean="0"/>
               <a:pPr/>
-              <a:t>4/20/2022</a:t>
+              <a:t>4/21/2022</a:t>
             </a:fld>
             <a:endParaRPr lang="en-US" dirty="0"/>
           </a:p>
@@ -1097,7 +1098,7 @@
             <a:fld id="{B61BEF0D-F0BB-DE4B-95CE-6DB70DBA9567}" type="datetimeFigureOut">
               <a:rPr lang="en-US" smtClean="0"/>
               <a:pPr/>
-              <a:t>4/20/2022</a:t>
+              <a:t>4/21/2022</a:t>
             </a:fld>
             <a:endParaRPr lang="en-US" dirty="0"/>
           </a:p>
@@ -1413,7 +1414,7 @@
             <a:fld id="{B61BEF0D-F0BB-DE4B-95CE-6DB70DBA9567}" type="datetimeFigureOut">
               <a:rPr lang="en-US" smtClean="0"/>
               <a:pPr/>
-              <a:t>4/20/2022</a:t>
+              <a:t>4/21/2022</a:t>
             </a:fld>
             <a:endParaRPr lang="en-US" dirty="0"/>
           </a:p>
@@ -1742,7 +1743,7 @@
             <a:fld id="{B61BEF0D-F0BB-DE4B-95CE-6DB70DBA9567}" type="datetimeFigureOut">
               <a:rPr lang="en-US" smtClean="0"/>
               <a:pPr/>
-              <a:t>4/20/2022</a:t>
+              <a:t>4/21/2022</a:t>
             </a:fld>
             <a:endParaRPr lang="en-US" dirty="0"/>
           </a:p>
@@ -2058,7 +2059,7 @@
             <a:fld id="{B61BEF0D-F0BB-DE4B-95CE-6DB70DBA9567}" type="datetimeFigureOut">
               <a:rPr lang="en-US" smtClean="0"/>
               <a:pPr/>
-              <a:t>4/20/2022</a:t>
+              <a:t>4/21/2022</a:t>
             </a:fld>
             <a:endParaRPr lang="en-US" dirty="0"/>
           </a:p>
@@ -2447,7 +2448,7 @@
             <a:fld id="{B61BEF0D-F0BB-DE4B-95CE-6DB70DBA9567}" type="datetimeFigureOut">
               <a:rPr lang="en-US" smtClean="0"/>
               <a:pPr/>
-              <a:t>4/20/2022</a:t>
+              <a:t>4/21/2022</a:t>
             </a:fld>
             <a:endParaRPr lang="en-US" dirty="0"/>
           </a:p>
@@ -2618,7 +2619,7 @@
           <a:p>
             <a:fld id="{55C6B4A9-1611-4792-9094-5F34BCA07E0B}" type="datetimeFigureOut">
               <a:rPr lang="en-US" smtClean="0"/>
-              <a:t>4/20/2022</a:t>
+              <a:t>4/21/2022</a:t>
             </a:fld>
             <a:endParaRPr lang="en-US" dirty="0"/>
           </a:p>
@@ -2799,7 +2800,7 @@
             <a:fld id="{B61BEF0D-F0BB-DE4B-95CE-6DB70DBA9567}" type="datetimeFigureOut">
               <a:rPr lang="en-US" smtClean="0"/>
               <a:pPr/>
-              <a:t>4/20/2022</a:t>
+              <a:t>4/21/2022</a:t>
             </a:fld>
             <a:endParaRPr lang="en-US" dirty="0"/>
           </a:p>
@@ -2971,7 +2972,7 @@
             <a:fld id="{B61BEF0D-F0BB-DE4B-95CE-6DB70DBA9567}" type="datetimeFigureOut">
               <a:rPr lang="en-US" smtClean="0"/>
               <a:pPr/>
-              <a:t>4/20/2022</a:t>
+              <a:t>4/21/2022</a:t>
             </a:fld>
             <a:endParaRPr lang="en-US" dirty="0"/>
           </a:p>
@@ -3220,7 +3221,7 @@
             <a:fld id="{B61BEF0D-F0BB-DE4B-95CE-6DB70DBA9567}" type="datetimeFigureOut">
               <a:rPr lang="en-US" smtClean="0"/>
               <a:pPr/>
-              <a:t>4/20/2022</a:t>
+              <a:t>4/21/2022</a:t>
             </a:fld>
             <a:endParaRPr lang="en-US" dirty="0"/>
           </a:p>
@@ -3453,7 +3454,7 @@
           <a:p>
             <a:fld id="{EB712588-04B1-427B-82EE-E8DB90309F08}" type="datetimeFigureOut">
               <a:rPr lang="en-US" smtClean="0"/>
-              <a:t>4/20/2022</a:t>
+              <a:t>4/21/2022</a:t>
             </a:fld>
             <a:endParaRPr lang="en-US" dirty="0"/>
           </a:p>
@@ -3828,7 +3829,7 @@
             <a:fld id="{B61BEF0D-F0BB-DE4B-95CE-6DB70DBA9567}" type="datetimeFigureOut">
               <a:rPr lang="en-US" smtClean="0"/>
               <a:pPr/>
-              <a:t>4/20/2022</a:t>
+              <a:t>4/21/2022</a:t>
             </a:fld>
             <a:endParaRPr lang="en-US" dirty="0"/>
           </a:p>
@@ -3953,7 +3954,7 @@
             <a:fld id="{B61BEF0D-F0BB-DE4B-95CE-6DB70DBA9567}" type="datetimeFigureOut">
               <a:rPr lang="en-US" smtClean="0"/>
               <a:pPr/>
-              <a:t>4/20/2022</a:t>
+              <a:t>4/21/2022</a:t>
             </a:fld>
             <a:endParaRPr lang="en-US" dirty="0"/>
           </a:p>
@@ -4050,7 +4051,7 @@
             <a:fld id="{B61BEF0D-F0BB-DE4B-95CE-6DB70DBA9567}" type="datetimeFigureOut">
               <a:rPr lang="en-US" smtClean="0"/>
               <a:pPr/>
-              <a:t>4/20/2022</a:t>
+              <a:t>4/21/2022</a:t>
             </a:fld>
             <a:endParaRPr lang="en-US" dirty="0"/>
           </a:p>
@@ -4306,7 +4307,7 @@
           <a:p>
             <a:fld id="{42A54C80-263E-416B-A8E0-580EDEADCBDC}" type="datetimeFigureOut">
               <a:rPr lang="en-US" smtClean="0"/>
-              <a:t>4/20/2022</a:t>
+              <a:t>4/21/2022</a:t>
             </a:fld>
             <a:endParaRPr lang="en-US" dirty="0"/>
           </a:p>
@@ -4570,7 +4571,7 @@
             <a:fld id="{B61BEF0D-F0BB-DE4B-95CE-6DB70DBA9567}" type="datetimeFigureOut">
               <a:rPr lang="en-US" smtClean="0"/>
               <a:pPr/>
-              <a:t>4/20/2022</a:t>
+              <a:t>4/21/2022</a:t>
             </a:fld>
             <a:endParaRPr lang="en-US" dirty="0"/>
           </a:p>
@@ -5317,7 +5318,7 @@
             <a:fld id="{B61BEF0D-F0BB-DE4B-95CE-6DB70DBA9567}" type="datetimeFigureOut">
               <a:rPr lang="en-US" smtClean="0"/>
               <a:pPr/>
-              <a:t>4/20/2022</a:t>
+              <a:t>4/21/2022</a:t>
             </a:fld>
             <a:endParaRPr lang="en-US" dirty="0"/>
           </a:p>
@@ -6669,25 +6670,35 @@
           </a:p>
         </p:txBody>
       </p:sp>
-      <p:sp>
-        <p:nvSpPr>
-          <p:cNvPr id="4" name="Espace réservé du contenu 3"/>
-          <p:cNvSpPr>
-            <a:spLocks noGrp="1"/>
-          </p:cNvSpPr>
+      <p:pic>
+        <p:nvPicPr>
+          <p:cNvPr id="5" name="Espace réservé du contenu 4"/>
+          <p:cNvPicPr>
+            <a:picLocks noGrp="1" noChangeAspect="1"/>
+          </p:cNvPicPr>
           <p:nvPr>
             <p:ph idx="1"/>
           </p:nvPr>
-        </p:nvSpPr>
-        <p:spPr/>
-        <p:txBody>
-          <a:bodyPr/>
-          <a:lstStyle/>
-          <a:p>
-            <a:endParaRPr lang="fr-FR" dirty="0"/>
-          </a:p>
-        </p:txBody>
-      </p:sp>
+        </p:nvPicPr>
+        <p:blipFill>
+          <a:blip r:embed="rId2">
+            <a:extLst>
+              <a:ext uri="{28A0092B-C50C-407E-A947-70E740481C1C}">
+                <a14:useLocalDpi xmlns:a14="http://schemas.microsoft.com/office/drawing/2010/main" val="0"/>
+              </a:ext>
+            </a:extLst>
+          </a:blip>
+          <a:stretch>
+            <a:fillRect/>
+          </a:stretch>
+        </p:blipFill>
+        <p:spPr>
+          <a:xfrm>
+            <a:off x="2939371" y="2160588"/>
+            <a:ext cx="4073295" cy="3881437"/>
+          </a:xfrm>
+        </p:spPr>
+      </p:pic>
       <p:sp>
         <p:nvSpPr>
           <p:cNvPr id="3" name="ZoneTexte 2"/>
@@ -6738,6 +6749,158 @@
     <p:extLst>
       <p:ext uri="{BB962C8B-B14F-4D97-AF65-F5344CB8AC3E}">
         <p14:creationId xmlns:p14="http://schemas.microsoft.com/office/powerpoint/2010/main" val="701775868"/>
+      </p:ext>
+    </p:extLst>
+  </p:cSld>
+  <p:clrMapOvr>
+    <a:masterClrMapping/>
+  </p:clrMapOvr>
+  <p:timing>
+    <p:tnLst>
+      <p:par>
+        <p:cTn id="1" dur="indefinite" restart="never" nodeType="tmRoot"/>
+      </p:par>
+    </p:tnLst>
+  </p:timing>
+</p:sld>
+</file>
+
+<file path=ppt/slides/slide7.xml><?xml version="1.0" encoding="utf-8"?>
+<p:sld xmlns:a="http://schemas.openxmlformats.org/drawingml/2006/main" xmlns:r="http://schemas.openxmlformats.org/officeDocument/2006/relationships" xmlns:p="http://schemas.openxmlformats.org/presentationml/2006/main">
+  <p:cSld>
+    <p:spTree>
+      <p:nvGrpSpPr>
+        <p:cNvPr id="1" name=""/>
+        <p:cNvGrpSpPr/>
+        <p:nvPr/>
+      </p:nvGrpSpPr>
+      <p:grpSpPr>
+        <a:xfrm>
+          <a:off x="0" y="0"/>
+          <a:ext cx="0" cy="0"/>
+          <a:chOff x="0" y="0"/>
+          <a:chExt cx="0" cy="0"/>
+        </a:xfrm>
+      </p:grpSpPr>
+      <p:sp>
+        <p:nvSpPr>
+          <p:cNvPr id="2" name="Titre 1"/>
+          <p:cNvSpPr>
+            <a:spLocks noGrp="1"/>
+          </p:cNvSpPr>
+          <p:nvPr>
+            <p:ph type="title"/>
+          </p:nvPr>
+        </p:nvSpPr>
+        <p:spPr>
+          <a:xfrm>
+            <a:off x="685355" y="481263"/>
+            <a:ext cx="8596668" cy="1320800"/>
+          </a:xfrm>
+        </p:spPr>
+        <p:txBody>
+          <a:bodyPr>
+            <a:normAutofit fontScale="90000"/>
+          </a:bodyPr>
+          <a:lstStyle/>
+          <a:p>
+            <a:r>
+              <a:rPr lang="fr-FR" dirty="0" smtClean="0"/>
+              <a:t>Deuxième normalisation</a:t>
+            </a:r>
+            <a:br>
+              <a:rPr lang="fr-FR" dirty="0" smtClean="0"/>
+            </a:br>
+            <a:r>
+              <a:rPr lang="fr-FR" dirty="0" smtClean="0"/>
+              <a:t/>
+            </a:r>
+            <a:br>
+              <a:rPr lang="fr-FR" dirty="0" smtClean="0"/>
+            </a:br>
+            <a:endParaRPr lang="fr-FR" dirty="0"/>
+          </a:p>
+        </p:txBody>
+      </p:sp>
+      <p:pic>
+        <p:nvPicPr>
+          <p:cNvPr id="5" name="Espace réservé du contenu 4"/>
+          <p:cNvPicPr>
+            <a:picLocks noGrp="1" noChangeAspect="1"/>
+          </p:cNvPicPr>
+          <p:nvPr>
+            <p:ph idx="1"/>
+          </p:nvPr>
+        </p:nvPicPr>
+        <p:blipFill>
+          <a:blip r:embed="rId2">
+            <a:extLst>
+              <a:ext uri="{28A0092B-C50C-407E-A947-70E740481C1C}">
+                <a14:useLocalDpi xmlns:a14="http://schemas.microsoft.com/office/drawing/2010/main" val="0"/>
+              </a:ext>
+            </a:extLst>
+          </a:blip>
+          <a:stretch>
+            <a:fillRect/>
+          </a:stretch>
+        </p:blipFill>
+        <p:spPr>
+          <a:xfrm>
+            <a:off x="2939371" y="2160588"/>
+            <a:ext cx="4073295" cy="3881437"/>
+          </a:xfrm>
+        </p:spPr>
+      </p:pic>
+      <p:sp>
+        <p:nvSpPr>
+          <p:cNvPr id="3" name="ZoneTexte 2"/>
+          <p:cNvSpPr txBox="1"/>
+          <p:nvPr/>
+        </p:nvSpPr>
+        <p:spPr>
+          <a:xfrm>
+            <a:off x="1123513" y="1427328"/>
+            <a:ext cx="7720351" cy="369332"/>
+          </a:xfrm>
+          <a:prstGeom prst="rect">
+            <a:avLst/>
+          </a:prstGeom>
+          <a:noFill/>
+        </p:spPr>
+        <p:txBody>
+          <a:bodyPr wrap="square" rtlCol="0">
+            <a:spAutoFit/>
+          </a:bodyPr>
+          <a:lstStyle/>
+          <a:p>
+            <a:r>
+              <a:rPr lang="fr-FR" dirty="0">
+                <a:latin typeface="Agency FB" panose="020B0503020202020204" pitchFamily="34" charset="0"/>
+              </a:rPr>
+              <a:t> </a:t>
+            </a:r>
+            <a:r>
+              <a:rPr lang="fr-FR" dirty="0" err="1" smtClean="0">
+                <a:latin typeface="Agency FB" panose="020B0503020202020204" pitchFamily="34" charset="0"/>
+              </a:rPr>
+              <a:t>postsegnormalize</a:t>
+            </a:r>
+            <a:r>
+              <a:rPr lang="fr-FR" dirty="0" smtClean="0">
+                <a:latin typeface="Agency FB" panose="020B0503020202020204" pitchFamily="34" charset="0"/>
+              </a:rPr>
+              <a:t>(data)</a:t>
+            </a:r>
+            <a:endParaRPr lang="fr-FR" dirty="0">
+              <a:latin typeface="Agency FB" panose="020B0503020202020204" pitchFamily="34" charset="0"/>
+            </a:endParaRPr>
+          </a:p>
+        </p:txBody>
+      </p:sp>
+    </p:spTree>
+    <p:extLst>
+      <p:ext uri="{BB962C8B-B14F-4D97-AF65-F5344CB8AC3E}">
+        <p14:creationId xmlns:p14="http://schemas.microsoft.com/office/powerpoint/2010/main" val="2791989526"/>
       </p:ext>
     </p:extLst>
   </p:cSld>

--- a/docs/docs_I_made/slides/rCGH.pptx
+++ b/docs/docs_I_made/slides/rCGH.pptx
@@ -6,12 +6,13 @@
   </p:sldMasterIdLst>
   <p:sldIdLst>
     <p:sldId id="256" r:id="rId2"/>
-    <p:sldId id="261" r:id="rId3"/>
-    <p:sldId id="266" r:id="rId4"/>
+    <p:sldId id="271" r:id="rId3"/>
+    <p:sldId id="261" r:id="rId4"/>
     <p:sldId id="260" r:id="rId5"/>
-    <p:sldId id="267" r:id="rId6"/>
-    <p:sldId id="269" r:id="rId7"/>
-    <p:sldId id="270" r:id="rId8"/>
+    <p:sldId id="274" r:id="rId6"/>
+    <p:sldId id="272" r:id="rId7"/>
+    <p:sldId id="269" r:id="rId8"/>
+    <p:sldId id="273" r:id="rId9"/>
   </p:sldIdLst>
   <p:sldSz cx="12192000" cy="6858000"/>
   <p:notesSz cx="6858000" cy="9144000"/>
@@ -845,7 +846,7 @@
             <a:fld id="{B61BEF0D-F0BB-DE4B-95CE-6DB70DBA9567}" type="datetimeFigureOut">
               <a:rPr lang="en-US" smtClean="0"/>
               <a:pPr/>
-              <a:t>4/21/2022</a:t>
+              <a:t>4/25/2022</a:t>
             </a:fld>
             <a:endParaRPr lang="en-US" dirty="0"/>
           </a:p>
@@ -1098,7 +1099,7 @@
             <a:fld id="{B61BEF0D-F0BB-DE4B-95CE-6DB70DBA9567}" type="datetimeFigureOut">
               <a:rPr lang="en-US" smtClean="0"/>
               <a:pPr/>
-              <a:t>4/21/2022</a:t>
+              <a:t>4/25/2022</a:t>
             </a:fld>
             <a:endParaRPr lang="en-US" dirty="0"/>
           </a:p>
@@ -1414,7 +1415,7 @@
             <a:fld id="{B61BEF0D-F0BB-DE4B-95CE-6DB70DBA9567}" type="datetimeFigureOut">
               <a:rPr lang="en-US" smtClean="0"/>
               <a:pPr/>
-              <a:t>4/21/2022</a:t>
+              <a:t>4/25/2022</a:t>
             </a:fld>
             <a:endParaRPr lang="en-US" dirty="0"/>
           </a:p>
@@ -1743,7 +1744,7 @@
             <a:fld id="{B61BEF0D-F0BB-DE4B-95CE-6DB70DBA9567}" type="datetimeFigureOut">
               <a:rPr lang="en-US" smtClean="0"/>
               <a:pPr/>
-              <a:t>4/21/2022</a:t>
+              <a:t>4/25/2022</a:t>
             </a:fld>
             <a:endParaRPr lang="en-US" dirty="0"/>
           </a:p>
@@ -2059,7 +2060,7 @@
             <a:fld id="{B61BEF0D-F0BB-DE4B-95CE-6DB70DBA9567}" type="datetimeFigureOut">
               <a:rPr lang="en-US" smtClean="0"/>
               <a:pPr/>
-              <a:t>4/21/2022</a:t>
+              <a:t>4/25/2022</a:t>
             </a:fld>
             <a:endParaRPr lang="en-US" dirty="0"/>
           </a:p>
@@ -2448,7 +2449,7 @@
             <a:fld id="{B61BEF0D-F0BB-DE4B-95CE-6DB70DBA9567}" type="datetimeFigureOut">
               <a:rPr lang="en-US" smtClean="0"/>
               <a:pPr/>
-              <a:t>4/21/2022</a:t>
+              <a:t>4/25/2022</a:t>
             </a:fld>
             <a:endParaRPr lang="en-US" dirty="0"/>
           </a:p>
@@ -2619,7 +2620,7 @@
           <a:p>
             <a:fld id="{55C6B4A9-1611-4792-9094-5F34BCA07E0B}" type="datetimeFigureOut">
               <a:rPr lang="en-US" smtClean="0"/>
-              <a:t>4/21/2022</a:t>
+              <a:t>4/25/2022</a:t>
             </a:fld>
             <a:endParaRPr lang="en-US" dirty="0"/>
           </a:p>
@@ -2800,7 +2801,7 @@
             <a:fld id="{B61BEF0D-F0BB-DE4B-95CE-6DB70DBA9567}" type="datetimeFigureOut">
               <a:rPr lang="en-US" smtClean="0"/>
               <a:pPr/>
-              <a:t>4/21/2022</a:t>
+              <a:t>4/25/2022</a:t>
             </a:fld>
             <a:endParaRPr lang="en-US" dirty="0"/>
           </a:p>
@@ -2972,7 +2973,7 @@
             <a:fld id="{B61BEF0D-F0BB-DE4B-95CE-6DB70DBA9567}" type="datetimeFigureOut">
               <a:rPr lang="en-US" smtClean="0"/>
               <a:pPr/>
-              <a:t>4/21/2022</a:t>
+              <a:t>4/25/2022</a:t>
             </a:fld>
             <a:endParaRPr lang="en-US" dirty="0"/>
           </a:p>
@@ -3221,7 +3222,7 @@
             <a:fld id="{B61BEF0D-F0BB-DE4B-95CE-6DB70DBA9567}" type="datetimeFigureOut">
               <a:rPr lang="en-US" smtClean="0"/>
               <a:pPr/>
-              <a:t>4/21/2022</a:t>
+              <a:t>4/25/2022</a:t>
             </a:fld>
             <a:endParaRPr lang="en-US" dirty="0"/>
           </a:p>
@@ -3454,7 +3455,7 @@
           <a:p>
             <a:fld id="{EB712588-04B1-427B-82EE-E8DB90309F08}" type="datetimeFigureOut">
               <a:rPr lang="en-US" smtClean="0"/>
-              <a:t>4/21/2022</a:t>
+              <a:t>4/25/2022</a:t>
             </a:fld>
             <a:endParaRPr lang="en-US" dirty="0"/>
           </a:p>
@@ -3829,7 +3830,7 @@
             <a:fld id="{B61BEF0D-F0BB-DE4B-95CE-6DB70DBA9567}" type="datetimeFigureOut">
               <a:rPr lang="en-US" smtClean="0"/>
               <a:pPr/>
-              <a:t>4/21/2022</a:t>
+              <a:t>4/25/2022</a:t>
             </a:fld>
             <a:endParaRPr lang="en-US" dirty="0"/>
           </a:p>
@@ -3954,7 +3955,7 @@
             <a:fld id="{B61BEF0D-F0BB-DE4B-95CE-6DB70DBA9567}" type="datetimeFigureOut">
               <a:rPr lang="en-US" smtClean="0"/>
               <a:pPr/>
-              <a:t>4/21/2022</a:t>
+              <a:t>4/25/2022</a:t>
             </a:fld>
             <a:endParaRPr lang="en-US" dirty="0"/>
           </a:p>
@@ -4051,7 +4052,7 @@
             <a:fld id="{B61BEF0D-F0BB-DE4B-95CE-6DB70DBA9567}" type="datetimeFigureOut">
               <a:rPr lang="en-US" smtClean="0"/>
               <a:pPr/>
-              <a:t>4/21/2022</a:t>
+              <a:t>4/25/2022</a:t>
             </a:fld>
             <a:endParaRPr lang="en-US" dirty="0"/>
           </a:p>
@@ -4307,7 +4308,7 @@
           <a:p>
             <a:fld id="{42A54C80-263E-416B-A8E0-580EDEADCBDC}" type="datetimeFigureOut">
               <a:rPr lang="en-US" smtClean="0"/>
-              <a:t>4/21/2022</a:t>
+              <a:t>4/25/2022</a:t>
             </a:fld>
             <a:endParaRPr lang="en-US" dirty="0"/>
           </a:p>
@@ -4571,7 +4572,7 @@
             <a:fld id="{B61BEF0D-F0BB-DE4B-95CE-6DB70DBA9567}" type="datetimeFigureOut">
               <a:rPr lang="en-US" smtClean="0"/>
               <a:pPr/>
-              <a:t>4/21/2022</a:t>
+              <a:t>4/25/2022</a:t>
             </a:fld>
             <a:endParaRPr lang="en-US" dirty="0"/>
           </a:p>
@@ -5318,7 +5319,7 @@
             <a:fld id="{B61BEF0D-F0BB-DE4B-95CE-6DB70DBA9567}" type="datetimeFigureOut">
               <a:rPr lang="en-US" smtClean="0"/>
               <a:pPr/>
-              <a:t>4/21/2022</a:t>
+              <a:t>4/25/2022</a:t>
             </a:fld>
             <a:endParaRPr lang="en-US" dirty="0"/>
           </a:p>
@@ -5944,6 +5945,36 @@
           <a:chExt cx="0" cy="0"/>
         </a:xfrm>
       </p:grpSpPr>
+      <p:pic>
+        <p:nvPicPr>
+          <p:cNvPr id="3" name="Image 2"/>
+          <p:cNvPicPr>
+            <a:picLocks noChangeAspect="1"/>
+          </p:cNvPicPr>
+          <p:nvPr/>
+        </p:nvPicPr>
+        <p:blipFill>
+          <a:blip r:embed="rId2">
+            <a:extLst>
+              <a:ext uri="{28A0092B-C50C-407E-A947-70E740481C1C}">
+                <a14:useLocalDpi xmlns:a14="http://schemas.microsoft.com/office/drawing/2010/main" val="0"/>
+              </a:ext>
+            </a:extLst>
+          </a:blip>
+          <a:stretch>
+            <a:fillRect/>
+          </a:stretch>
+        </p:blipFill>
+        <p:spPr>
+          <a:xfrm>
+            <a:off x="348915" y="3128193"/>
+            <a:ext cx="11590420" cy="807292"/>
+          </a:xfrm>
+          <a:prstGeom prst="rect">
+            <a:avLst/>
+          </a:prstGeom>
+        </p:spPr>
+      </p:pic>
       <p:sp>
         <p:nvSpPr>
           <p:cNvPr id="2" name="Titre 1"/>
@@ -5966,16 +5997,656 @@
           <a:p>
             <a:r>
               <a:rPr lang="fr-FR" dirty="0" smtClean="0"/>
-              <a:t>Input</a:t>
-            </a:r>
+              <a:t>Pipeline</a:t>
+            </a:r>
+            <a:br>
+              <a:rPr lang="fr-FR" dirty="0" smtClean="0"/>
+            </a:br>
             <a:endParaRPr lang="fr-FR" dirty="0"/>
+          </a:p>
+        </p:txBody>
+      </p:sp>
+      <p:sp>
+        <p:nvSpPr>
+          <p:cNvPr id="16" name="Rectangle 15"/>
+          <p:cNvSpPr/>
+          <p:nvPr/>
+        </p:nvSpPr>
+        <p:spPr>
+          <a:xfrm>
+            <a:off x="2181725" y="4047262"/>
+            <a:ext cx="3010511" cy="813496"/>
+          </a:xfrm>
+          <a:prstGeom prst="rect">
+            <a:avLst/>
+          </a:prstGeom>
+          <a:solidFill>
+            <a:schemeClr val="accent1">
+              <a:lumMod val="20000"/>
+              <a:lumOff val="80000"/>
+            </a:schemeClr>
+          </a:solidFill>
+        </p:spPr>
+        <p:style>
+          <a:lnRef idx="2">
+            <a:schemeClr val="accent1">
+              <a:shade val="50000"/>
+            </a:schemeClr>
+          </a:lnRef>
+          <a:fillRef idx="1">
+            <a:schemeClr val="accent1"/>
+          </a:fillRef>
+          <a:effectRef idx="0">
+            <a:schemeClr val="accent1"/>
+          </a:effectRef>
+          <a:fontRef idx="minor">
+            <a:schemeClr val="lt1"/>
+          </a:fontRef>
+        </p:style>
+        <p:txBody>
+          <a:bodyPr rtlCol="0" anchor="ctr"/>
+          <a:lstStyle/>
+          <a:p>
+            <a:pPr algn="ctr"/>
+            <a:r>
+              <a:rPr lang="fr-FR" sz="1000" dirty="0" smtClean="0">
+                <a:solidFill>
+                  <a:schemeClr val="tx1"/>
+                </a:solidFill>
+              </a:rPr>
+              <a:t>Contient les données </a:t>
+            </a:r>
+            <a:r>
+              <a:rPr lang="fr-FR" sz="1000" dirty="0" err="1" smtClean="0">
+                <a:solidFill>
+                  <a:schemeClr val="tx1"/>
+                </a:solidFill>
+              </a:rPr>
+              <a:t>re-échelonnées</a:t>
+            </a:r>
+            <a:endParaRPr lang="fr-FR" sz="1000" dirty="0">
+              <a:solidFill>
+                <a:schemeClr val="tx1"/>
+              </a:solidFill>
+            </a:endParaRPr>
+          </a:p>
+        </p:txBody>
+      </p:sp>
+      <p:sp>
+        <p:nvSpPr>
+          <p:cNvPr id="30" name="Rectangle 29"/>
+          <p:cNvSpPr/>
+          <p:nvPr/>
+        </p:nvSpPr>
+        <p:spPr>
+          <a:xfrm>
+            <a:off x="9456854" y="4260858"/>
+            <a:ext cx="2482481" cy="1077607"/>
+          </a:xfrm>
+          <a:prstGeom prst="rect">
+            <a:avLst/>
+          </a:prstGeom>
+          <a:solidFill>
+            <a:schemeClr val="accent1">
+              <a:lumMod val="20000"/>
+              <a:lumOff val="80000"/>
+            </a:schemeClr>
+          </a:solidFill>
+        </p:spPr>
+        <p:style>
+          <a:lnRef idx="2">
+            <a:schemeClr val="accent1">
+              <a:shade val="50000"/>
+            </a:schemeClr>
+          </a:lnRef>
+          <a:fillRef idx="1">
+            <a:schemeClr val="accent1"/>
+          </a:fillRef>
+          <a:effectRef idx="0">
+            <a:schemeClr val="accent1"/>
+          </a:effectRef>
+          <a:fontRef idx="minor">
+            <a:schemeClr val="lt1"/>
+          </a:fontRef>
+        </p:style>
+        <p:txBody>
+          <a:bodyPr rtlCol="0" anchor="ctr"/>
+          <a:lstStyle/>
+          <a:p>
+            <a:pPr algn="ctr"/>
+            <a:r>
+              <a:rPr lang="fr-FR" sz="1000" dirty="0" smtClean="0">
+                <a:solidFill>
+                  <a:schemeClr val="tx1"/>
+                </a:solidFill>
+              </a:rPr>
+              <a:t>Les données sont attribuées aux gènes correspondants; Il est possible de visualiser les gènes spécifiés.</a:t>
+            </a:r>
+            <a:endParaRPr lang="fr-FR" sz="1000" dirty="0">
+              <a:solidFill>
+                <a:schemeClr val="tx1"/>
+              </a:solidFill>
+            </a:endParaRPr>
+          </a:p>
+        </p:txBody>
+      </p:sp>
+      <p:sp>
+        <p:nvSpPr>
+          <p:cNvPr id="31" name="Rectangle 30"/>
+          <p:cNvSpPr/>
+          <p:nvPr/>
+        </p:nvSpPr>
+        <p:spPr>
+          <a:xfrm>
+            <a:off x="188050" y="4043890"/>
+            <a:ext cx="962526" cy="813496"/>
+          </a:xfrm>
+          <a:prstGeom prst="rect">
+            <a:avLst/>
+          </a:prstGeom>
+          <a:solidFill>
+            <a:schemeClr val="accent1">
+              <a:lumMod val="20000"/>
+              <a:lumOff val="80000"/>
+            </a:schemeClr>
+          </a:solidFill>
+        </p:spPr>
+        <p:style>
+          <a:lnRef idx="2">
+            <a:schemeClr val="accent1">
+              <a:shade val="50000"/>
+            </a:schemeClr>
+          </a:lnRef>
+          <a:fillRef idx="1">
+            <a:schemeClr val="accent1"/>
+          </a:fillRef>
+          <a:effectRef idx="0">
+            <a:schemeClr val="accent1"/>
+          </a:effectRef>
+          <a:fontRef idx="minor">
+            <a:schemeClr val="lt1"/>
+          </a:fontRef>
+        </p:style>
+        <p:txBody>
+          <a:bodyPr rtlCol="0" anchor="ctr"/>
+          <a:lstStyle/>
+          <a:p>
+            <a:pPr algn="ctr"/>
+            <a:r>
+              <a:rPr lang="fr-FR" sz="1000" dirty="0" smtClean="0">
+                <a:solidFill>
+                  <a:schemeClr val="tx1"/>
+                </a:solidFill>
+              </a:rPr>
+              <a:t>Fichier exporté par </a:t>
+            </a:r>
+            <a:r>
+              <a:rPr lang="fr-FR" sz="1000" dirty="0" err="1" smtClean="0">
+                <a:solidFill>
+                  <a:schemeClr val="tx1"/>
+                </a:solidFill>
+              </a:rPr>
+              <a:t>ChAS</a:t>
+            </a:r>
+            <a:endParaRPr lang="fr-FR" sz="1000" dirty="0">
+              <a:solidFill>
+                <a:schemeClr val="tx1"/>
+              </a:solidFill>
+            </a:endParaRPr>
+          </a:p>
+        </p:txBody>
+      </p:sp>
+      <p:sp>
+        <p:nvSpPr>
+          <p:cNvPr id="33" name="Rectangle 32"/>
+          <p:cNvSpPr/>
+          <p:nvPr/>
+        </p:nvSpPr>
+        <p:spPr>
+          <a:xfrm>
+            <a:off x="5192237" y="1729009"/>
+            <a:ext cx="1048143" cy="1077607"/>
+          </a:xfrm>
+          <a:prstGeom prst="rect">
+            <a:avLst/>
+          </a:prstGeom>
+          <a:solidFill>
+            <a:schemeClr val="accent1">
+              <a:lumMod val="20000"/>
+              <a:lumOff val="80000"/>
+            </a:schemeClr>
+          </a:solidFill>
+        </p:spPr>
+        <p:style>
+          <a:lnRef idx="2">
+            <a:schemeClr val="accent1">
+              <a:shade val="50000"/>
+            </a:schemeClr>
+          </a:lnRef>
+          <a:fillRef idx="1">
+            <a:schemeClr val="accent1"/>
+          </a:fillRef>
+          <a:effectRef idx="0">
+            <a:schemeClr val="accent1"/>
+          </a:effectRef>
+          <a:fontRef idx="minor">
+            <a:schemeClr val="lt1"/>
+          </a:fontRef>
+        </p:style>
+        <p:txBody>
+          <a:bodyPr rtlCol="0" anchor="ctr"/>
+          <a:lstStyle/>
+          <a:p>
+            <a:pPr lvl="0" algn="ctr"/>
+            <a:r>
+              <a:rPr lang="fr-FR" sz="1000" dirty="0">
+                <a:solidFill>
+                  <a:prstClr val="black"/>
+                </a:solidFill>
+              </a:rPr>
+              <a:t>Segmentation </a:t>
+            </a:r>
+            <a:r>
+              <a:rPr lang="fr-FR" sz="1000" dirty="0" smtClean="0">
+                <a:solidFill>
+                  <a:prstClr val="black"/>
+                </a:solidFill>
+              </a:rPr>
+              <a:t>par </a:t>
+            </a:r>
+            <a:r>
+              <a:rPr lang="fr-FR" sz="1000" dirty="0" err="1" smtClean="0">
+                <a:solidFill>
+                  <a:prstClr val="black"/>
+                </a:solidFill>
+              </a:rPr>
+              <a:t>DNAcopy</a:t>
+            </a:r>
+            <a:r>
+              <a:rPr lang="fr-FR" sz="1000" dirty="0" smtClean="0">
+                <a:solidFill>
+                  <a:prstClr val="black"/>
+                </a:solidFill>
+              </a:rPr>
+              <a:t>, </a:t>
+            </a:r>
+          </a:p>
+          <a:p>
+            <a:pPr lvl="0" algn="ctr"/>
+            <a:r>
+              <a:rPr lang="fr-FR" sz="1000" dirty="0" smtClean="0">
+                <a:solidFill>
+                  <a:prstClr val="black"/>
+                </a:solidFill>
+              </a:rPr>
+              <a:t>Estimation simple du nombre de copies</a:t>
+            </a:r>
+            <a:endParaRPr lang="fr-FR" sz="1000" dirty="0">
+              <a:solidFill>
+                <a:prstClr val="black"/>
+              </a:solidFill>
+            </a:endParaRPr>
+          </a:p>
+        </p:txBody>
+      </p:sp>
+      <p:sp>
+        <p:nvSpPr>
+          <p:cNvPr id="12" name="Rectangle 11"/>
+          <p:cNvSpPr/>
+          <p:nvPr/>
+        </p:nvSpPr>
+        <p:spPr>
+          <a:xfrm>
+            <a:off x="1170374" y="1731642"/>
+            <a:ext cx="1048143" cy="1077607"/>
+          </a:xfrm>
+          <a:prstGeom prst="rect">
+            <a:avLst/>
+          </a:prstGeom>
+          <a:solidFill>
+            <a:schemeClr val="accent1">
+              <a:lumMod val="20000"/>
+              <a:lumOff val="80000"/>
+            </a:schemeClr>
+          </a:solidFill>
+        </p:spPr>
+        <p:style>
+          <a:lnRef idx="2">
+            <a:schemeClr val="accent1">
+              <a:shade val="50000"/>
+            </a:schemeClr>
+          </a:lnRef>
+          <a:fillRef idx="1">
+            <a:schemeClr val="accent1"/>
+          </a:fillRef>
+          <a:effectRef idx="0">
+            <a:schemeClr val="accent1"/>
+          </a:effectRef>
+          <a:fontRef idx="minor">
+            <a:schemeClr val="lt1"/>
+          </a:fontRef>
+        </p:style>
+        <p:txBody>
+          <a:bodyPr rtlCol="0" anchor="ctr"/>
+          <a:lstStyle/>
+          <a:p>
+            <a:pPr lvl="0" algn="ctr"/>
+            <a:r>
+              <a:rPr lang="fr-FR" sz="1000" dirty="0" smtClean="0">
+                <a:solidFill>
+                  <a:prstClr val="black"/>
+                </a:solidFill>
+              </a:rPr>
+              <a:t>La </a:t>
+            </a:r>
+            <a:r>
+              <a:rPr lang="fr-FR" sz="1000" dirty="0" err="1" smtClean="0">
+                <a:solidFill>
+                  <a:prstClr val="black"/>
+                </a:solidFill>
+              </a:rPr>
+              <a:t>ploidie</a:t>
+            </a:r>
+            <a:r>
+              <a:rPr lang="fr-FR" sz="1000" dirty="0" smtClean="0">
+                <a:solidFill>
+                  <a:prstClr val="black"/>
+                </a:solidFill>
+              </a:rPr>
+              <a:t> a priori et le génome de référence peuvent être spécifiés</a:t>
+            </a:r>
+            <a:endParaRPr lang="fr-FR" sz="1000" dirty="0">
+              <a:solidFill>
+                <a:prstClr val="black"/>
+              </a:solidFill>
+            </a:endParaRPr>
+          </a:p>
+        </p:txBody>
+      </p:sp>
+      <p:sp>
+        <p:nvSpPr>
+          <p:cNvPr id="13" name="Rectangle 12"/>
+          <p:cNvSpPr/>
+          <p:nvPr/>
+        </p:nvSpPr>
+        <p:spPr>
+          <a:xfrm>
+            <a:off x="3124402" y="1737895"/>
+            <a:ext cx="1048143" cy="1077607"/>
+          </a:xfrm>
+          <a:prstGeom prst="rect">
+            <a:avLst/>
+          </a:prstGeom>
+          <a:solidFill>
+            <a:schemeClr val="accent1">
+              <a:lumMod val="20000"/>
+              <a:lumOff val="80000"/>
+            </a:schemeClr>
+          </a:solidFill>
+        </p:spPr>
+        <p:style>
+          <a:lnRef idx="2">
+            <a:schemeClr val="accent1">
+              <a:shade val="50000"/>
+            </a:schemeClr>
+          </a:lnRef>
+          <a:fillRef idx="1">
+            <a:schemeClr val="accent1"/>
+          </a:fillRef>
+          <a:effectRef idx="0">
+            <a:schemeClr val="accent1"/>
+          </a:effectRef>
+          <a:fontRef idx="minor">
+            <a:schemeClr val="lt1"/>
+          </a:fontRef>
+        </p:style>
+        <p:txBody>
+          <a:bodyPr rtlCol="0" anchor="ctr"/>
+          <a:lstStyle/>
+          <a:p>
+            <a:pPr lvl="0" algn="ctr"/>
+            <a:r>
+              <a:rPr lang="fr-FR" sz="1000" dirty="0" smtClean="0">
+                <a:solidFill>
+                  <a:prstClr val="black"/>
+                </a:solidFill>
+              </a:rPr>
+              <a:t>Lisse les </a:t>
+            </a:r>
+            <a:r>
+              <a:rPr lang="fr-FR" sz="1000" dirty="0" err="1" smtClean="0">
+                <a:solidFill>
+                  <a:prstClr val="black"/>
+                </a:solidFill>
+              </a:rPr>
+              <a:t>outliers</a:t>
+            </a:r>
+            <a:r>
+              <a:rPr lang="fr-FR" sz="1000" dirty="0" smtClean="0">
+                <a:solidFill>
+                  <a:prstClr val="black"/>
+                </a:solidFill>
+              </a:rPr>
+              <a:t>, </a:t>
+            </a:r>
+            <a:r>
+              <a:rPr lang="fr-FR" sz="1000" dirty="0" smtClean="0">
+                <a:solidFill>
+                  <a:prstClr val="black"/>
+                </a:solidFill>
+              </a:rPr>
+              <a:t>génère </a:t>
+            </a:r>
+            <a:r>
+              <a:rPr lang="fr-FR" sz="1000" dirty="0" smtClean="0">
+                <a:solidFill>
+                  <a:prstClr val="black"/>
+                </a:solidFill>
+              </a:rPr>
+              <a:t>des scores de variabilité</a:t>
+            </a:r>
+            <a:endParaRPr lang="fr-FR" sz="1000" dirty="0">
+              <a:solidFill>
+                <a:prstClr val="black"/>
+              </a:solidFill>
+            </a:endParaRPr>
+          </a:p>
+        </p:txBody>
+      </p:sp>
+      <p:sp>
+        <p:nvSpPr>
+          <p:cNvPr id="14" name="Rectangle 13"/>
+          <p:cNvSpPr/>
+          <p:nvPr/>
+        </p:nvSpPr>
+        <p:spPr>
+          <a:xfrm>
+            <a:off x="6212191" y="4043890"/>
+            <a:ext cx="962526" cy="813496"/>
+          </a:xfrm>
+          <a:prstGeom prst="rect">
+            <a:avLst/>
+          </a:prstGeom>
+          <a:solidFill>
+            <a:schemeClr val="accent1">
+              <a:lumMod val="20000"/>
+              <a:lumOff val="80000"/>
+            </a:schemeClr>
+          </a:solidFill>
+        </p:spPr>
+        <p:style>
+          <a:lnRef idx="2">
+            <a:schemeClr val="accent1">
+              <a:shade val="50000"/>
+            </a:schemeClr>
+          </a:lnRef>
+          <a:fillRef idx="1">
+            <a:schemeClr val="accent1"/>
+          </a:fillRef>
+          <a:effectRef idx="0">
+            <a:schemeClr val="accent1"/>
+          </a:effectRef>
+          <a:fontRef idx="minor">
+            <a:schemeClr val="lt1"/>
+          </a:fontRef>
+        </p:style>
+        <p:txBody>
+          <a:bodyPr rtlCol="0" anchor="ctr"/>
+          <a:lstStyle/>
+          <a:p>
+            <a:pPr algn="ctr"/>
+            <a:r>
+              <a:rPr lang="fr-FR" sz="1000" dirty="0">
+                <a:solidFill>
+                  <a:schemeClr val="tx1"/>
+                </a:solidFill>
+              </a:rPr>
+              <a:t>Contient les données </a:t>
+            </a:r>
+            <a:r>
+              <a:rPr lang="fr-FR" sz="1000" dirty="0" smtClean="0">
+                <a:solidFill>
+                  <a:schemeClr val="tx1"/>
+                </a:solidFill>
+              </a:rPr>
+              <a:t>recentrées et segmentées</a:t>
+            </a:r>
+            <a:endParaRPr lang="fr-FR" sz="1000" dirty="0">
+              <a:solidFill>
+                <a:schemeClr val="tx1"/>
+              </a:solidFill>
+            </a:endParaRPr>
+          </a:p>
+        </p:txBody>
+      </p:sp>
+      <p:sp>
+        <p:nvSpPr>
+          <p:cNvPr id="15" name="Rectangle 14"/>
+          <p:cNvSpPr/>
+          <p:nvPr/>
+        </p:nvSpPr>
+        <p:spPr>
+          <a:xfrm>
+            <a:off x="7174717" y="1737895"/>
+            <a:ext cx="1048143" cy="1077607"/>
+          </a:xfrm>
+          <a:prstGeom prst="rect">
+            <a:avLst/>
+          </a:prstGeom>
+          <a:solidFill>
+            <a:schemeClr val="accent1">
+              <a:lumMod val="20000"/>
+              <a:lumOff val="80000"/>
+            </a:schemeClr>
+          </a:solidFill>
+        </p:spPr>
+        <p:style>
+          <a:lnRef idx="2">
+            <a:schemeClr val="accent1">
+              <a:shade val="50000"/>
+            </a:schemeClr>
+          </a:lnRef>
+          <a:fillRef idx="1">
+            <a:schemeClr val="accent1"/>
+          </a:fillRef>
+          <a:effectRef idx="0">
+            <a:schemeClr val="accent1"/>
+          </a:effectRef>
+          <a:fontRef idx="minor">
+            <a:schemeClr val="lt1"/>
+          </a:fontRef>
+        </p:style>
+        <p:txBody>
+          <a:bodyPr rtlCol="0" anchor="ctr"/>
+          <a:lstStyle/>
+          <a:p>
+            <a:pPr lvl="0" algn="ctr"/>
+            <a:r>
+              <a:rPr lang="fr-FR" sz="1000" dirty="0" smtClean="0">
+                <a:solidFill>
+                  <a:prstClr val="black"/>
+                </a:solidFill>
+              </a:rPr>
+              <a:t>Normalisation par modèle de mélange</a:t>
+            </a:r>
+            <a:endParaRPr lang="fr-FR" sz="1000" dirty="0">
+              <a:solidFill>
+                <a:prstClr val="black"/>
+              </a:solidFill>
+            </a:endParaRPr>
+          </a:p>
+        </p:txBody>
+      </p:sp>
+      <p:sp>
+        <p:nvSpPr>
+          <p:cNvPr id="17" name="Rectangle 16"/>
+          <p:cNvSpPr/>
+          <p:nvPr/>
+        </p:nvSpPr>
+        <p:spPr>
+          <a:xfrm>
+            <a:off x="8222860" y="4043890"/>
+            <a:ext cx="962526" cy="813496"/>
+          </a:xfrm>
+          <a:prstGeom prst="rect">
+            <a:avLst/>
+          </a:prstGeom>
+          <a:solidFill>
+            <a:schemeClr val="accent1">
+              <a:lumMod val="20000"/>
+              <a:lumOff val="80000"/>
+            </a:schemeClr>
+          </a:solidFill>
+        </p:spPr>
+        <p:style>
+          <a:lnRef idx="2">
+            <a:schemeClr val="accent1">
+              <a:shade val="50000"/>
+            </a:schemeClr>
+          </a:lnRef>
+          <a:fillRef idx="1">
+            <a:schemeClr val="accent1"/>
+          </a:fillRef>
+          <a:effectRef idx="0">
+            <a:schemeClr val="accent1"/>
+          </a:effectRef>
+          <a:fontRef idx="minor">
+            <a:schemeClr val="lt1"/>
+          </a:fontRef>
+        </p:style>
+        <p:txBody>
+          <a:bodyPr rtlCol="0" anchor="ctr"/>
+          <a:lstStyle/>
+          <a:p>
+            <a:pPr algn="ctr"/>
+            <a:r>
+              <a:rPr lang="fr-FR" sz="1000" dirty="0">
+                <a:solidFill>
+                  <a:schemeClr val="tx1"/>
+                </a:solidFill>
+              </a:rPr>
+              <a:t>Contient les données </a:t>
+            </a:r>
+            <a:r>
+              <a:rPr lang="fr-FR" sz="1000" dirty="0" smtClean="0">
+                <a:solidFill>
+                  <a:schemeClr val="tx1"/>
+                </a:solidFill>
+              </a:rPr>
+              <a:t>recentrées et segmentées</a:t>
+            </a:r>
+            <a:endParaRPr lang="fr-FR" sz="1000" dirty="0">
+              <a:solidFill>
+                <a:schemeClr val="tx1"/>
+              </a:solidFill>
+            </a:endParaRPr>
           </a:p>
         </p:txBody>
       </p:sp>
     </p:spTree>
     <p:extLst>
       <p:ext uri="{BB962C8B-B14F-4D97-AF65-F5344CB8AC3E}">
-        <p14:creationId xmlns:p14="http://schemas.microsoft.com/office/powerpoint/2010/main" val="4099947957"/>
+        <p14:creationId xmlns:p14="http://schemas.microsoft.com/office/powerpoint/2010/main" val="3229465646"/>
       </p:ext>
     </p:extLst>
   </p:cSld>
@@ -6021,7 +6692,7 @@
         </p:nvSpPr>
         <p:spPr>
           <a:xfrm>
-            <a:off x="685355" y="481263"/>
+            <a:off x="669313" y="417095"/>
             <a:ext cx="8596668" cy="1320800"/>
           </a:xfrm>
         </p:spPr>
@@ -6030,110 +6701,16 @@
           <a:lstStyle/>
           <a:p>
             <a:r>
-              <a:rPr lang="fr-FR" dirty="0" err="1"/>
-              <a:t>Pre-process</a:t>
-            </a:r>
-            <a:endParaRPr lang="fr-FR" dirty="0"/>
-          </a:p>
-        </p:txBody>
-      </p:sp>
-      <p:sp>
-        <p:nvSpPr>
-          <p:cNvPr id="3" name="ZoneTexte 2"/>
-          <p:cNvSpPr txBox="1"/>
-          <p:nvPr/>
-        </p:nvSpPr>
-        <p:spPr>
-          <a:xfrm>
-            <a:off x="3503847" y="1281378"/>
-            <a:ext cx="3416969" cy="646331"/>
-          </a:xfrm>
-          <a:prstGeom prst="rect">
-            <a:avLst/>
-          </a:prstGeom>
-          <a:noFill/>
-        </p:spPr>
-        <p:txBody>
-          <a:bodyPr wrap="square" rtlCol="0">
-            <a:spAutoFit/>
-          </a:bodyPr>
-          <a:lstStyle/>
-          <a:p>
-            <a:r>
-              <a:rPr lang="fr-FR" dirty="0" err="1" smtClean="0">
-                <a:latin typeface="Agency FB" panose="020B0503020202020204" pitchFamily="34" charset="0"/>
-              </a:rPr>
-              <a:t>preprocess</a:t>
-            </a:r>
-            <a:r>
-              <a:rPr lang="fr-FR" dirty="0" smtClean="0">
-                <a:latin typeface="Agency FB" panose="020B0503020202020204" pitchFamily="34" charset="0"/>
-              </a:rPr>
-              <a:t>(data, </a:t>
-            </a:r>
-            <a:r>
-              <a:rPr lang="fr-FR" dirty="0" err="1">
-                <a:latin typeface="Agency FB" panose="020B0503020202020204" pitchFamily="34" charset="0"/>
-              </a:rPr>
-              <a:t>maxmiss</a:t>
-            </a:r>
-            <a:r>
-              <a:rPr lang="fr-FR" dirty="0">
-                <a:latin typeface="Agency FB" panose="020B0503020202020204" pitchFamily="34" charset="0"/>
-              </a:rPr>
-              <a:t>=</a:t>
-            </a:r>
-            <a:r>
-              <a:rPr lang="fr-FR" dirty="0">
-                <a:solidFill>
-                  <a:srgbClr val="FF0000"/>
-                </a:solidFill>
-                <a:latin typeface="Agency FB" panose="020B0503020202020204" pitchFamily="34" charset="0"/>
-              </a:rPr>
-              <a:t>30</a:t>
-            </a:r>
-            <a:r>
-              <a:rPr lang="fr-FR" dirty="0">
-                <a:latin typeface="Agency FB" panose="020B0503020202020204" pitchFamily="34" charset="0"/>
-              </a:rPr>
-              <a:t>, </a:t>
-            </a:r>
-            <a:r>
-              <a:rPr lang="fr-FR" dirty="0" err="1">
-                <a:latin typeface="Agency FB" panose="020B0503020202020204" pitchFamily="34" charset="0"/>
-              </a:rPr>
-              <a:t>nchrom</a:t>
-            </a:r>
-            <a:r>
-              <a:rPr lang="fr-FR" dirty="0">
-                <a:latin typeface="Agency FB" panose="020B0503020202020204" pitchFamily="34" charset="0"/>
-              </a:rPr>
-              <a:t>=</a:t>
-            </a:r>
-            <a:r>
-              <a:rPr lang="fr-FR" dirty="0">
-                <a:solidFill>
-                  <a:srgbClr val="FF0000"/>
-                </a:solidFill>
-                <a:latin typeface="Agency FB" panose="020B0503020202020204" pitchFamily="34" charset="0"/>
-              </a:rPr>
-              <a:t>22</a:t>
-            </a:r>
-            <a:r>
-              <a:rPr lang="fr-FR" dirty="0">
-                <a:latin typeface="Agency FB" panose="020B0503020202020204" pitchFamily="34" charset="0"/>
-              </a:rPr>
-              <a:t>)</a:t>
-            </a:r>
-          </a:p>
-          <a:p>
+              <a:rPr lang="fr-FR" dirty="0" smtClean="0"/>
+              <a:t>Input</a:t>
+            </a:r>
             <a:endParaRPr lang="fr-FR" dirty="0"/>
           </a:p>
         </p:txBody>
       </p:sp>
       <p:pic>
         <p:nvPicPr>
-          <p:cNvPr id="6" name="Image 5"/>
+          <p:cNvPr id="3" name="Image 2"/>
           <p:cNvPicPr>
             <a:picLocks noChangeAspect="1"/>
           </p:cNvPicPr>
@@ -6147,8 +6724,8 @@
         </p:blipFill>
         <p:spPr>
           <a:xfrm>
-            <a:off x="2640902" y="1868872"/>
-            <a:ext cx="5142857" cy="4095238"/>
+            <a:off x="1991346" y="1227220"/>
+            <a:ext cx="7726807" cy="4972457"/>
           </a:xfrm>
           <a:prstGeom prst="rect">
             <a:avLst/>
@@ -6158,7 +6735,7 @@
     </p:spTree>
     <p:extLst>
       <p:ext uri="{BB962C8B-B14F-4D97-AF65-F5344CB8AC3E}">
-        <p14:creationId xmlns:p14="http://schemas.microsoft.com/office/powerpoint/2010/main" val="4048697289"/>
+        <p14:creationId xmlns:p14="http://schemas.microsoft.com/office/powerpoint/2010/main" val="4099947957"/>
       </p:ext>
     </p:extLst>
   </p:cSld>
@@ -6213,15 +6790,78 @@
           <a:lstStyle/>
           <a:p>
             <a:r>
-              <a:rPr lang="fr-FR" dirty="0"/>
-              <a:t>Première normalisation</a:t>
-            </a:r>
+              <a:rPr lang="fr-FR" dirty="0" err="1" smtClean="0"/>
+              <a:t>Rescaling</a:t>
+            </a:r>
+            <a:endParaRPr lang="fr-FR" dirty="0"/>
+          </a:p>
+        </p:txBody>
+      </p:sp>
+      <p:sp>
+        <p:nvSpPr>
+          <p:cNvPr id="3" name="ZoneTexte 2"/>
+          <p:cNvSpPr txBox="1"/>
+          <p:nvPr/>
+        </p:nvSpPr>
+        <p:spPr>
+          <a:xfrm>
+            <a:off x="2673626" y="1434418"/>
+            <a:ext cx="4620126" cy="369332"/>
+          </a:xfrm>
+          <a:prstGeom prst="rect">
+            <a:avLst/>
+          </a:prstGeom>
+          <a:noFill/>
+        </p:spPr>
+        <p:txBody>
+          <a:bodyPr wrap="square" rtlCol="0">
+            <a:spAutoFit/>
+          </a:bodyPr>
+          <a:lstStyle/>
+          <a:p>
+            <a:r>
+              <a:rPr lang="fr-FR" dirty="0" err="1" smtClean="0">
+                <a:latin typeface="Agency FB" panose="020B0503020202020204" pitchFamily="34" charset="0"/>
+              </a:rPr>
+              <a:t>adjustSignal</a:t>
+            </a:r>
+            <a:r>
+              <a:rPr lang="fr-FR" dirty="0" smtClean="0">
+                <a:latin typeface="Agency FB" panose="020B0503020202020204" pitchFamily="34" charset="0"/>
+              </a:rPr>
+              <a:t>(data, </a:t>
+            </a:r>
+            <a:r>
+              <a:rPr lang="fr-FR" dirty="0" err="1">
+                <a:latin typeface="Agency FB" panose="020B0503020202020204" pitchFamily="34" charset="0"/>
+              </a:rPr>
+              <a:t>nCores</a:t>
+            </a:r>
+            <a:r>
+              <a:rPr lang="fr-FR" dirty="0">
+                <a:latin typeface="Agency FB" panose="020B0503020202020204" pitchFamily="34" charset="0"/>
+              </a:rPr>
+              <a:t>=1, </a:t>
+            </a:r>
+            <a:r>
+              <a:rPr lang="fr-FR" dirty="0" err="1">
+                <a:latin typeface="Agency FB" panose="020B0503020202020204" pitchFamily="34" charset="0"/>
+              </a:rPr>
+              <a:t>suppOutliers</a:t>
+            </a:r>
+            <a:r>
+              <a:rPr lang="fr-FR" dirty="0">
+                <a:latin typeface="Agency FB" panose="020B0503020202020204" pitchFamily="34" charset="0"/>
+              </a:rPr>
+              <a:t>=TRUE)</a:t>
+            </a:r>
+            <a:endParaRPr lang="fr-FR" dirty="0"/>
           </a:p>
         </p:txBody>
       </p:sp>
       <p:pic>
         <p:nvPicPr>
-          <p:cNvPr id="8" name="Espace réservé du contenu 7"/>
+          <p:cNvPr id="5" name="Espace réservé du contenu 4"/>
           <p:cNvPicPr>
             <a:picLocks noGrp="1" noChangeAspect="1"/>
           </p:cNvPicPr>
@@ -6243,109 +6883,41 @@
         </p:blipFill>
         <p:spPr>
           <a:xfrm>
-            <a:off x="2331424" y="1605898"/>
-            <a:ext cx="5761818" cy="4590249"/>
+            <a:off x="829833" y="1911935"/>
+            <a:ext cx="4911332" cy="4680000"/>
           </a:xfrm>
         </p:spPr>
       </p:pic>
-      <p:sp>
-        <p:nvSpPr>
-          <p:cNvPr id="3" name="ZoneTexte 2"/>
-          <p:cNvSpPr txBox="1"/>
+      <p:pic>
+        <p:nvPicPr>
+          <p:cNvPr id="6" name="Image 5"/>
+          <p:cNvPicPr>
+            <a:picLocks noChangeAspect="1"/>
+          </p:cNvPicPr>
           <p:nvPr/>
-        </p:nvSpPr>
+        </p:nvPicPr>
+        <p:blipFill>
+          <a:blip r:embed="rId3">
+            <a:extLst>
+              <a:ext uri="{28A0092B-C50C-407E-A947-70E740481C1C}">
+                <a14:useLocalDpi xmlns:a14="http://schemas.microsoft.com/office/drawing/2010/main" val="0"/>
+              </a:ext>
+            </a:extLst>
+          </a:blip>
+          <a:stretch>
+            <a:fillRect/>
+          </a:stretch>
+        </p:blipFill>
         <p:spPr>
           <a:xfrm>
-            <a:off x="2673626" y="1434418"/>
-            <a:ext cx="4620126" cy="369332"/>
+            <a:off x="5741165" y="1911935"/>
+            <a:ext cx="4911332" cy="4680000"/>
           </a:xfrm>
           <a:prstGeom prst="rect">
             <a:avLst/>
           </a:prstGeom>
-          <a:noFill/>
         </p:spPr>
-        <p:txBody>
-          <a:bodyPr wrap="square" rtlCol="0">
-            <a:spAutoFit/>
-          </a:bodyPr>
-          <a:lstStyle/>
-          <a:p>
-            <a:r>
-              <a:rPr lang="fr-FR" dirty="0" err="1" smtClean="0">
-                <a:latin typeface="Agency FB" panose="020B0503020202020204" pitchFamily="34" charset="0"/>
-              </a:rPr>
-              <a:t>normalize</a:t>
-            </a:r>
-            <a:r>
-              <a:rPr lang="fr-FR" dirty="0" smtClean="0">
-                <a:latin typeface="Agency FB" panose="020B0503020202020204" pitchFamily="34" charset="0"/>
-              </a:rPr>
-              <a:t>(data</a:t>
-            </a:r>
-            <a:r>
-              <a:rPr lang="fr-FR" dirty="0">
-                <a:latin typeface="Agency FB" panose="020B0503020202020204" pitchFamily="34" charset="0"/>
-              </a:rPr>
-              <a:t>, </a:t>
-            </a:r>
-            <a:r>
-              <a:rPr lang="fr-FR" dirty="0" err="1">
-                <a:latin typeface="Agency FB" panose="020B0503020202020204" pitchFamily="34" charset="0"/>
-              </a:rPr>
-              <a:t>method</a:t>
-            </a:r>
-            <a:r>
-              <a:rPr lang="fr-FR" dirty="0">
-                <a:latin typeface="Agency FB" panose="020B0503020202020204" pitchFamily="34" charset="0"/>
-              </a:rPr>
-              <a:t>="</a:t>
-            </a:r>
-            <a:r>
-              <a:rPr lang="fr-FR" dirty="0" err="1">
-                <a:solidFill>
-                  <a:srgbClr val="FF0000"/>
-                </a:solidFill>
-                <a:latin typeface="Agency FB" panose="020B0503020202020204" pitchFamily="34" charset="0"/>
-              </a:rPr>
-              <a:t>median</a:t>
-            </a:r>
-            <a:r>
-              <a:rPr lang="fr-FR" dirty="0">
-                <a:latin typeface="Agency FB" panose="020B0503020202020204" pitchFamily="34" charset="0"/>
-              </a:rPr>
-              <a:t>", </a:t>
-            </a:r>
-            <a:r>
-              <a:rPr lang="fr-FR" dirty="0" err="1">
-                <a:latin typeface="Agency FB" panose="020B0503020202020204" pitchFamily="34" charset="0"/>
-              </a:rPr>
-              <a:t>smoothOutliers</a:t>
-            </a:r>
-            <a:r>
-              <a:rPr lang="fr-FR" dirty="0">
-                <a:latin typeface="Agency FB" panose="020B0503020202020204" pitchFamily="34" charset="0"/>
-              </a:rPr>
-              <a:t>=</a:t>
-            </a:r>
-            <a:r>
-              <a:rPr lang="fr-FR" dirty="0">
-                <a:solidFill>
-                  <a:srgbClr val="FF0000"/>
-                </a:solidFill>
-                <a:latin typeface="Agency FB" panose="020B0503020202020204" pitchFamily="34" charset="0"/>
-              </a:rPr>
-              <a:t>TRUE</a:t>
-            </a:r>
-            <a:r>
-              <a:rPr lang="fr-FR" dirty="0">
-                <a:latin typeface="Agency FB" panose="020B0503020202020204" pitchFamily="34" charset="0"/>
-              </a:rPr>
-              <a:t>)</a:t>
-            </a:r>
-            <a:endParaRPr lang="fr-FR" dirty="0"/>
-          </a:p>
-        </p:txBody>
-      </p:sp>
+      </p:pic>
     </p:spTree>
     <p:extLst>
       <p:ext uri="{BB962C8B-B14F-4D97-AF65-F5344CB8AC3E}">
@@ -6404,32 +6976,10 @@
           <a:lstStyle/>
           <a:p>
             <a:r>
-              <a:rPr lang="fr-FR" dirty="0" smtClean="0"/>
-              <a:t>Segmentation</a:t>
-            </a:r>
-            <a:br>
-              <a:rPr lang="fr-FR" dirty="0" smtClean="0"/>
-            </a:br>
+              <a:rPr lang="fr-FR" dirty="0" err="1" smtClean="0"/>
+              <a:t>Rescaling</a:t>
+            </a:r>
             <a:endParaRPr lang="fr-FR" dirty="0"/>
-          </a:p>
-        </p:txBody>
-      </p:sp>
-      <p:sp>
-        <p:nvSpPr>
-          <p:cNvPr id="6" name="Espace réservé du contenu 5"/>
-          <p:cNvSpPr>
-            <a:spLocks noGrp="1"/>
-          </p:cNvSpPr>
-          <p:nvPr>
-            <p:ph idx="1"/>
-          </p:nvPr>
-        </p:nvSpPr>
-        <p:spPr/>
-        <p:txBody>
-          <a:bodyPr/>
-          <a:lstStyle/>
-          <a:p>
-            <a:endParaRPr lang="fr-FR"/>
           </a:p>
         </p:txBody>
       </p:sp>
@@ -6441,8 +6991,8 @@
         </p:nvSpPr>
         <p:spPr>
           <a:xfrm>
-            <a:off x="1123513" y="1427328"/>
-            <a:ext cx="7720351" cy="369332"/>
+            <a:off x="2673626" y="1434418"/>
+            <a:ext cx="4620126" cy="369332"/>
           </a:xfrm>
           <a:prstGeom prst="rect">
             <a:avLst/>
@@ -6459,7 +7009,7 @@
               <a:rPr lang="fr-FR" dirty="0" err="1" smtClean="0">
                 <a:latin typeface="Agency FB" panose="020B0503020202020204" pitchFamily="34" charset="0"/>
               </a:rPr>
-              <a:t>segmentData</a:t>
+              <a:t>adjustSignal</a:t>
             </a:r>
             <a:r>
               <a:rPr lang="fr-FR" dirty="0" smtClean="0">
@@ -6471,132 +7021,76 @@
               <a:rPr lang="fr-FR" dirty="0" err="1">
                 <a:latin typeface="Agency FB" panose="020B0503020202020204" pitchFamily="34" charset="0"/>
               </a:rPr>
-              <a:t>method</a:t>
+              <a:t>nCores</a:t>
             </a:r>
             <a:r>
               <a:rPr lang="fr-FR" dirty="0">
                 <a:latin typeface="Agency FB" panose="020B0503020202020204" pitchFamily="34" charset="0"/>
               </a:rPr>
-              <a:t>="</a:t>
+              <a:t>=1, </a:t>
             </a:r>
             <a:r>
               <a:rPr lang="fr-FR" dirty="0" err="1">
-                <a:solidFill>
-                  <a:srgbClr val="FF0000"/>
-                </a:solidFill>
                 <a:latin typeface="Agency FB" panose="020B0503020202020204" pitchFamily="34" charset="0"/>
               </a:rPr>
-              <a:t>DNAcopy</a:t>
+              <a:t>suppOutliers</a:t>
             </a:r>
             <a:r>
               <a:rPr lang="fr-FR" dirty="0">
                 <a:latin typeface="Agency FB" panose="020B0503020202020204" pitchFamily="34" charset="0"/>
               </a:rPr>
-              <a:t>",</a:t>
-            </a:r>
-            <a:r>
-              <a:rPr lang="fr-FR" dirty="0" err="1">
-                <a:latin typeface="Agency FB" panose="020B0503020202020204" pitchFamily="34" charset="0"/>
-              </a:rPr>
-              <a:t>undo.splits</a:t>
-            </a:r>
-            <a:r>
-              <a:rPr lang="fr-FR" dirty="0">
-                <a:latin typeface="Agency FB" panose="020B0503020202020204" pitchFamily="34" charset="0"/>
-              </a:rPr>
-              <a:t>="</a:t>
-            </a:r>
-            <a:r>
-              <a:rPr lang="fr-FR" dirty="0" err="1">
-                <a:solidFill>
-                  <a:srgbClr val="FF0000"/>
-                </a:solidFill>
-                <a:latin typeface="Agency FB" panose="020B0503020202020204" pitchFamily="34" charset="0"/>
-              </a:rPr>
-              <a:t>sdundo</a:t>
-            </a:r>
-            <a:r>
-              <a:rPr lang="fr-FR" dirty="0">
-                <a:latin typeface="Agency FB" panose="020B0503020202020204" pitchFamily="34" charset="0"/>
-              </a:rPr>
-              <a:t>",undo.SD=</a:t>
-            </a:r>
-            <a:r>
-              <a:rPr lang="fr-FR" dirty="0">
-                <a:solidFill>
-                  <a:srgbClr val="FF0000"/>
-                </a:solidFill>
-                <a:latin typeface="Agency FB" panose="020B0503020202020204" pitchFamily="34" charset="0"/>
-              </a:rPr>
-              <a:t>3</a:t>
-            </a:r>
-            <a:r>
-              <a:rPr lang="fr-FR" dirty="0">
-                <a:latin typeface="Agency FB" panose="020B0503020202020204" pitchFamily="34" charset="0"/>
-              </a:rPr>
-              <a:t>, </a:t>
-            </a:r>
-            <a:r>
-              <a:rPr lang="fr-FR" dirty="0" err="1">
-                <a:latin typeface="Agency FB" panose="020B0503020202020204" pitchFamily="34" charset="0"/>
-              </a:rPr>
-              <a:t>clen</a:t>
-            </a:r>
-            <a:r>
-              <a:rPr lang="fr-FR" dirty="0">
-                <a:latin typeface="Agency FB" panose="020B0503020202020204" pitchFamily="34" charset="0"/>
-              </a:rPr>
-              <a:t>=</a:t>
-            </a:r>
-            <a:r>
-              <a:rPr lang="fr-FR" dirty="0">
-                <a:solidFill>
-                  <a:srgbClr val="FF0000"/>
-                </a:solidFill>
-                <a:latin typeface="Agency FB" panose="020B0503020202020204" pitchFamily="34" charset="0"/>
-              </a:rPr>
-              <a:t>10</a:t>
-            </a:r>
-            <a:r>
-              <a:rPr lang="fr-FR" dirty="0">
-                <a:latin typeface="Agency FB" panose="020B0503020202020204" pitchFamily="34" charset="0"/>
-              </a:rPr>
-              <a:t>, </a:t>
-            </a:r>
-            <a:r>
-              <a:rPr lang="fr-FR" dirty="0" err="1">
-                <a:latin typeface="Agency FB" panose="020B0503020202020204" pitchFamily="34" charset="0"/>
-              </a:rPr>
-              <a:t>relSDlong</a:t>
-            </a:r>
-            <a:r>
-              <a:rPr lang="fr-FR" dirty="0">
-                <a:latin typeface="Agency FB" panose="020B0503020202020204" pitchFamily="34" charset="0"/>
-              </a:rPr>
-              <a:t>=</a:t>
-            </a:r>
-            <a:r>
-              <a:rPr lang="fr-FR" dirty="0">
-                <a:solidFill>
-                  <a:srgbClr val="FF0000"/>
-                </a:solidFill>
-                <a:latin typeface="Agency FB" panose="020B0503020202020204" pitchFamily="34" charset="0"/>
-              </a:rPr>
-              <a:t>5</a:t>
-            </a:r>
-            <a:r>
-              <a:rPr lang="fr-FR" dirty="0">
-                <a:latin typeface="Agency FB" panose="020B0503020202020204" pitchFamily="34" charset="0"/>
-              </a:rPr>
-              <a:t>)</a:t>
-            </a:r>
+              <a:t>=TRUE)</a:t>
+            </a:r>
+            <a:endParaRPr lang="fr-FR" dirty="0"/>
+          </a:p>
+        </p:txBody>
+      </p:sp>
+      <p:sp>
+        <p:nvSpPr>
+          <p:cNvPr id="4" name="Espace réservé du contenu 3"/>
+          <p:cNvSpPr>
+            <a:spLocks noGrp="1"/>
+          </p:cNvSpPr>
+          <p:nvPr>
+            <p:ph idx="1"/>
+          </p:nvPr>
+        </p:nvSpPr>
+        <p:spPr/>
+        <p:txBody>
+          <a:bodyPr/>
+          <a:lstStyle/>
+          <a:p>
+            <a:pPr marL="0" indent="0">
+              <a:buNone/>
+            </a:pPr>
+            <a:r>
+              <a:rPr lang="fr-FR" dirty="0" smtClean="0"/>
+              <a:t>Étape conçue pour traiter les données </a:t>
+            </a:r>
+            <a:r>
+              <a:rPr lang="fr-FR" dirty="0" err="1" smtClean="0"/>
+              <a:t>Agilent</a:t>
+            </a:r>
+            <a:r>
+              <a:rPr lang="fr-FR" dirty="0" smtClean="0"/>
+              <a:t> -&gt; seul le </a:t>
+            </a:r>
+            <a:r>
+              <a:rPr lang="fr-FR" dirty="0" err="1" smtClean="0"/>
+              <a:t>rescaling</a:t>
+            </a:r>
+            <a:r>
+              <a:rPr lang="fr-FR" smtClean="0"/>
+              <a:t> du LRR est nécessaire dans notre cas</a:t>
+            </a:r>
+            <a:endParaRPr lang="fr-FR" dirty="0"/>
           </a:p>
         </p:txBody>
       </p:sp>
     </p:spTree>
     <p:extLst>
       <p:ext uri="{BB962C8B-B14F-4D97-AF65-F5344CB8AC3E}">
-        <p14:creationId xmlns:p14="http://schemas.microsoft.com/office/powerpoint/2010/main" val="2768489143"/>
+        <p14:creationId xmlns:p14="http://schemas.microsoft.com/office/powerpoint/2010/main" val="938206355"/>
       </p:ext>
     </p:extLst>
   </p:cSld>
@@ -6647,21 +7141,20 @@
           </a:xfrm>
         </p:spPr>
         <p:txBody>
-          <a:bodyPr>
-            <a:normAutofit fontScale="90000"/>
-          </a:bodyPr>
+          <a:bodyPr/>
           <a:lstStyle/>
           <a:p>
             <a:r>
               <a:rPr lang="fr-FR" dirty="0" smtClean="0"/>
-              <a:t>Deuxième normalisation</a:t>
-            </a:r>
-            <a:br>
+              <a:t>Segmentation </a:t>
+            </a:r>
+            <a:r>
+              <a:rPr lang="fr-FR" dirty="0" err="1" smtClean="0"/>
+              <a:t>DNAcopy</a:t>
+            </a:r>
+            <a:r>
               <a:rPr lang="fr-FR" dirty="0" smtClean="0"/>
-            </a:br>
-            <a:r>
-              <a:rPr lang="fr-FR" dirty="0" smtClean="0"/>
-              <a:t/>
+              <a:t> </a:t>
             </a:r>
             <a:br>
               <a:rPr lang="fr-FR" dirty="0" smtClean="0"/>
@@ -6672,7 +7165,7 @@
       </p:sp>
       <p:pic>
         <p:nvPicPr>
-          <p:cNvPr id="5" name="Espace réservé du contenu 4"/>
+          <p:cNvPr id="4" name="Espace réservé du contenu 3"/>
           <p:cNvPicPr>
             <a:picLocks noGrp="1" noChangeAspect="1"/>
           </p:cNvPicPr>
@@ -6694,8 +7187,8 @@
         </p:blipFill>
         <p:spPr>
           <a:xfrm>
-            <a:off x="2939371" y="2160588"/>
-            <a:ext cx="4073295" cy="3881437"/>
+            <a:off x="5741165" y="1911935"/>
+            <a:ext cx="4911331" cy="4680000"/>
           </a:xfrm>
         </p:spPr>
       </p:pic>
@@ -6725,19 +7218,67 @@
               <a:rPr lang="fr-FR" dirty="0">
                 <a:latin typeface="Agency FB" panose="020B0503020202020204" pitchFamily="34" charset="0"/>
               </a:rPr>
-              <a:t> </a:t>
+              <a:t> </a:t>
             </a:r>
             <a:r>
               <a:rPr lang="fr-FR" dirty="0" err="1" smtClean="0">
                 <a:latin typeface="Agency FB" panose="020B0503020202020204" pitchFamily="34" charset="0"/>
               </a:rPr>
-              <a:t>postsegnormalize</a:t>
+              <a:t>segmentCGH</a:t>
             </a:r>
             <a:r>
               <a:rPr lang="fr-FR" dirty="0" smtClean="0">
                 <a:latin typeface="Agency FB" panose="020B0503020202020204" pitchFamily="34" charset="0"/>
               </a:rPr>
-              <a:t>(data)</a:t>
+              <a:t>(data, </a:t>
+            </a:r>
+            <a:r>
+              <a:rPr lang="fr-FR" dirty="0" err="1" smtClean="0">
+                <a:latin typeface="Agency FB" panose="020B0503020202020204" pitchFamily="34" charset="0"/>
+              </a:rPr>
+              <a:t>nCores</a:t>
+            </a:r>
+            <a:r>
+              <a:rPr lang="fr-FR" dirty="0">
+                <a:latin typeface="Agency FB" panose="020B0503020202020204" pitchFamily="34" charset="0"/>
+              </a:rPr>
+              <a:t>=1, </a:t>
+            </a:r>
+            <a:r>
+              <a:rPr lang="fr-FR" dirty="0" err="1">
+                <a:latin typeface="Agency FB" panose="020B0503020202020204" pitchFamily="34" charset="0"/>
+              </a:rPr>
+              <a:t>Smooth</a:t>
+            </a:r>
+            <a:r>
+              <a:rPr lang="fr-FR" dirty="0">
+                <a:latin typeface="Agency FB" panose="020B0503020202020204" pitchFamily="34" charset="0"/>
+              </a:rPr>
+              <a:t>=TRUE, </a:t>
+            </a:r>
+            <a:r>
+              <a:rPr lang="fr-FR" dirty="0" err="1" smtClean="0">
+                <a:latin typeface="Agency FB" panose="020B0503020202020204" pitchFamily="34" charset="0"/>
+              </a:rPr>
+              <a:t>UndoSD</a:t>
+            </a:r>
+            <a:r>
+              <a:rPr lang="fr-FR" dirty="0">
+                <a:latin typeface="Agency FB" panose="020B0503020202020204" pitchFamily="34" charset="0"/>
+              </a:rPr>
+              <a:t>, </a:t>
+            </a:r>
+            <a:r>
+              <a:rPr lang="fr-FR" dirty="0" err="1" smtClean="0">
+                <a:latin typeface="Agency FB" panose="020B0503020202020204" pitchFamily="34" charset="0"/>
+              </a:rPr>
+              <a:t>minLen</a:t>
+            </a:r>
+            <a:r>
+              <a:rPr lang="fr-FR" dirty="0" smtClean="0">
+                <a:latin typeface="Agency FB" panose="020B0503020202020204" pitchFamily="34" charset="0"/>
+              </a:rPr>
+              <a:t>=10)</a:t>
             </a:r>
             <a:endParaRPr lang="fr-FR" dirty="0">
               <a:latin typeface="Agency FB" panose="020B0503020202020204" pitchFamily="34" charset="0"/>
@@ -6745,10 +7286,64 @@
           </a:p>
         </p:txBody>
       </p:sp>
+      <p:pic>
+        <p:nvPicPr>
+          <p:cNvPr id="6" name="Image 5"/>
+          <p:cNvPicPr>
+            <a:picLocks noChangeAspect="1"/>
+          </p:cNvPicPr>
+          <p:nvPr/>
+        </p:nvPicPr>
+        <p:blipFill>
+          <a:blip r:embed="rId3">
+            <a:extLst>
+              <a:ext uri="{28A0092B-C50C-407E-A947-70E740481C1C}">
+                <a14:useLocalDpi xmlns:a14="http://schemas.microsoft.com/office/drawing/2010/main" val="0"/>
+              </a:ext>
+            </a:extLst>
+          </a:blip>
+          <a:stretch>
+            <a:fillRect/>
+          </a:stretch>
+        </p:blipFill>
+        <p:spPr>
+          <a:xfrm>
+            <a:off x="829833" y="1911935"/>
+            <a:ext cx="4911332" cy="4680000"/>
+          </a:xfrm>
+          <a:prstGeom prst="rect">
+            <a:avLst/>
+          </a:prstGeom>
+        </p:spPr>
+      </p:pic>
+      <p:pic>
+        <p:nvPicPr>
+          <p:cNvPr id="5" name="Image 4"/>
+          <p:cNvPicPr>
+            <a:picLocks noChangeAspect="1"/>
+          </p:cNvPicPr>
+          <p:nvPr/>
+        </p:nvPicPr>
+        <p:blipFill>
+          <a:blip r:embed="rId4"/>
+          <a:stretch>
+            <a:fillRect/>
+          </a:stretch>
+        </p:blipFill>
+        <p:spPr>
+          <a:xfrm>
+            <a:off x="11136662" y="66384"/>
+            <a:ext cx="971686" cy="581106"/>
+          </a:xfrm>
+          <a:prstGeom prst="rect">
+            <a:avLst/>
+          </a:prstGeom>
+        </p:spPr>
+      </p:pic>
     </p:spTree>
     <p:extLst>
       <p:ext uri="{BB962C8B-B14F-4D97-AF65-F5344CB8AC3E}">
-        <p14:creationId xmlns:p14="http://schemas.microsoft.com/office/powerpoint/2010/main" val="701775868"/>
+        <p14:creationId xmlns:p14="http://schemas.microsoft.com/office/powerpoint/2010/main" val="3881873940"/>
       </p:ext>
     </p:extLst>
   </p:cSld>
@@ -6806,7 +7401,7 @@
           <a:p>
             <a:r>
               <a:rPr lang="fr-FR" dirty="0" smtClean="0"/>
-              <a:t>Deuxième normalisation</a:t>
+              <a:t>Deuxième normalisation (modèle de mélange)</a:t>
             </a:r>
             <a:br>
               <a:rPr lang="fr-FR" dirty="0" smtClean="0"/>
@@ -6822,15 +7417,53 @@
           </a:p>
         </p:txBody>
       </p:sp>
+      <p:sp>
+        <p:nvSpPr>
+          <p:cNvPr id="3" name="ZoneTexte 2"/>
+          <p:cNvSpPr txBox="1"/>
+          <p:nvPr/>
+        </p:nvSpPr>
+        <p:spPr>
+          <a:xfrm>
+            <a:off x="1123513" y="1427328"/>
+            <a:ext cx="7720351" cy="369332"/>
+          </a:xfrm>
+          <a:prstGeom prst="rect">
+            <a:avLst/>
+          </a:prstGeom>
+          <a:noFill/>
+        </p:spPr>
+        <p:txBody>
+          <a:bodyPr wrap="square" rtlCol="0">
+            <a:spAutoFit/>
+          </a:bodyPr>
+          <a:lstStyle/>
+          <a:p>
+            <a:r>
+              <a:rPr lang="fr-FR" dirty="0" err="1" smtClean="0">
+                <a:latin typeface="Agency FB" panose="020B0503020202020204" pitchFamily="34" charset="0"/>
+              </a:rPr>
+              <a:t>EMnormalize</a:t>
+            </a:r>
+            <a:r>
+              <a:rPr lang="fr-FR" dirty="0" smtClean="0">
+                <a:latin typeface="Agency FB" panose="020B0503020202020204" pitchFamily="34" charset="0"/>
+              </a:rPr>
+              <a:t>(data)</a:t>
+            </a:r>
+            <a:endParaRPr lang="fr-FR" dirty="0">
+              <a:latin typeface="Agency FB" panose="020B0503020202020204" pitchFamily="34" charset="0"/>
+            </a:endParaRPr>
+          </a:p>
+        </p:txBody>
+      </p:sp>
       <p:pic>
         <p:nvPicPr>
-          <p:cNvPr id="5" name="Espace réservé du contenu 4"/>
+          <p:cNvPr id="6" name="Espace réservé du contenu 3"/>
           <p:cNvPicPr>
-            <a:picLocks noGrp="1" noChangeAspect="1"/>
+            <a:picLocks noChangeAspect="1"/>
           </p:cNvPicPr>
-          <p:nvPr>
-            <p:ph idx="1"/>
-          </p:nvPr>
+          <p:nvPr/>
         </p:nvPicPr>
         <p:blipFill>
           <a:blip r:embed="rId2">
@@ -6846,61 +7479,498 @@
         </p:blipFill>
         <p:spPr>
           <a:xfrm>
-            <a:off x="2939371" y="2160588"/>
-            <a:ext cx="4073295" cy="3881437"/>
-          </a:xfrm>
-        </p:spPr>
-      </p:pic>
-      <p:sp>
-        <p:nvSpPr>
-          <p:cNvPr id="3" name="ZoneTexte 2"/>
-          <p:cNvSpPr txBox="1"/>
-          <p:nvPr/>
-        </p:nvSpPr>
-        <p:spPr>
-          <a:xfrm>
-            <a:off x="1123513" y="1427328"/>
-            <a:ext cx="7720351" cy="369332"/>
+            <a:off x="623733" y="1796660"/>
+            <a:ext cx="4911331" cy="4680000"/>
           </a:xfrm>
           <a:prstGeom prst="rect">
             <a:avLst/>
           </a:prstGeom>
-          <a:noFill/>
         </p:spPr>
-        <p:txBody>
-          <a:bodyPr wrap="square" rtlCol="0">
-            <a:spAutoFit/>
-          </a:bodyPr>
-          <a:lstStyle/>
-          <a:p>
-            <a:r>
-              <a:rPr lang="fr-FR" dirty="0">
-                <a:latin typeface="Agency FB" panose="020B0503020202020204" pitchFamily="34" charset="0"/>
-              </a:rPr>
-              <a:t> </a:t>
-            </a:r>
-            <a:r>
-              <a:rPr lang="fr-FR" dirty="0" err="1" smtClean="0">
-                <a:latin typeface="Agency FB" panose="020B0503020202020204" pitchFamily="34" charset="0"/>
-              </a:rPr>
-              <a:t>postsegnormalize</a:t>
-            </a:r>
-            <a:r>
-              <a:rPr lang="fr-FR" dirty="0" smtClean="0">
-                <a:latin typeface="Agency FB" panose="020B0503020202020204" pitchFamily="34" charset="0"/>
-              </a:rPr>
-              <a:t>(data)</a:t>
-            </a:r>
-            <a:endParaRPr lang="fr-FR" dirty="0">
-              <a:latin typeface="Agency FB" panose="020B0503020202020204" pitchFamily="34" charset="0"/>
-            </a:endParaRPr>
-          </a:p>
-        </p:txBody>
-      </p:sp>
+      </p:pic>
+      <p:pic>
+        <p:nvPicPr>
+          <p:cNvPr id="7" name="Image 6"/>
+          <p:cNvPicPr>
+            <a:picLocks noChangeAspect="1"/>
+          </p:cNvPicPr>
+          <p:nvPr/>
+        </p:nvPicPr>
+        <p:blipFill>
+          <a:blip r:embed="rId3">
+            <a:extLst>
+              <a:ext uri="{28A0092B-C50C-407E-A947-70E740481C1C}">
+                <a14:useLocalDpi xmlns:a14="http://schemas.microsoft.com/office/drawing/2010/main" val="0"/>
+              </a:ext>
+            </a:extLst>
+          </a:blip>
+          <a:stretch>
+            <a:fillRect/>
+          </a:stretch>
+        </p:blipFill>
+        <p:spPr>
+          <a:xfrm>
+            <a:off x="5535064" y="1796660"/>
+            <a:ext cx="4911331" cy="4680000"/>
+          </a:xfrm>
+          <a:prstGeom prst="rect">
+            <a:avLst/>
+          </a:prstGeom>
+        </p:spPr>
+      </p:pic>
+      <p:pic>
+        <p:nvPicPr>
+          <p:cNvPr id="4" name="Image 3"/>
+          <p:cNvPicPr>
+            <a:picLocks noChangeAspect="1"/>
+          </p:cNvPicPr>
+          <p:nvPr/>
+        </p:nvPicPr>
+        <p:blipFill>
+          <a:blip r:embed="rId4"/>
+          <a:stretch>
+            <a:fillRect/>
+          </a:stretch>
+        </p:blipFill>
+        <p:spPr>
+          <a:xfrm>
+            <a:off x="11096557" y="114510"/>
+            <a:ext cx="971686" cy="581106"/>
+          </a:xfrm>
+          <a:prstGeom prst="rect">
+            <a:avLst/>
+          </a:prstGeom>
+        </p:spPr>
+      </p:pic>
     </p:spTree>
     <p:extLst>
       <p:ext uri="{BB962C8B-B14F-4D97-AF65-F5344CB8AC3E}">
-        <p14:creationId xmlns:p14="http://schemas.microsoft.com/office/powerpoint/2010/main" val="2791989526"/>
+        <p14:creationId xmlns:p14="http://schemas.microsoft.com/office/powerpoint/2010/main" val="701775868"/>
+      </p:ext>
+    </p:extLst>
+  </p:cSld>
+  <p:clrMapOvr>
+    <a:masterClrMapping/>
+  </p:clrMapOvr>
+  <p:timing>
+    <p:tnLst>
+      <p:par>
+        <p:cTn id="1" dur="indefinite" restart="never" nodeType="tmRoot"/>
+      </p:par>
+    </p:tnLst>
+  </p:timing>
+</p:sld>
+</file>
+
+<file path=ppt/slides/slide8.xml><?xml version="1.0" encoding="utf-8"?>
+<p:sld xmlns:a="http://schemas.openxmlformats.org/drawingml/2006/main" xmlns:r="http://schemas.openxmlformats.org/officeDocument/2006/relationships" xmlns:p="http://schemas.openxmlformats.org/presentationml/2006/main">
+  <p:cSld>
+    <p:spTree>
+      <p:nvGrpSpPr>
+        <p:cNvPr id="1" name=""/>
+        <p:cNvGrpSpPr/>
+        <p:nvPr/>
+      </p:nvGrpSpPr>
+      <p:grpSpPr>
+        <a:xfrm>
+          <a:off x="0" y="0"/>
+          <a:ext cx="0" cy="0"/>
+          <a:chOff x="0" y="0"/>
+          <a:chExt cx="0" cy="0"/>
+        </a:xfrm>
+      </p:grpSpPr>
+      <p:sp>
+        <p:nvSpPr>
+          <p:cNvPr id="2" name="Titre 1"/>
+          <p:cNvSpPr>
+            <a:spLocks noGrp="1"/>
+          </p:cNvSpPr>
+          <p:nvPr>
+            <p:ph type="title"/>
+          </p:nvPr>
+        </p:nvSpPr>
+        <p:spPr>
+          <a:xfrm>
+            <a:off x="685355" y="121449"/>
+            <a:ext cx="8596668" cy="1320800"/>
+          </a:xfrm>
+        </p:spPr>
+        <p:txBody>
+          <a:bodyPr/>
+          <a:lstStyle/>
+          <a:p>
+            <a:r>
+              <a:rPr lang="fr-FR" dirty="0" smtClean="0"/>
+              <a:t>Conclusion</a:t>
+            </a:r>
+            <a:endParaRPr lang="fr-FR" dirty="0"/>
+          </a:p>
+        </p:txBody>
+      </p:sp>
+      <p:sp>
+        <p:nvSpPr>
+          <p:cNvPr id="5" name="Espace réservé du contenu 2"/>
+          <p:cNvSpPr>
+            <a:spLocks noGrp="1"/>
+          </p:cNvSpPr>
+          <p:nvPr>
+            <p:ph idx="1"/>
+          </p:nvPr>
+        </p:nvSpPr>
+        <p:spPr>
+          <a:xfrm>
+            <a:off x="677333" y="1727201"/>
+            <a:ext cx="9896881" cy="4314162"/>
+          </a:xfrm>
+        </p:spPr>
+        <p:txBody>
+          <a:bodyPr/>
+          <a:lstStyle/>
+          <a:p>
+            <a:r>
+              <a:rPr lang="fr-FR" dirty="0" err="1" smtClean="0"/>
+              <a:t>Rescaling</a:t>
+            </a:r>
+            <a:r>
+              <a:rPr lang="fr-FR" dirty="0" smtClean="0"/>
+              <a:t> des </a:t>
+            </a:r>
+            <a:r>
+              <a:rPr lang="fr-FR" dirty="0" err="1" smtClean="0"/>
+              <a:t>donneés</a:t>
+            </a:r>
+            <a:endParaRPr lang="fr-FR" dirty="0" smtClean="0"/>
+          </a:p>
+          <a:p>
+            <a:r>
+              <a:rPr lang="fr-FR" dirty="0" smtClean="0"/>
+              <a:t>Segmentation </a:t>
+            </a:r>
+            <a:r>
+              <a:rPr lang="fr-FR" dirty="0" err="1" smtClean="0"/>
+              <a:t>DNAcopy</a:t>
+            </a:r>
+            <a:endParaRPr lang="fr-FR" dirty="0" smtClean="0"/>
+          </a:p>
+          <a:p>
+            <a:r>
+              <a:rPr lang="fr-FR" dirty="0" smtClean="0"/>
+              <a:t>Estimation (simple) du nombre de copies</a:t>
+            </a:r>
+          </a:p>
+          <a:p>
+            <a:r>
+              <a:rPr lang="fr-FR" dirty="0" smtClean="0"/>
+              <a:t>Recentrage par modèle de mélange</a:t>
+            </a:r>
+          </a:p>
+          <a:p>
+            <a:r>
+              <a:rPr lang="fr-FR" dirty="0" smtClean="0"/>
+              <a:t>Visualisation interactive des données et </a:t>
+            </a:r>
+            <a:r>
+              <a:rPr lang="fr-FR" dirty="0" err="1" smtClean="0"/>
+              <a:t>mapping</a:t>
+            </a:r>
+            <a:r>
+              <a:rPr lang="fr-FR" dirty="0" smtClean="0"/>
+              <a:t> des gènes sur </a:t>
+            </a:r>
+            <a:r>
+              <a:rPr lang="fr-FR" smtClean="0"/>
+              <a:t>ces dernières</a:t>
+            </a:r>
+            <a:endParaRPr lang="fr-FR" dirty="0" smtClean="0"/>
+          </a:p>
+          <a:p>
+            <a:endParaRPr lang="fr-FR" dirty="0" smtClean="0"/>
+          </a:p>
+          <a:p>
+            <a:endParaRPr lang="fr-FR" dirty="0" smtClean="0"/>
+          </a:p>
+          <a:p>
+            <a:endParaRPr lang="fr-FR" dirty="0"/>
+          </a:p>
+          <a:p>
+            <a:endParaRPr lang="fr-FR" dirty="0" smtClean="0"/>
+          </a:p>
+          <a:p>
+            <a:pPr marL="0" indent="0">
+              <a:buNone/>
+            </a:pPr>
+            <a:endParaRPr lang="fr-FR" dirty="0" smtClean="0"/>
+          </a:p>
+          <a:p>
+            <a:endParaRPr lang="fr-FR" dirty="0"/>
+          </a:p>
+        </p:txBody>
+      </p:sp>
+      <p:sp>
+        <p:nvSpPr>
+          <p:cNvPr id="19" name="Espace réservé du contenu 3"/>
+          <p:cNvSpPr txBox="1">
+            <a:spLocks/>
+          </p:cNvSpPr>
+          <p:nvPr/>
+        </p:nvSpPr>
+        <p:spPr>
+          <a:xfrm>
+            <a:off x="500870" y="1135151"/>
+            <a:ext cx="10455888" cy="693650"/>
+          </a:xfrm>
+          <a:prstGeom prst="rect">
+            <a:avLst/>
+          </a:prstGeom>
+        </p:spPr>
+        <p:txBody>
+          <a:bodyPr vert="horz" lIns="91440" tIns="45720" rIns="91440" bIns="45720" rtlCol="0">
+            <a:normAutofit/>
+          </a:bodyPr>
+          <a:lstStyle>
+            <a:lvl1pPr marL="342900" indent="-342900" algn="l" defTabSz="457200" rtl="0" eaLnBrk="1" latinLnBrk="0" hangingPunct="1">
+              <a:spcBef>
+                <a:spcPts val="1000"/>
+              </a:spcBef>
+              <a:spcAft>
+                <a:spcPts val="0"/>
+              </a:spcAft>
+              <a:buClr>
+                <a:schemeClr val="accent1"/>
+              </a:buClr>
+              <a:buSzPct val="80000"/>
+              <a:buFont typeface="Wingdings 3" charset="2"/>
+              <a:buChar char=""/>
+              <a:defRPr sz="1800" kern="1200">
+                <a:solidFill>
+                  <a:schemeClr val="tx1">
+                    <a:lumMod val="75000"/>
+                    <a:lumOff val="25000"/>
+                  </a:schemeClr>
+                </a:solidFill>
+                <a:latin typeface="+mn-lt"/>
+                <a:ea typeface="+mn-ea"/>
+                <a:cs typeface="+mn-cs"/>
+              </a:defRPr>
+            </a:lvl1pPr>
+            <a:lvl2pPr marL="742950" indent="-285750" algn="l" defTabSz="457200" rtl="0" eaLnBrk="1" latinLnBrk="0" hangingPunct="1">
+              <a:spcBef>
+                <a:spcPts val="1000"/>
+              </a:spcBef>
+              <a:spcAft>
+                <a:spcPts val="0"/>
+              </a:spcAft>
+              <a:buClr>
+                <a:schemeClr val="accent1"/>
+              </a:buClr>
+              <a:buSzPct val="80000"/>
+              <a:buFont typeface="Wingdings 3" charset="2"/>
+              <a:buChar char=""/>
+              <a:defRPr sz="1600" kern="1200">
+                <a:solidFill>
+                  <a:schemeClr val="tx1">
+                    <a:lumMod val="75000"/>
+                    <a:lumOff val="25000"/>
+                  </a:schemeClr>
+                </a:solidFill>
+                <a:latin typeface="+mn-lt"/>
+                <a:ea typeface="+mn-ea"/>
+                <a:cs typeface="+mn-cs"/>
+              </a:defRPr>
+            </a:lvl2pPr>
+            <a:lvl3pPr marL="1143000" indent="-228600" algn="l" defTabSz="457200" rtl="0" eaLnBrk="1" latinLnBrk="0" hangingPunct="1">
+              <a:spcBef>
+                <a:spcPts val="1000"/>
+              </a:spcBef>
+              <a:spcAft>
+                <a:spcPts val="0"/>
+              </a:spcAft>
+              <a:buClr>
+                <a:schemeClr val="accent1"/>
+              </a:buClr>
+              <a:buSzPct val="80000"/>
+              <a:buFont typeface="Wingdings 3" charset="2"/>
+              <a:buChar char=""/>
+              <a:defRPr sz="1400" kern="1200">
+                <a:solidFill>
+                  <a:schemeClr val="tx1">
+                    <a:lumMod val="75000"/>
+                    <a:lumOff val="25000"/>
+                  </a:schemeClr>
+                </a:solidFill>
+                <a:latin typeface="+mn-lt"/>
+                <a:ea typeface="+mn-ea"/>
+                <a:cs typeface="+mn-cs"/>
+              </a:defRPr>
+            </a:lvl3pPr>
+            <a:lvl4pPr marL="1600200" indent="-228600" algn="l" defTabSz="457200" rtl="0" eaLnBrk="1" latinLnBrk="0" hangingPunct="1">
+              <a:spcBef>
+                <a:spcPts val="1000"/>
+              </a:spcBef>
+              <a:spcAft>
+                <a:spcPts val="0"/>
+              </a:spcAft>
+              <a:buClr>
+                <a:schemeClr val="accent1"/>
+              </a:buClr>
+              <a:buSzPct val="80000"/>
+              <a:buFont typeface="Wingdings 3" charset="2"/>
+              <a:buChar char=""/>
+              <a:defRPr sz="1200" kern="1200">
+                <a:solidFill>
+                  <a:schemeClr val="tx1">
+                    <a:lumMod val="75000"/>
+                    <a:lumOff val="25000"/>
+                  </a:schemeClr>
+                </a:solidFill>
+                <a:latin typeface="+mn-lt"/>
+                <a:ea typeface="+mn-ea"/>
+                <a:cs typeface="+mn-cs"/>
+              </a:defRPr>
+            </a:lvl4pPr>
+            <a:lvl5pPr marL="2057400" indent="-228600" algn="l" defTabSz="457200" rtl="0" eaLnBrk="1" latinLnBrk="0" hangingPunct="1">
+              <a:spcBef>
+                <a:spcPts val="1000"/>
+              </a:spcBef>
+              <a:spcAft>
+                <a:spcPts val="0"/>
+              </a:spcAft>
+              <a:buClr>
+                <a:schemeClr val="accent1"/>
+              </a:buClr>
+              <a:buSzPct val="80000"/>
+              <a:buFont typeface="Wingdings 3" charset="2"/>
+              <a:buChar char=""/>
+              <a:defRPr sz="1200" kern="1200">
+                <a:solidFill>
+                  <a:schemeClr val="tx1">
+                    <a:lumMod val="75000"/>
+                    <a:lumOff val="25000"/>
+                  </a:schemeClr>
+                </a:solidFill>
+                <a:latin typeface="+mn-lt"/>
+                <a:ea typeface="+mn-ea"/>
+                <a:cs typeface="+mn-cs"/>
+              </a:defRPr>
+            </a:lvl5pPr>
+            <a:lvl6pPr marL="2514600" indent="-228600" algn="l" defTabSz="457200" rtl="0" eaLnBrk="1" latinLnBrk="0" hangingPunct="1">
+              <a:spcBef>
+                <a:spcPts val="1000"/>
+              </a:spcBef>
+              <a:spcAft>
+                <a:spcPts val="0"/>
+              </a:spcAft>
+              <a:buClr>
+                <a:schemeClr val="accent1"/>
+              </a:buClr>
+              <a:buSzPct val="80000"/>
+              <a:buFont typeface="Wingdings 3" charset="2"/>
+              <a:buChar char=""/>
+              <a:defRPr sz="1200" kern="1200">
+                <a:solidFill>
+                  <a:schemeClr val="tx1">
+                    <a:lumMod val="75000"/>
+                    <a:lumOff val="25000"/>
+                  </a:schemeClr>
+                </a:solidFill>
+                <a:latin typeface="+mn-lt"/>
+                <a:ea typeface="+mn-ea"/>
+                <a:cs typeface="+mn-cs"/>
+              </a:defRPr>
+            </a:lvl6pPr>
+            <a:lvl7pPr marL="2971800" indent="-228600" algn="l" defTabSz="457200" rtl="0" eaLnBrk="1" latinLnBrk="0" hangingPunct="1">
+              <a:spcBef>
+                <a:spcPts val="1000"/>
+              </a:spcBef>
+              <a:spcAft>
+                <a:spcPts val="0"/>
+              </a:spcAft>
+              <a:buClr>
+                <a:schemeClr val="accent1"/>
+              </a:buClr>
+              <a:buSzPct val="80000"/>
+              <a:buFont typeface="Wingdings 3" charset="2"/>
+              <a:buChar char=""/>
+              <a:defRPr sz="1200" kern="1200">
+                <a:solidFill>
+                  <a:schemeClr val="tx1">
+                    <a:lumMod val="75000"/>
+                    <a:lumOff val="25000"/>
+                  </a:schemeClr>
+                </a:solidFill>
+                <a:latin typeface="+mn-lt"/>
+                <a:ea typeface="+mn-ea"/>
+                <a:cs typeface="+mn-cs"/>
+              </a:defRPr>
+            </a:lvl7pPr>
+            <a:lvl8pPr marL="3429000" indent="-228600" algn="l" defTabSz="457200" rtl="0" eaLnBrk="1" latinLnBrk="0" hangingPunct="1">
+              <a:spcBef>
+                <a:spcPts val="1000"/>
+              </a:spcBef>
+              <a:spcAft>
+                <a:spcPts val="0"/>
+              </a:spcAft>
+              <a:buClr>
+                <a:schemeClr val="accent1"/>
+              </a:buClr>
+              <a:buSzPct val="80000"/>
+              <a:buFont typeface="Wingdings 3" charset="2"/>
+              <a:buChar char=""/>
+              <a:defRPr sz="1200" kern="1200">
+                <a:solidFill>
+                  <a:schemeClr val="tx1">
+                    <a:lumMod val="75000"/>
+                    <a:lumOff val="25000"/>
+                  </a:schemeClr>
+                </a:solidFill>
+                <a:latin typeface="+mn-lt"/>
+                <a:ea typeface="+mn-ea"/>
+                <a:cs typeface="+mn-cs"/>
+              </a:defRPr>
+            </a:lvl8pPr>
+            <a:lvl9pPr marL="3886200" indent="-228600" algn="l" defTabSz="457200" rtl="0" eaLnBrk="1" latinLnBrk="0" hangingPunct="1">
+              <a:spcBef>
+                <a:spcPts val="1000"/>
+              </a:spcBef>
+              <a:spcAft>
+                <a:spcPts val="0"/>
+              </a:spcAft>
+              <a:buClr>
+                <a:schemeClr val="accent1"/>
+              </a:buClr>
+              <a:buSzPct val="80000"/>
+              <a:buFont typeface="Wingdings 3" charset="2"/>
+              <a:buChar char=""/>
+              <a:defRPr sz="1200" kern="1200">
+                <a:solidFill>
+                  <a:schemeClr val="tx1">
+                    <a:lumMod val="75000"/>
+                    <a:lumOff val="25000"/>
+                  </a:schemeClr>
+                </a:solidFill>
+                <a:latin typeface="+mn-lt"/>
+                <a:ea typeface="+mn-ea"/>
+                <a:cs typeface="+mn-cs"/>
+              </a:defRPr>
+            </a:lvl9pPr>
+          </a:lstStyle>
+          <a:p>
+            <a:pPr marL="0" indent="0">
+              <a:buNone/>
+            </a:pPr>
+            <a:endParaRPr lang="fr-FR" sz="2200" dirty="0">
+              <a:solidFill>
+                <a:schemeClr val="accent1">
+                  <a:lumMod val="50000"/>
+                </a:schemeClr>
+              </a:solidFill>
+            </a:endParaRPr>
+          </a:p>
+        </p:txBody>
+      </p:sp>
+    </p:spTree>
+    <p:extLst>
+      <p:ext uri="{BB962C8B-B14F-4D97-AF65-F5344CB8AC3E}">
+        <p14:creationId xmlns:p14="http://schemas.microsoft.com/office/powerpoint/2010/main" val="660512035"/>
       </p:ext>
     </p:extLst>
   </p:cSld>

--- a/docs/docs_I_made/slides/rCGH.pptx
+++ b/docs/docs_I_made/slides/rCGH.pptx
@@ -11,8 +11,10 @@
     <p:sldId id="260" r:id="rId5"/>
     <p:sldId id="274" r:id="rId6"/>
     <p:sldId id="272" r:id="rId7"/>
-    <p:sldId id="269" r:id="rId8"/>
-    <p:sldId id="273" r:id="rId9"/>
+    <p:sldId id="275" r:id="rId8"/>
+    <p:sldId id="269" r:id="rId9"/>
+    <p:sldId id="276" r:id="rId10"/>
+    <p:sldId id="273" r:id="rId11"/>
   </p:sldIdLst>
   <p:sldSz cx="12192000" cy="6858000"/>
   <p:notesSz cx="6858000" cy="9144000"/>
@@ -846,7 +848,7 @@
             <a:fld id="{B61BEF0D-F0BB-DE4B-95CE-6DB70DBA9567}" type="datetimeFigureOut">
               <a:rPr lang="en-US" smtClean="0"/>
               <a:pPr/>
-              <a:t>4/25/2022</a:t>
+              <a:t>4/26/2022</a:t>
             </a:fld>
             <a:endParaRPr lang="en-US" dirty="0"/>
           </a:p>
@@ -1099,7 +1101,7 @@
             <a:fld id="{B61BEF0D-F0BB-DE4B-95CE-6DB70DBA9567}" type="datetimeFigureOut">
               <a:rPr lang="en-US" smtClean="0"/>
               <a:pPr/>
-              <a:t>4/25/2022</a:t>
+              <a:t>4/26/2022</a:t>
             </a:fld>
             <a:endParaRPr lang="en-US" dirty="0"/>
           </a:p>
@@ -1415,7 +1417,7 @@
             <a:fld id="{B61BEF0D-F0BB-DE4B-95CE-6DB70DBA9567}" type="datetimeFigureOut">
               <a:rPr lang="en-US" smtClean="0"/>
               <a:pPr/>
-              <a:t>4/25/2022</a:t>
+              <a:t>4/26/2022</a:t>
             </a:fld>
             <a:endParaRPr lang="en-US" dirty="0"/>
           </a:p>
@@ -1744,7 +1746,7 @@
             <a:fld id="{B61BEF0D-F0BB-DE4B-95CE-6DB70DBA9567}" type="datetimeFigureOut">
               <a:rPr lang="en-US" smtClean="0"/>
               <a:pPr/>
-              <a:t>4/25/2022</a:t>
+              <a:t>4/26/2022</a:t>
             </a:fld>
             <a:endParaRPr lang="en-US" dirty="0"/>
           </a:p>
@@ -2060,7 +2062,7 @@
             <a:fld id="{B61BEF0D-F0BB-DE4B-95CE-6DB70DBA9567}" type="datetimeFigureOut">
               <a:rPr lang="en-US" smtClean="0"/>
               <a:pPr/>
-              <a:t>4/25/2022</a:t>
+              <a:t>4/26/2022</a:t>
             </a:fld>
             <a:endParaRPr lang="en-US" dirty="0"/>
           </a:p>
@@ -2449,7 +2451,7 @@
             <a:fld id="{B61BEF0D-F0BB-DE4B-95CE-6DB70DBA9567}" type="datetimeFigureOut">
               <a:rPr lang="en-US" smtClean="0"/>
               <a:pPr/>
-              <a:t>4/25/2022</a:t>
+              <a:t>4/26/2022</a:t>
             </a:fld>
             <a:endParaRPr lang="en-US" dirty="0"/>
           </a:p>
@@ -2620,7 +2622,7 @@
           <a:p>
             <a:fld id="{55C6B4A9-1611-4792-9094-5F34BCA07E0B}" type="datetimeFigureOut">
               <a:rPr lang="en-US" smtClean="0"/>
-              <a:t>4/25/2022</a:t>
+              <a:t>4/26/2022</a:t>
             </a:fld>
             <a:endParaRPr lang="en-US" dirty="0"/>
           </a:p>
@@ -2801,7 +2803,7 @@
             <a:fld id="{B61BEF0D-F0BB-DE4B-95CE-6DB70DBA9567}" type="datetimeFigureOut">
               <a:rPr lang="en-US" smtClean="0"/>
               <a:pPr/>
-              <a:t>4/25/2022</a:t>
+              <a:t>4/26/2022</a:t>
             </a:fld>
             <a:endParaRPr lang="en-US" dirty="0"/>
           </a:p>
@@ -2973,7 +2975,7 @@
             <a:fld id="{B61BEF0D-F0BB-DE4B-95CE-6DB70DBA9567}" type="datetimeFigureOut">
               <a:rPr lang="en-US" smtClean="0"/>
               <a:pPr/>
-              <a:t>4/25/2022</a:t>
+              <a:t>4/26/2022</a:t>
             </a:fld>
             <a:endParaRPr lang="en-US" dirty="0"/>
           </a:p>
@@ -3222,7 +3224,7 @@
             <a:fld id="{B61BEF0D-F0BB-DE4B-95CE-6DB70DBA9567}" type="datetimeFigureOut">
               <a:rPr lang="en-US" smtClean="0"/>
               <a:pPr/>
-              <a:t>4/25/2022</a:t>
+              <a:t>4/26/2022</a:t>
             </a:fld>
             <a:endParaRPr lang="en-US" dirty="0"/>
           </a:p>
@@ -3455,7 +3457,7 @@
           <a:p>
             <a:fld id="{EB712588-04B1-427B-82EE-E8DB90309F08}" type="datetimeFigureOut">
               <a:rPr lang="en-US" smtClean="0"/>
-              <a:t>4/25/2022</a:t>
+              <a:t>4/26/2022</a:t>
             </a:fld>
             <a:endParaRPr lang="en-US" dirty="0"/>
           </a:p>
@@ -3830,7 +3832,7 @@
             <a:fld id="{B61BEF0D-F0BB-DE4B-95CE-6DB70DBA9567}" type="datetimeFigureOut">
               <a:rPr lang="en-US" smtClean="0"/>
               <a:pPr/>
-              <a:t>4/25/2022</a:t>
+              <a:t>4/26/2022</a:t>
             </a:fld>
             <a:endParaRPr lang="en-US" dirty="0"/>
           </a:p>
@@ -3955,7 +3957,7 @@
             <a:fld id="{B61BEF0D-F0BB-DE4B-95CE-6DB70DBA9567}" type="datetimeFigureOut">
               <a:rPr lang="en-US" smtClean="0"/>
               <a:pPr/>
-              <a:t>4/25/2022</a:t>
+              <a:t>4/26/2022</a:t>
             </a:fld>
             <a:endParaRPr lang="en-US" dirty="0"/>
           </a:p>
@@ -4052,7 +4054,7 @@
             <a:fld id="{B61BEF0D-F0BB-DE4B-95CE-6DB70DBA9567}" type="datetimeFigureOut">
               <a:rPr lang="en-US" smtClean="0"/>
               <a:pPr/>
-              <a:t>4/25/2022</a:t>
+              <a:t>4/26/2022</a:t>
             </a:fld>
             <a:endParaRPr lang="en-US" dirty="0"/>
           </a:p>
@@ -4308,7 +4310,7 @@
           <a:p>
             <a:fld id="{42A54C80-263E-416B-A8E0-580EDEADCBDC}" type="datetimeFigureOut">
               <a:rPr lang="en-US" smtClean="0"/>
-              <a:t>4/25/2022</a:t>
+              <a:t>4/26/2022</a:t>
             </a:fld>
             <a:endParaRPr lang="en-US" dirty="0"/>
           </a:p>
@@ -4572,7 +4574,7 @@
             <a:fld id="{B61BEF0D-F0BB-DE4B-95CE-6DB70DBA9567}" type="datetimeFigureOut">
               <a:rPr lang="en-US" smtClean="0"/>
               <a:pPr/>
-              <a:t>4/25/2022</a:t>
+              <a:t>4/26/2022</a:t>
             </a:fld>
             <a:endParaRPr lang="en-US" dirty="0"/>
           </a:p>
@@ -5319,7 +5321,7 @@
             <a:fld id="{B61BEF0D-F0BB-DE4B-95CE-6DB70DBA9567}" type="datetimeFigureOut">
               <a:rPr lang="en-US" smtClean="0"/>
               <a:pPr/>
-              <a:t>4/25/2022</a:t>
+              <a:t>4/26/2022</a:t>
             </a:fld>
             <a:endParaRPr lang="en-US" dirty="0"/>
           </a:p>
@@ -5928,6 +5930,422 @@
 </p:sld>
 </file>
 
+<file path=ppt/slides/slide10.xml><?xml version="1.0" encoding="utf-8"?>
+<p:sld xmlns:a="http://schemas.openxmlformats.org/drawingml/2006/main" xmlns:r="http://schemas.openxmlformats.org/officeDocument/2006/relationships" xmlns:p="http://schemas.openxmlformats.org/presentationml/2006/main">
+  <p:cSld>
+    <p:spTree>
+      <p:nvGrpSpPr>
+        <p:cNvPr id="1" name=""/>
+        <p:cNvGrpSpPr/>
+        <p:nvPr/>
+      </p:nvGrpSpPr>
+      <p:grpSpPr>
+        <a:xfrm>
+          <a:off x="0" y="0"/>
+          <a:ext cx="0" cy="0"/>
+          <a:chOff x="0" y="0"/>
+          <a:chExt cx="0" cy="0"/>
+        </a:xfrm>
+      </p:grpSpPr>
+      <p:sp>
+        <p:nvSpPr>
+          <p:cNvPr id="2" name="Titre 1"/>
+          <p:cNvSpPr>
+            <a:spLocks noGrp="1"/>
+          </p:cNvSpPr>
+          <p:nvPr>
+            <p:ph type="title"/>
+          </p:nvPr>
+        </p:nvSpPr>
+        <p:spPr>
+          <a:xfrm>
+            <a:off x="685355" y="121449"/>
+            <a:ext cx="8596668" cy="1320800"/>
+          </a:xfrm>
+        </p:spPr>
+        <p:txBody>
+          <a:bodyPr/>
+          <a:lstStyle/>
+          <a:p>
+            <a:r>
+              <a:rPr lang="fr-FR" dirty="0" smtClean="0"/>
+              <a:t>Conclusion</a:t>
+            </a:r>
+            <a:endParaRPr lang="fr-FR" dirty="0"/>
+          </a:p>
+        </p:txBody>
+      </p:sp>
+      <p:sp>
+        <p:nvSpPr>
+          <p:cNvPr id="5" name="Espace réservé du contenu 2"/>
+          <p:cNvSpPr>
+            <a:spLocks noGrp="1"/>
+          </p:cNvSpPr>
+          <p:nvPr>
+            <p:ph idx="1"/>
+          </p:nvPr>
+        </p:nvSpPr>
+        <p:spPr>
+          <a:xfrm>
+            <a:off x="677333" y="1727201"/>
+            <a:ext cx="9896881" cy="4314162"/>
+          </a:xfrm>
+        </p:spPr>
+        <p:txBody>
+          <a:bodyPr/>
+          <a:lstStyle/>
+          <a:p>
+            <a:r>
+              <a:rPr lang="fr-FR" dirty="0" err="1" smtClean="0"/>
+              <a:t>Rescaling</a:t>
+            </a:r>
+            <a:r>
+              <a:rPr lang="fr-FR" dirty="0" smtClean="0"/>
+              <a:t> des données</a:t>
+            </a:r>
+          </a:p>
+          <a:p>
+            <a:r>
+              <a:rPr lang="fr-FR" dirty="0" smtClean="0"/>
+              <a:t>Segmentation </a:t>
+            </a:r>
+            <a:r>
+              <a:rPr lang="fr-FR" dirty="0" err="1" smtClean="0"/>
+              <a:t>DNAcopy</a:t>
+            </a:r>
+            <a:endParaRPr lang="fr-FR" dirty="0" smtClean="0"/>
+          </a:p>
+          <a:p>
+            <a:r>
+              <a:rPr lang="fr-FR" dirty="0" smtClean="0"/>
+              <a:t>Estimation (simple) du nombre de copies</a:t>
+            </a:r>
+          </a:p>
+          <a:p>
+            <a:r>
+              <a:rPr lang="fr-FR" dirty="0" smtClean="0"/>
+              <a:t>Recentrage par modèle de mélange</a:t>
+            </a:r>
+          </a:p>
+          <a:p>
+            <a:r>
+              <a:rPr lang="fr-FR" dirty="0" smtClean="0"/>
+              <a:t>Visualisation interactive des données et </a:t>
+            </a:r>
+            <a:r>
+              <a:rPr lang="fr-FR" dirty="0" err="1" smtClean="0"/>
+              <a:t>mapping</a:t>
+            </a:r>
+            <a:r>
+              <a:rPr lang="fr-FR" dirty="0" smtClean="0"/>
+              <a:t> des gènes sur ces dernières</a:t>
+            </a:r>
+          </a:p>
+          <a:p>
+            <a:endParaRPr lang="fr-FR" dirty="0" smtClean="0"/>
+          </a:p>
+          <a:p>
+            <a:endParaRPr lang="fr-FR" dirty="0" smtClean="0"/>
+          </a:p>
+          <a:p>
+            <a:endParaRPr lang="fr-FR" dirty="0"/>
+          </a:p>
+          <a:p>
+            <a:endParaRPr lang="fr-FR" dirty="0" smtClean="0"/>
+          </a:p>
+          <a:p>
+            <a:pPr marL="0" indent="0">
+              <a:buNone/>
+            </a:pPr>
+            <a:endParaRPr lang="fr-FR" dirty="0" smtClean="0"/>
+          </a:p>
+          <a:p>
+            <a:endParaRPr lang="fr-FR" dirty="0"/>
+          </a:p>
+        </p:txBody>
+      </p:sp>
+      <p:sp>
+        <p:nvSpPr>
+          <p:cNvPr id="19" name="Espace réservé du contenu 3"/>
+          <p:cNvSpPr txBox="1">
+            <a:spLocks/>
+          </p:cNvSpPr>
+          <p:nvPr/>
+        </p:nvSpPr>
+        <p:spPr>
+          <a:xfrm>
+            <a:off x="500870" y="1135151"/>
+            <a:ext cx="10455888" cy="693650"/>
+          </a:xfrm>
+          <a:prstGeom prst="rect">
+            <a:avLst/>
+          </a:prstGeom>
+        </p:spPr>
+        <p:txBody>
+          <a:bodyPr vert="horz" lIns="91440" tIns="45720" rIns="91440" bIns="45720" rtlCol="0">
+            <a:normAutofit/>
+          </a:bodyPr>
+          <a:lstStyle>
+            <a:lvl1pPr marL="342900" indent="-342900" algn="l" defTabSz="457200" rtl="0" eaLnBrk="1" latinLnBrk="0" hangingPunct="1">
+              <a:spcBef>
+                <a:spcPts val="1000"/>
+              </a:spcBef>
+              <a:spcAft>
+                <a:spcPts val="0"/>
+              </a:spcAft>
+              <a:buClr>
+                <a:schemeClr val="accent1"/>
+              </a:buClr>
+              <a:buSzPct val="80000"/>
+              <a:buFont typeface="Wingdings 3" charset="2"/>
+              <a:buChar char=""/>
+              <a:defRPr sz="1800" kern="1200">
+                <a:solidFill>
+                  <a:schemeClr val="tx1">
+                    <a:lumMod val="75000"/>
+                    <a:lumOff val="25000"/>
+                  </a:schemeClr>
+                </a:solidFill>
+                <a:latin typeface="+mn-lt"/>
+                <a:ea typeface="+mn-ea"/>
+                <a:cs typeface="+mn-cs"/>
+              </a:defRPr>
+            </a:lvl1pPr>
+            <a:lvl2pPr marL="742950" indent="-285750" algn="l" defTabSz="457200" rtl="0" eaLnBrk="1" latinLnBrk="0" hangingPunct="1">
+              <a:spcBef>
+                <a:spcPts val="1000"/>
+              </a:spcBef>
+              <a:spcAft>
+                <a:spcPts val="0"/>
+              </a:spcAft>
+              <a:buClr>
+                <a:schemeClr val="accent1"/>
+              </a:buClr>
+              <a:buSzPct val="80000"/>
+              <a:buFont typeface="Wingdings 3" charset="2"/>
+              <a:buChar char=""/>
+              <a:defRPr sz="1600" kern="1200">
+                <a:solidFill>
+                  <a:schemeClr val="tx1">
+                    <a:lumMod val="75000"/>
+                    <a:lumOff val="25000"/>
+                  </a:schemeClr>
+                </a:solidFill>
+                <a:latin typeface="+mn-lt"/>
+                <a:ea typeface="+mn-ea"/>
+                <a:cs typeface="+mn-cs"/>
+              </a:defRPr>
+            </a:lvl2pPr>
+            <a:lvl3pPr marL="1143000" indent="-228600" algn="l" defTabSz="457200" rtl="0" eaLnBrk="1" latinLnBrk="0" hangingPunct="1">
+              <a:spcBef>
+                <a:spcPts val="1000"/>
+              </a:spcBef>
+              <a:spcAft>
+                <a:spcPts val="0"/>
+              </a:spcAft>
+              <a:buClr>
+                <a:schemeClr val="accent1"/>
+              </a:buClr>
+              <a:buSzPct val="80000"/>
+              <a:buFont typeface="Wingdings 3" charset="2"/>
+              <a:buChar char=""/>
+              <a:defRPr sz="1400" kern="1200">
+                <a:solidFill>
+                  <a:schemeClr val="tx1">
+                    <a:lumMod val="75000"/>
+                    <a:lumOff val="25000"/>
+                  </a:schemeClr>
+                </a:solidFill>
+                <a:latin typeface="+mn-lt"/>
+                <a:ea typeface="+mn-ea"/>
+                <a:cs typeface="+mn-cs"/>
+              </a:defRPr>
+            </a:lvl3pPr>
+            <a:lvl4pPr marL="1600200" indent="-228600" algn="l" defTabSz="457200" rtl="0" eaLnBrk="1" latinLnBrk="0" hangingPunct="1">
+              <a:spcBef>
+                <a:spcPts val="1000"/>
+              </a:spcBef>
+              <a:spcAft>
+                <a:spcPts val="0"/>
+              </a:spcAft>
+              <a:buClr>
+                <a:schemeClr val="accent1"/>
+              </a:buClr>
+              <a:buSzPct val="80000"/>
+              <a:buFont typeface="Wingdings 3" charset="2"/>
+              <a:buChar char=""/>
+              <a:defRPr sz="1200" kern="1200">
+                <a:solidFill>
+                  <a:schemeClr val="tx1">
+                    <a:lumMod val="75000"/>
+                    <a:lumOff val="25000"/>
+                  </a:schemeClr>
+                </a:solidFill>
+                <a:latin typeface="+mn-lt"/>
+                <a:ea typeface="+mn-ea"/>
+                <a:cs typeface="+mn-cs"/>
+              </a:defRPr>
+            </a:lvl4pPr>
+            <a:lvl5pPr marL="2057400" indent="-228600" algn="l" defTabSz="457200" rtl="0" eaLnBrk="1" latinLnBrk="0" hangingPunct="1">
+              <a:spcBef>
+                <a:spcPts val="1000"/>
+              </a:spcBef>
+              <a:spcAft>
+                <a:spcPts val="0"/>
+              </a:spcAft>
+              <a:buClr>
+                <a:schemeClr val="accent1"/>
+              </a:buClr>
+              <a:buSzPct val="80000"/>
+              <a:buFont typeface="Wingdings 3" charset="2"/>
+              <a:buChar char=""/>
+              <a:defRPr sz="1200" kern="1200">
+                <a:solidFill>
+                  <a:schemeClr val="tx1">
+                    <a:lumMod val="75000"/>
+                    <a:lumOff val="25000"/>
+                  </a:schemeClr>
+                </a:solidFill>
+                <a:latin typeface="+mn-lt"/>
+                <a:ea typeface="+mn-ea"/>
+                <a:cs typeface="+mn-cs"/>
+              </a:defRPr>
+            </a:lvl5pPr>
+            <a:lvl6pPr marL="2514600" indent="-228600" algn="l" defTabSz="457200" rtl="0" eaLnBrk="1" latinLnBrk="0" hangingPunct="1">
+              <a:spcBef>
+                <a:spcPts val="1000"/>
+              </a:spcBef>
+              <a:spcAft>
+                <a:spcPts val="0"/>
+              </a:spcAft>
+              <a:buClr>
+                <a:schemeClr val="accent1"/>
+              </a:buClr>
+              <a:buSzPct val="80000"/>
+              <a:buFont typeface="Wingdings 3" charset="2"/>
+              <a:buChar char=""/>
+              <a:defRPr sz="1200" kern="1200">
+                <a:solidFill>
+                  <a:schemeClr val="tx1">
+                    <a:lumMod val="75000"/>
+                    <a:lumOff val="25000"/>
+                  </a:schemeClr>
+                </a:solidFill>
+                <a:latin typeface="+mn-lt"/>
+                <a:ea typeface="+mn-ea"/>
+                <a:cs typeface="+mn-cs"/>
+              </a:defRPr>
+            </a:lvl6pPr>
+            <a:lvl7pPr marL="2971800" indent="-228600" algn="l" defTabSz="457200" rtl="0" eaLnBrk="1" latinLnBrk="0" hangingPunct="1">
+              <a:spcBef>
+                <a:spcPts val="1000"/>
+              </a:spcBef>
+              <a:spcAft>
+                <a:spcPts val="0"/>
+              </a:spcAft>
+              <a:buClr>
+                <a:schemeClr val="accent1"/>
+              </a:buClr>
+              <a:buSzPct val="80000"/>
+              <a:buFont typeface="Wingdings 3" charset="2"/>
+              <a:buChar char=""/>
+              <a:defRPr sz="1200" kern="1200">
+                <a:solidFill>
+                  <a:schemeClr val="tx1">
+                    <a:lumMod val="75000"/>
+                    <a:lumOff val="25000"/>
+                  </a:schemeClr>
+                </a:solidFill>
+                <a:latin typeface="+mn-lt"/>
+                <a:ea typeface="+mn-ea"/>
+                <a:cs typeface="+mn-cs"/>
+              </a:defRPr>
+            </a:lvl7pPr>
+            <a:lvl8pPr marL="3429000" indent="-228600" algn="l" defTabSz="457200" rtl="0" eaLnBrk="1" latinLnBrk="0" hangingPunct="1">
+              <a:spcBef>
+                <a:spcPts val="1000"/>
+              </a:spcBef>
+              <a:spcAft>
+                <a:spcPts val="0"/>
+              </a:spcAft>
+              <a:buClr>
+                <a:schemeClr val="accent1"/>
+              </a:buClr>
+              <a:buSzPct val="80000"/>
+              <a:buFont typeface="Wingdings 3" charset="2"/>
+              <a:buChar char=""/>
+              <a:defRPr sz="1200" kern="1200">
+                <a:solidFill>
+                  <a:schemeClr val="tx1">
+                    <a:lumMod val="75000"/>
+                    <a:lumOff val="25000"/>
+                  </a:schemeClr>
+                </a:solidFill>
+                <a:latin typeface="+mn-lt"/>
+                <a:ea typeface="+mn-ea"/>
+                <a:cs typeface="+mn-cs"/>
+              </a:defRPr>
+            </a:lvl8pPr>
+            <a:lvl9pPr marL="3886200" indent="-228600" algn="l" defTabSz="457200" rtl="0" eaLnBrk="1" latinLnBrk="0" hangingPunct="1">
+              <a:spcBef>
+                <a:spcPts val="1000"/>
+              </a:spcBef>
+              <a:spcAft>
+                <a:spcPts val="0"/>
+              </a:spcAft>
+              <a:buClr>
+                <a:schemeClr val="accent1"/>
+              </a:buClr>
+              <a:buSzPct val="80000"/>
+              <a:buFont typeface="Wingdings 3" charset="2"/>
+              <a:buChar char=""/>
+              <a:defRPr sz="1200" kern="1200">
+                <a:solidFill>
+                  <a:schemeClr val="tx1">
+                    <a:lumMod val="75000"/>
+                    <a:lumOff val="25000"/>
+                  </a:schemeClr>
+                </a:solidFill>
+                <a:latin typeface="+mn-lt"/>
+                <a:ea typeface="+mn-ea"/>
+                <a:cs typeface="+mn-cs"/>
+              </a:defRPr>
+            </a:lvl9pPr>
+          </a:lstStyle>
+          <a:p>
+            <a:pPr marL="0" indent="0">
+              <a:buNone/>
+            </a:pPr>
+            <a:endParaRPr lang="fr-FR" sz="2200" dirty="0">
+              <a:solidFill>
+                <a:schemeClr val="accent1">
+                  <a:lumMod val="50000"/>
+                </a:schemeClr>
+              </a:solidFill>
+            </a:endParaRPr>
+          </a:p>
+        </p:txBody>
+      </p:sp>
+    </p:spTree>
+    <p:extLst>
+      <p:ext uri="{BB962C8B-B14F-4D97-AF65-F5344CB8AC3E}">
+        <p14:creationId xmlns:p14="http://schemas.microsoft.com/office/powerpoint/2010/main" val="660512035"/>
+      </p:ext>
+    </p:extLst>
+  </p:cSld>
+  <p:clrMapOvr>
+    <a:masterClrMapping/>
+  </p:clrMapOvr>
+  <p:timing>
+    <p:tnLst>
+      <p:par>
+        <p:cTn id="1" dur="indefinite" restart="never" nodeType="tmRoot"/>
+      </p:par>
+    </p:tnLst>
+  </p:timing>
+</p:sld>
+</file>
+
 <file path=ppt/slides/slide2.xml><?xml version="1.0" encoding="utf-8"?>
 <p:sld xmlns:a="http://schemas.openxmlformats.org/drawingml/2006/main" xmlns:r="http://schemas.openxmlformats.org/officeDocument/2006/relationships" xmlns:p="http://schemas.openxmlformats.org/presentationml/2006/main">
   <p:cSld>
@@ -6427,23 +6845,7 @@
                   <a:prstClr val="black"/>
                 </a:solidFill>
               </a:rPr>
-              <a:t>, </a:t>
-            </a:r>
-            <a:r>
-              <a:rPr lang="fr-FR" sz="1000" dirty="0" smtClean="0">
-                <a:solidFill>
-                  <a:prstClr val="black"/>
-                </a:solidFill>
-              </a:rPr>
-              <a:t>génère </a:t>
-            </a:r>
-            <a:r>
-              <a:rPr lang="fr-FR" sz="1000" dirty="0" smtClean="0">
-                <a:solidFill>
-                  <a:prstClr val="black"/>
-                </a:solidFill>
-              </a:rPr>
-              <a:t>des scores de variabilité</a:t>
+              <a:t>, génère des scores de variabilité</a:t>
             </a:r>
             <a:endParaRPr lang="fr-FR" sz="1000" dirty="0">
               <a:solidFill>
@@ -6805,7 +7207,7 @@
         </p:nvSpPr>
         <p:spPr>
           <a:xfrm>
-            <a:off x="2673626" y="1434418"/>
+            <a:off x="735663" y="1432731"/>
             <a:ext cx="4620126" cy="369332"/>
           </a:xfrm>
           <a:prstGeom prst="rect">
@@ -6861,13 +7263,11 @@
       </p:sp>
       <p:pic>
         <p:nvPicPr>
-          <p:cNvPr id="5" name="Espace réservé du contenu 4"/>
+          <p:cNvPr id="4" name="Image 3"/>
           <p:cNvPicPr>
-            <a:picLocks noGrp="1" noChangeAspect="1"/>
+            <a:picLocks noChangeAspect="1"/>
           </p:cNvPicPr>
-          <p:nvPr>
-            <p:ph idx="1"/>
-          </p:nvPr>
+          <p:nvPr/>
         </p:nvPicPr>
         <p:blipFill>
           <a:blip r:embed="rId2">
@@ -6883,14 +7283,17 @@
         </p:blipFill>
         <p:spPr>
           <a:xfrm>
-            <a:off x="829833" y="1911935"/>
-            <a:ext cx="4911332" cy="4680000"/>
+            <a:off x="8636401" y="182063"/>
+            <a:ext cx="3400155" cy="3240000"/>
           </a:xfrm>
+          <a:prstGeom prst="rect">
+            <a:avLst/>
+          </a:prstGeom>
         </p:spPr>
       </p:pic>
       <p:pic>
         <p:nvPicPr>
-          <p:cNvPr id="6" name="Image 5"/>
+          <p:cNvPr id="7" name="Image 6"/>
           <p:cNvPicPr>
             <a:picLocks noChangeAspect="1"/>
           </p:cNvPicPr>
@@ -6910,8 +7313,428 @@
         </p:blipFill>
         <p:spPr>
           <a:xfrm>
-            <a:off x="5741165" y="1911935"/>
-            <a:ext cx="4911332" cy="4680000"/>
+            <a:off x="4762209" y="182063"/>
+            <a:ext cx="3400155" cy="3240000"/>
+          </a:xfrm>
+          <a:prstGeom prst="rect">
+            <a:avLst/>
+          </a:prstGeom>
+        </p:spPr>
+      </p:pic>
+      <p:cxnSp>
+        <p:nvCxnSpPr>
+          <p:cNvPr id="9" name="Connecteur droit avec flèche 8"/>
+          <p:cNvCxnSpPr/>
+          <p:nvPr/>
+        </p:nvCxnSpPr>
+        <p:spPr>
+          <a:xfrm>
+            <a:off x="8189462" y="1802063"/>
+            <a:ext cx="393031" cy="0"/>
+          </a:xfrm>
+          <a:prstGeom prst="straightConnector1">
+            <a:avLst/>
+          </a:prstGeom>
+          <a:ln>
+            <a:tailEnd type="triangle"/>
+          </a:ln>
+        </p:spPr>
+        <p:style>
+          <a:lnRef idx="1">
+            <a:schemeClr val="dk1"/>
+          </a:lnRef>
+          <a:fillRef idx="0">
+            <a:schemeClr val="dk1"/>
+          </a:fillRef>
+          <a:effectRef idx="0">
+            <a:schemeClr val="dk1"/>
+          </a:effectRef>
+          <a:fontRef idx="minor">
+            <a:schemeClr val="tx1"/>
+          </a:fontRef>
+        </p:style>
+      </p:cxnSp>
+      <p:cxnSp>
+        <p:nvCxnSpPr>
+          <p:cNvPr id="10" name="Connecteur droit avec flèche 9"/>
+          <p:cNvCxnSpPr/>
+          <p:nvPr/>
+        </p:nvCxnSpPr>
+        <p:spPr>
+          <a:xfrm>
+            <a:off x="8189462" y="5125453"/>
+            <a:ext cx="393031" cy="0"/>
+          </a:xfrm>
+          <a:prstGeom prst="straightConnector1">
+            <a:avLst/>
+          </a:prstGeom>
+          <a:ln>
+            <a:tailEnd type="triangle"/>
+          </a:ln>
+        </p:spPr>
+        <p:style>
+          <a:lnRef idx="1">
+            <a:schemeClr val="dk1"/>
+          </a:lnRef>
+          <a:fillRef idx="0">
+            <a:schemeClr val="dk1"/>
+          </a:fillRef>
+          <a:effectRef idx="0">
+            <a:schemeClr val="dk1"/>
+          </a:effectRef>
+          <a:fontRef idx="minor">
+            <a:schemeClr val="tx1"/>
+          </a:fontRef>
+        </p:style>
+      </p:cxnSp>
+      <p:sp>
+        <p:nvSpPr>
+          <p:cNvPr id="11" name="Espace réservé du contenu 3"/>
+          <p:cNvSpPr txBox="1">
+            <a:spLocks/>
+          </p:cNvSpPr>
+          <p:nvPr/>
+        </p:nvSpPr>
+        <p:spPr>
+          <a:xfrm>
+            <a:off x="677334" y="2160589"/>
+            <a:ext cx="4084875" cy="3880773"/>
+          </a:xfrm>
+          <a:prstGeom prst="rect">
+            <a:avLst/>
+          </a:prstGeom>
+        </p:spPr>
+        <p:txBody>
+          <a:bodyPr vert="horz" lIns="91440" tIns="45720" rIns="91440" bIns="45720" rtlCol="0">
+            <a:normAutofit/>
+          </a:bodyPr>
+          <a:lstStyle>
+            <a:lvl1pPr marL="342900" indent="-342900" algn="l" defTabSz="457200" rtl="0" eaLnBrk="1" latinLnBrk="0" hangingPunct="1">
+              <a:spcBef>
+                <a:spcPts val="1000"/>
+              </a:spcBef>
+              <a:spcAft>
+                <a:spcPts val="0"/>
+              </a:spcAft>
+              <a:buClr>
+                <a:schemeClr val="accent1">
+                  <a:lumMod val="75000"/>
+                </a:schemeClr>
+              </a:buClr>
+              <a:buSzPct val="80000"/>
+              <a:buFont typeface="Wingdings 3" charset="2"/>
+              <a:buChar char=""/>
+              <a:defRPr sz="1800" kern="1200">
+                <a:solidFill>
+                  <a:schemeClr val="tx1">
+                    <a:lumMod val="75000"/>
+                    <a:lumOff val="25000"/>
+                  </a:schemeClr>
+                </a:solidFill>
+                <a:latin typeface="+mn-lt"/>
+                <a:ea typeface="+mn-ea"/>
+                <a:cs typeface="+mn-cs"/>
+              </a:defRPr>
+            </a:lvl1pPr>
+            <a:lvl2pPr marL="742950" indent="-285750" algn="l" defTabSz="457200" rtl="0" eaLnBrk="1" latinLnBrk="0" hangingPunct="1">
+              <a:spcBef>
+                <a:spcPts val="1000"/>
+              </a:spcBef>
+              <a:spcAft>
+                <a:spcPts val="0"/>
+              </a:spcAft>
+              <a:buClr>
+                <a:schemeClr val="accent1">
+                  <a:lumMod val="75000"/>
+                </a:schemeClr>
+              </a:buClr>
+              <a:buSzPct val="80000"/>
+              <a:buFont typeface="Wingdings 3" charset="2"/>
+              <a:buChar char=""/>
+              <a:defRPr sz="1600" kern="1200">
+                <a:solidFill>
+                  <a:schemeClr val="tx1">
+                    <a:lumMod val="75000"/>
+                    <a:lumOff val="25000"/>
+                  </a:schemeClr>
+                </a:solidFill>
+                <a:latin typeface="+mn-lt"/>
+                <a:ea typeface="+mn-ea"/>
+                <a:cs typeface="+mn-cs"/>
+              </a:defRPr>
+            </a:lvl2pPr>
+            <a:lvl3pPr marL="1143000" indent="-228600" algn="l" defTabSz="457200" rtl="0" eaLnBrk="1" latinLnBrk="0" hangingPunct="1">
+              <a:spcBef>
+                <a:spcPts val="1000"/>
+              </a:spcBef>
+              <a:spcAft>
+                <a:spcPts val="0"/>
+              </a:spcAft>
+              <a:buClr>
+                <a:schemeClr val="accent1">
+                  <a:lumMod val="75000"/>
+                </a:schemeClr>
+              </a:buClr>
+              <a:buSzPct val="80000"/>
+              <a:buFont typeface="Wingdings 3" charset="2"/>
+              <a:buChar char=""/>
+              <a:defRPr sz="1400" kern="1200">
+                <a:solidFill>
+                  <a:schemeClr val="tx1">
+                    <a:lumMod val="75000"/>
+                    <a:lumOff val="25000"/>
+                  </a:schemeClr>
+                </a:solidFill>
+                <a:latin typeface="+mn-lt"/>
+                <a:ea typeface="+mn-ea"/>
+                <a:cs typeface="+mn-cs"/>
+              </a:defRPr>
+            </a:lvl3pPr>
+            <a:lvl4pPr marL="1600200" indent="-228600" algn="l" defTabSz="457200" rtl="0" eaLnBrk="1" latinLnBrk="0" hangingPunct="1">
+              <a:spcBef>
+                <a:spcPts val="1000"/>
+              </a:spcBef>
+              <a:spcAft>
+                <a:spcPts val="0"/>
+              </a:spcAft>
+              <a:buClr>
+                <a:schemeClr val="accent1">
+                  <a:lumMod val="75000"/>
+                </a:schemeClr>
+              </a:buClr>
+              <a:buSzPct val="80000"/>
+              <a:buFont typeface="Wingdings 3" charset="2"/>
+              <a:buChar char=""/>
+              <a:defRPr sz="1200" kern="1200">
+                <a:solidFill>
+                  <a:schemeClr val="tx1">
+                    <a:lumMod val="75000"/>
+                    <a:lumOff val="25000"/>
+                  </a:schemeClr>
+                </a:solidFill>
+                <a:latin typeface="+mn-lt"/>
+                <a:ea typeface="+mn-ea"/>
+                <a:cs typeface="+mn-cs"/>
+              </a:defRPr>
+            </a:lvl4pPr>
+            <a:lvl5pPr marL="2057400" indent="-228600" algn="l" defTabSz="457200" rtl="0" eaLnBrk="1" latinLnBrk="0" hangingPunct="1">
+              <a:spcBef>
+                <a:spcPts val="1000"/>
+              </a:spcBef>
+              <a:spcAft>
+                <a:spcPts val="0"/>
+              </a:spcAft>
+              <a:buClr>
+                <a:schemeClr val="accent1">
+                  <a:lumMod val="75000"/>
+                </a:schemeClr>
+              </a:buClr>
+              <a:buSzPct val="80000"/>
+              <a:buFont typeface="Wingdings 3" charset="2"/>
+              <a:buChar char=""/>
+              <a:defRPr sz="1200" kern="1200">
+                <a:solidFill>
+                  <a:schemeClr val="tx1">
+                    <a:lumMod val="75000"/>
+                    <a:lumOff val="25000"/>
+                  </a:schemeClr>
+                </a:solidFill>
+                <a:latin typeface="+mn-lt"/>
+                <a:ea typeface="+mn-ea"/>
+                <a:cs typeface="+mn-cs"/>
+              </a:defRPr>
+            </a:lvl5pPr>
+            <a:lvl6pPr marL="2514600" indent="-228600" algn="l" defTabSz="457200" rtl="0" eaLnBrk="1" latinLnBrk="0" hangingPunct="1">
+              <a:spcBef>
+                <a:spcPts val="1000"/>
+              </a:spcBef>
+              <a:spcAft>
+                <a:spcPts val="0"/>
+              </a:spcAft>
+              <a:buClr>
+                <a:schemeClr val="accent1">
+                  <a:lumMod val="75000"/>
+                </a:schemeClr>
+              </a:buClr>
+              <a:buSzPct val="80000"/>
+              <a:buFont typeface="Wingdings 3" charset="2"/>
+              <a:buChar char=""/>
+              <a:defRPr sz="1200" kern="1200">
+                <a:solidFill>
+                  <a:schemeClr val="tx1">
+                    <a:lumMod val="75000"/>
+                    <a:lumOff val="25000"/>
+                  </a:schemeClr>
+                </a:solidFill>
+                <a:latin typeface="+mn-lt"/>
+                <a:ea typeface="+mn-ea"/>
+                <a:cs typeface="+mn-cs"/>
+              </a:defRPr>
+            </a:lvl6pPr>
+            <a:lvl7pPr marL="2971800" indent="-228600" algn="l" defTabSz="457200" rtl="0" eaLnBrk="1" latinLnBrk="0" hangingPunct="1">
+              <a:spcBef>
+                <a:spcPts val="1000"/>
+              </a:spcBef>
+              <a:spcAft>
+                <a:spcPts val="0"/>
+              </a:spcAft>
+              <a:buClr>
+                <a:schemeClr val="accent1">
+                  <a:lumMod val="75000"/>
+                </a:schemeClr>
+              </a:buClr>
+              <a:buSzPct val="80000"/>
+              <a:buFont typeface="Wingdings 3" charset="2"/>
+              <a:buChar char=""/>
+              <a:defRPr sz="1200" kern="1200">
+                <a:solidFill>
+                  <a:schemeClr val="tx1">
+                    <a:lumMod val="75000"/>
+                    <a:lumOff val="25000"/>
+                  </a:schemeClr>
+                </a:solidFill>
+                <a:latin typeface="+mn-lt"/>
+                <a:ea typeface="+mn-ea"/>
+                <a:cs typeface="+mn-cs"/>
+              </a:defRPr>
+            </a:lvl7pPr>
+            <a:lvl8pPr marL="3429000" indent="-228600" algn="l" defTabSz="457200" rtl="0" eaLnBrk="1" latinLnBrk="0" hangingPunct="1">
+              <a:spcBef>
+                <a:spcPts val="1000"/>
+              </a:spcBef>
+              <a:spcAft>
+                <a:spcPts val="0"/>
+              </a:spcAft>
+              <a:buClr>
+                <a:schemeClr val="accent1">
+                  <a:lumMod val="75000"/>
+                </a:schemeClr>
+              </a:buClr>
+              <a:buSzPct val="80000"/>
+              <a:buFont typeface="Wingdings 3" charset="2"/>
+              <a:buChar char=""/>
+              <a:defRPr sz="1200" kern="1200">
+                <a:solidFill>
+                  <a:schemeClr val="tx1">
+                    <a:lumMod val="75000"/>
+                    <a:lumOff val="25000"/>
+                  </a:schemeClr>
+                </a:solidFill>
+                <a:latin typeface="+mn-lt"/>
+                <a:ea typeface="+mn-ea"/>
+                <a:cs typeface="+mn-cs"/>
+              </a:defRPr>
+            </a:lvl8pPr>
+            <a:lvl9pPr marL="3886200" indent="-228600" algn="l" defTabSz="457200" rtl="0" eaLnBrk="1" latinLnBrk="0" hangingPunct="1">
+              <a:spcBef>
+                <a:spcPts val="1000"/>
+              </a:spcBef>
+              <a:spcAft>
+                <a:spcPts val="0"/>
+              </a:spcAft>
+              <a:buClr>
+                <a:schemeClr val="accent1">
+                  <a:lumMod val="75000"/>
+                </a:schemeClr>
+              </a:buClr>
+              <a:buSzPct val="80000"/>
+              <a:buFont typeface="Wingdings 3" charset="2"/>
+              <a:buChar char=""/>
+              <a:defRPr sz="1200" kern="1200">
+                <a:solidFill>
+                  <a:schemeClr val="tx1">
+                    <a:lumMod val="75000"/>
+                    <a:lumOff val="25000"/>
+                  </a:schemeClr>
+                </a:solidFill>
+                <a:latin typeface="+mn-lt"/>
+                <a:ea typeface="+mn-ea"/>
+                <a:cs typeface="+mn-cs"/>
+              </a:defRPr>
+            </a:lvl9pPr>
+          </a:lstStyle>
+          <a:p>
+            <a:pPr marL="0" indent="0">
+              <a:buFont typeface="Wingdings 3" charset="2"/>
+              <a:buNone/>
+            </a:pPr>
+            <a:r>
+              <a:rPr lang="fr-FR" dirty="0" smtClean="0"/>
+              <a:t>Étape conçue pour traiter les données </a:t>
+            </a:r>
+            <a:r>
+              <a:rPr lang="fr-FR" dirty="0" err="1" smtClean="0"/>
+              <a:t>Agilent</a:t>
+            </a:r>
+            <a:r>
+              <a:rPr lang="fr-FR" dirty="0" smtClean="0"/>
+              <a:t> -&gt; seul le </a:t>
+            </a:r>
+            <a:r>
+              <a:rPr lang="fr-FR" dirty="0" err="1" smtClean="0"/>
+              <a:t>rescaling</a:t>
+            </a:r>
+            <a:r>
+              <a:rPr lang="fr-FR" dirty="0" smtClean="0"/>
+              <a:t> du LRR est nécessaire dans notre cas</a:t>
+            </a:r>
+            <a:endParaRPr lang="fr-FR" dirty="0"/>
+          </a:p>
+        </p:txBody>
+      </p:sp>
+      <p:pic>
+        <p:nvPicPr>
+          <p:cNvPr id="13" name="Espace réservé du contenu 12"/>
+          <p:cNvPicPr>
+            <a:picLocks noGrp="1" noChangeAspect="1"/>
+          </p:cNvPicPr>
+          <p:nvPr>
+            <p:ph idx="1"/>
+          </p:nvPr>
+        </p:nvPicPr>
+        <p:blipFill>
+          <a:blip r:embed="rId4">
+            <a:extLst>
+              <a:ext uri="{28A0092B-C50C-407E-A947-70E740481C1C}">
+                <a14:useLocalDpi xmlns:a14="http://schemas.microsoft.com/office/drawing/2010/main" val="0"/>
+              </a:ext>
+            </a:extLst>
+          </a:blip>
+          <a:stretch>
+            <a:fillRect/>
+          </a:stretch>
+        </p:blipFill>
+        <p:spPr>
+          <a:xfrm>
+            <a:off x="8636402" y="3505453"/>
+            <a:ext cx="3400155" cy="3240000"/>
+          </a:xfrm>
+        </p:spPr>
+      </p:pic>
+      <p:pic>
+        <p:nvPicPr>
+          <p:cNvPr id="14" name="Image 13"/>
+          <p:cNvPicPr>
+            <a:picLocks noChangeAspect="1"/>
+          </p:cNvPicPr>
+          <p:nvPr/>
+        </p:nvPicPr>
+        <p:blipFill>
+          <a:blip r:embed="rId5">
+            <a:extLst>
+              <a:ext uri="{28A0092B-C50C-407E-A947-70E740481C1C}">
+                <a14:useLocalDpi xmlns:a14="http://schemas.microsoft.com/office/drawing/2010/main" val="0"/>
+              </a:ext>
+            </a:extLst>
+          </a:blip>
+          <a:stretch>
+            <a:fillRect/>
+          </a:stretch>
+        </p:blipFill>
+        <p:spPr>
+          <a:xfrm>
+            <a:off x="4789307" y="3505453"/>
+            <a:ext cx="3400155" cy="3240000"/>
           </a:xfrm>
           <a:prstGeom prst="rect">
             <a:avLst/>
@@ -7080,7 +7903,7 @@
               <a:t>rescaling</a:t>
             </a:r>
             <a:r>
-              <a:rPr lang="fr-FR" smtClean="0"/>
+              <a:rPr lang="fr-FR" dirty="0" smtClean="0"/>
               <a:t> du LRR est nécessaire dans notre cas</a:t>
             </a:r>
             <a:endParaRPr lang="fr-FR" dirty="0"/>
@@ -7394,21 +8217,20 @@
           </a:xfrm>
         </p:spPr>
         <p:txBody>
-          <a:bodyPr>
-            <a:normAutofit fontScale="90000"/>
-          </a:bodyPr>
+          <a:bodyPr/>
           <a:lstStyle/>
           <a:p>
             <a:r>
               <a:rPr lang="fr-FR" dirty="0" smtClean="0"/>
-              <a:t>Deuxième normalisation (modèle de mélange)</a:t>
-            </a:r>
-            <a:br>
+              <a:t>Segmentation </a:t>
+            </a:r>
+            <a:r>
+              <a:rPr lang="fr-FR" dirty="0" err="1" smtClean="0"/>
+              <a:t>DNAcopy</a:t>
+            </a:r>
+            <a:r>
               <a:rPr lang="fr-FR" dirty="0" smtClean="0"/>
-            </a:br>
-            <a:r>
-              <a:rPr lang="fr-FR" dirty="0" smtClean="0"/>
-              <a:t/>
+              <a:t> </a:t>
             </a:r>
             <a:br>
               <a:rPr lang="fr-FR" dirty="0" smtClean="0"/>
@@ -7417,83 +8239,330 @@
           </a:p>
         </p:txBody>
       </p:sp>
-      <p:sp>
-        <p:nvSpPr>
-          <p:cNvPr id="3" name="ZoneTexte 2"/>
-          <p:cNvSpPr txBox="1"/>
-          <p:nvPr/>
-        </p:nvSpPr>
-        <p:spPr>
-          <a:xfrm>
-            <a:off x="1123513" y="1427328"/>
-            <a:ext cx="7720351" cy="369332"/>
-          </a:xfrm>
-          <a:prstGeom prst="rect">
-            <a:avLst/>
-          </a:prstGeom>
-          <a:noFill/>
-        </p:spPr>
-        <p:txBody>
-          <a:bodyPr wrap="square" rtlCol="0">
-            <a:spAutoFit/>
-          </a:bodyPr>
-          <a:lstStyle/>
-          <a:p>
-            <a:r>
-              <a:rPr lang="fr-FR" dirty="0" err="1" smtClean="0">
-                <a:latin typeface="Agency FB" panose="020B0503020202020204" pitchFamily="34" charset="0"/>
-              </a:rPr>
-              <a:t>EMnormalize</a:t>
-            </a:r>
-            <a:r>
-              <a:rPr lang="fr-FR" dirty="0" smtClean="0">
-                <a:latin typeface="Agency FB" panose="020B0503020202020204" pitchFamily="34" charset="0"/>
-              </a:rPr>
-              <a:t>(data)</a:t>
-            </a:r>
-            <a:endParaRPr lang="fr-FR" dirty="0">
-              <a:latin typeface="Agency FB" panose="020B0503020202020204" pitchFamily="34" charset="0"/>
-            </a:endParaRPr>
-          </a:p>
-        </p:txBody>
-      </p:sp>
       <p:pic>
         <p:nvPicPr>
-          <p:cNvPr id="6" name="Espace réservé du contenu 3"/>
+          <p:cNvPr id="5" name="Image 4"/>
           <p:cNvPicPr>
             <a:picLocks noChangeAspect="1"/>
           </p:cNvPicPr>
           <p:nvPr/>
         </p:nvPicPr>
         <p:blipFill>
-          <a:blip r:embed="rId2">
-            <a:extLst>
-              <a:ext uri="{28A0092B-C50C-407E-A947-70E740481C1C}">
-                <a14:useLocalDpi xmlns:a14="http://schemas.microsoft.com/office/drawing/2010/main" val="0"/>
-              </a:ext>
-            </a:extLst>
-          </a:blip>
+          <a:blip r:embed="rId2"/>
           <a:stretch>
             <a:fillRect/>
           </a:stretch>
         </p:blipFill>
         <p:spPr>
           <a:xfrm>
-            <a:off x="623733" y="1796660"/>
-            <a:ext cx="4911331" cy="4680000"/>
+            <a:off x="11136662" y="66384"/>
+            <a:ext cx="971686" cy="581106"/>
           </a:xfrm>
           <a:prstGeom prst="rect">
             <a:avLst/>
           </a:prstGeom>
         </p:spPr>
       </p:pic>
+      <p:sp>
+        <p:nvSpPr>
+          <p:cNvPr id="7" name="Espace réservé du contenu 3"/>
+          <p:cNvSpPr txBox="1">
+            <a:spLocks/>
+          </p:cNvSpPr>
+          <p:nvPr/>
+        </p:nvSpPr>
+        <p:spPr>
+          <a:xfrm>
+            <a:off x="685355" y="1286296"/>
+            <a:ext cx="8596668" cy="775116"/>
+          </a:xfrm>
+          <a:prstGeom prst="rect">
+            <a:avLst/>
+          </a:prstGeom>
+        </p:spPr>
+        <p:txBody>
+          <a:bodyPr vert="horz" lIns="91440" tIns="45720" rIns="91440" bIns="45720" rtlCol="0">
+            <a:normAutofit/>
+          </a:bodyPr>
+          <a:lstStyle>
+            <a:lvl1pPr marL="342900" indent="-342900" algn="l" defTabSz="457200" rtl="0" eaLnBrk="1" latinLnBrk="0" hangingPunct="1">
+              <a:spcBef>
+                <a:spcPts val="1000"/>
+              </a:spcBef>
+              <a:spcAft>
+                <a:spcPts val="0"/>
+              </a:spcAft>
+              <a:buClr>
+                <a:schemeClr val="accent1">
+                  <a:lumMod val="75000"/>
+                </a:schemeClr>
+              </a:buClr>
+              <a:buSzPct val="80000"/>
+              <a:buFont typeface="Wingdings 3" charset="2"/>
+              <a:buChar char=""/>
+              <a:defRPr sz="1800" kern="1200">
+                <a:solidFill>
+                  <a:schemeClr val="tx1">
+                    <a:lumMod val="75000"/>
+                    <a:lumOff val="25000"/>
+                  </a:schemeClr>
+                </a:solidFill>
+                <a:latin typeface="+mn-lt"/>
+                <a:ea typeface="+mn-ea"/>
+                <a:cs typeface="+mn-cs"/>
+              </a:defRPr>
+            </a:lvl1pPr>
+            <a:lvl2pPr marL="742950" indent="-285750" algn="l" defTabSz="457200" rtl="0" eaLnBrk="1" latinLnBrk="0" hangingPunct="1">
+              <a:spcBef>
+                <a:spcPts val="1000"/>
+              </a:spcBef>
+              <a:spcAft>
+                <a:spcPts val="0"/>
+              </a:spcAft>
+              <a:buClr>
+                <a:schemeClr val="accent1">
+                  <a:lumMod val="75000"/>
+                </a:schemeClr>
+              </a:buClr>
+              <a:buSzPct val="80000"/>
+              <a:buFont typeface="Wingdings 3" charset="2"/>
+              <a:buChar char=""/>
+              <a:defRPr sz="1600" kern="1200">
+                <a:solidFill>
+                  <a:schemeClr val="tx1">
+                    <a:lumMod val="75000"/>
+                    <a:lumOff val="25000"/>
+                  </a:schemeClr>
+                </a:solidFill>
+                <a:latin typeface="+mn-lt"/>
+                <a:ea typeface="+mn-ea"/>
+                <a:cs typeface="+mn-cs"/>
+              </a:defRPr>
+            </a:lvl2pPr>
+            <a:lvl3pPr marL="1143000" indent="-228600" algn="l" defTabSz="457200" rtl="0" eaLnBrk="1" latinLnBrk="0" hangingPunct="1">
+              <a:spcBef>
+                <a:spcPts val="1000"/>
+              </a:spcBef>
+              <a:spcAft>
+                <a:spcPts val="0"/>
+              </a:spcAft>
+              <a:buClr>
+                <a:schemeClr val="accent1">
+                  <a:lumMod val="75000"/>
+                </a:schemeClr>
+              </a:buClr>
+              <a:buSzPct val="80000"/>
+              <a:buFont typeface="Wingdings 3" charset="2"/>
+              <a:buChar char=""/>
+              <a:defRPr sz="1400" kern="1200">
+                <a:solidFill>
+                  <a:schemeClr val="tx1">
+                    <a:lumMod val="75000"/>
+                    <a:lumOff val="25000"/>
+                  </a:schemeClr>
+                </a:solidFill>
+                <a:latin typeface="+mn-lt"/>
+                <a:ea typeface="+mn-ea"/>
+                <a:cs typeface="+mn-cs"/>
+              </a:defRPr>
+            </a:lvl3pPr>
+            <a:lvl4pPr marL="1600200" indent="-228600" algn="l" defTabSz="457200" rtl="0" eaLnBrk="1" latinLnBrk="0" hangingPunct="1">
+              <a:spcBef>
+                <a:spcPts val="1000"/>
+              </a:spcBef>
+              <a:spcAft>
+                <a:spcPts val="0"/>
+              </a:spcAft>
+              <a:buClr>
+                <a:schemeClr val="accent1">
+                  <a:lumMod val="75000"/>
+                </a:schemeClr>
+              </a:buClr>
+              <a:buSzPct val="80000"/>
+              <a:buFont typeface="Wingdings 3" charset="2"/>
+              <a:buChar char=""/>
+              <a:defRPr sz="1200" kern="1200">
+                <a:solidFill>
+                  <a:schemeClr val="tx1">
+                    <a:lumMod val="75000"/>
+                    <a:lumOff val="25000"/>
+                  </a:schemeClr>
+                </a:solidFill>
+                <a:latin typeface="+mn-lt"/>
+                <a:ea typeface="+mn-ea"/>
+                <a:cs typeface="+mn-cs"/>
+              </a:defRPr>
+            </a:lvl4pPr>
+            <a:lvl5pPr marL="2057400" indent="-228600" algn="l" defTabSz="457200" rtl="0" eaLnBrk="1" latinLnBrk="0" hangingPunct="1">
+              <a:spcBef>
+                <a:spcPts val="1000"/>
+              </a:spcBef>
+              <a:spcAft>
+                <a:spcPts val="0"/>
+              </a:spcAft>
+              <a:buClr>
+                <a:schemeClr val="accent1">
+                  <a:lumMod val="75000"/>
+                </a:schemeClr>
+              </a:buClr>
+              <a:buSzPct val="80000"/>
+              <a:buFont typeface="Wingdings 3" charset="2"/>
+              <a:buChar char=""/>
+              <a:defRPr sz="1200" kern="1200">
+                <a:solidFill>
+                  <a:schemeClr val="tx1">
+                    <a:lumMod val="75000"/>
+                    <a:lumOff val="25000"/>
+                  </a:schemeClr>
+                </a:solidFill>
+                <a:latin typeface="+mn-lt"/>
+                <a:ea typeface="+mn-ea"/>
+                <a:cs typeface="+mn-cs"/>
+              </a:defRPr>
+            </a:lvl5pPr>
+            <a:lvl6pPr marL="2514600" indent="-228600" algn="l" defTabSz="457200" rtl="0" eaLnBrk="1" latinLnBrk="0" hangingPunct="1">
+              <a:spcBef>
+                <a:spcPts val="1000"/>
+              </a:spcBef>
+              <a:spcAft>
+                <a:spcPts val="0"/>
+              </a:spcAft>
+              <a:buClr>
+                <a:schemeClr val="accent1">
+                  <a:lumMod val="75000"/>
+                </a:schemeClr>
+              </a:buClr>
+              <a:buSzPct val="80000"/>
+              <a:buFont typeface="Wingdings 3" charset="2"/>
+              <a:buChar char=""/>
+              <a:defRPr sz="1200" kern="1200">
+                <a:solidFill>
+                  <a:schemeClr val="tx1">
+                    <a:lumMod val="75000"/>
+                    <a:lumOff val="25000"/>
+                  </a:schemeClr>
+                </a:solidFill>
+                <a:latin typeface="+mn-lt"/>
+                <a:ea typeface="+mn-ea"/>
+                <a:cs typeface="+mn-cs"/>
+              </a:defRPr>
+            </a:lvl6pPr>
+            <a:lvl7pPr marL="2971800" indent="-228600" algn="l" defTabSz="457200" rtl="0" eaLnBrk="1" latinLnBrk="0" hangingPunct="1">
+              <a:spcBef>
+                <a:spcPts val="1000"/>
+              </a:spcBef>
+              <a:spcAft>
+                <a:spcPts val="0"/>
+              </a:spcAft>
+              <a:buClr>
+                <a:schemeClr val="accent1">
+                  <a:lumMod val="75000"/>
+                </a:schemeClr>
+              </a:buClr>
+              <a:buSzPct val="80000"/>
+              <a:buFont typeface="Wingdings 3" charset="2"/>
+              <a:buChar char=""/>
+              <a:defRPr sz="1200" kern="1200">
+                <a:solidFill>
+                  <a:schemeClr val="tx1">
+                    <a:lumMod val="75000"/>
+                    <a:lumOff val="25000"/>
+                  </a:schemeClr>
+                </a:solidFill>
+                <a:latin typeface="+mn-lt"/>
+                <a:ea typeface="+mn-ea"/>
+                <a:cs typeface="+mn-cs"/>
+              </a:defRPr>
+            </a:lvl7pPr>
+            <a:lvl8pPr marL="3429000" indent="-228600" algn="l" defTabSz="457200" rtl="0" eaLnBrk="1" latinLnBrk="0" hangingPunct="1">
+              <a:spcBef>
+                <a:spcPts val="1000"/>
+              </a:spcBef>
+              <a:spcAft>
+                <a:spcPts val="0"/>
+              </a:spcAft>
+              <a:buClr>
+                <a:schemeClr val="accent1">
+                  <a:lumMod val="75000"/>
+                </a:schemeClr>
+              </a:buClr>
+              <a:buSzPct val="80000"/>
+              <a:buFont typeface="Wingdings 3" charset="2"/>
+              <a:buChar char=""/>
+              <a:defRPr sz="1200" kern="1200">
+                <a:solidFill>
+                  <a:schemeClr val="tx1">
+                    <a:lumMod val="75000"/>
+                    <a:lumOff val="25000"/>
+                  </a:schemeClr>
+                </a:solidFill>
+                <a:latin typeface="+mn-lt"/>
+                <a:ea typeface="+mn-ea"/>
+                <a:cs typeface="+mn-cs"/>
+              </a:defRPr>
+            </a:lvl8pPr>
+            <a:lvl9pPr marL="3886200" indent="-228600" algn="l" defTabSz="457200" rtl="0" eaLnBrk="1" latinLnBrk="0" hangingPunct="1">
+              <a:spcBef>
+                <a:spcPts val="1000"/>
+              </a:spcBef>
+              <a:spcAft>
+                <a:spcPts val="0"/>
+              </a:spcAft>
+              <a:buClr>
+                <a:schemeClr val="accent1">
+                  <a:lumMod val="75000"/>
+                </a:schemeClr>
+              </a:buClr>
+              <a:buSzPct val="80000"/>
+              <a:buFont typeface="Wingdings 3" charset="2"/>
+              <a:buChar char=""/>
+              <a:defRPr sz="1200" kern="1200">
+                <a:solidFill>
+                  <a:schemeClr val="tx1">
+                    <a:lumMod val="75000"/>
+                    <a:lumOff val="25000"/>
+                  </a:schemeClr>
+                </a:solidFill>
+                <a:latin typeface="+mn-lt"/>
+                <a:ea typeface="+mn-ea"/>
+                <a:cs typeface="+mn-cs"/>
+              </a:defRPr>
+            </a:lvl9pPr>
+          </a:lstStyle>
+          <a:p>
+            <a:pPr marL="0" indent="0">
+              <a:buFont typeface="Wingdings 3" charset="2"/>
+              <a:buNone/>
+            </a:pPr>
+            <a:r>
+              <a:rPr lang="fr-FR" dirty="0" smtClean="0">
+                <a:solidFill>
+                  <a:schemeClr val="accent1">
+                    <a:lumMod val="50000"/>
+                  </a:schemeClr>
+                </a:solidFill>
+              </a:rPr>
+              <a:t>Estimation du nombre de copies</a:t>
+            </a:r>
+            <a:endParaRPr lang="fr-FR" dirty="0">
+              <a:solidFill>
+                <a:schemeClr val="accent1">
+                  <a:lumMod val="50000"/>
+                </a:schemeClr>
+              </a:solidFill>
+            </a:endParaRPr>
+          </a:p>
+        </p:txBody>
+      </p:sp>
       <p:pic>
         <p:nvPicPr>
-          <p:cNvPr id="7" name="Image 6"/>
+          <p:cNvPr id="9" name="Espace réservé du contenu 8"/>
           <p:cNvPicPr>
-            <a:picLocks noChangeAspect="1"/>
+            <a:picLocks noGrp="1" noChangeAspect="1"/>
           </p:cNvPicPr>
-          <p:nvPr/>
+          <p:nvPr>
+            <p:ph idx="1"/>
+          </p:nvPr>
         </p:nvPicPr>
         <p:blipFill>
           <a:blip r:embed="rId3">
@@ -7509,42 +8578,357 @@
         </p:blipFill>
         <p:spPr>
           <a:xfrm>
-            <a:off x="5535064" y="1796660"/>
-            <a:ext cx="4911331" cy="4680000"/>
+            <a:off x="6967627" y="2925609"/>
+            <a:ext cx="3777947" cy="3600000"/>
+          </a:xfrm>
+        </p:spPr>
+      </p:pic>
+      <p:pic>
+        <p:nvPicPr>
+          <p:cNvPr id="10" name="Image 9"/>
+          <p:cNvPicPr>
+            <a:picLocks noChangeAspect="1"/>
+          </p:cNvPicPr>
+          <p:nvPr/>
+        </p:nvPicPr>
+        <p:blipFill>
+          <a:blip r:embed="rId4">
+            <a:extLst>
+              <a:ext uri="{28A0092B-C50C-407E-A947-70E740481C1C}">
+                <a14:useLocalDpi xmlns:a14="http://schemas.microsoft.com/office/drawing/2010/main" val="0"/>
+              </a:ext>
+            </a:extLst>
+          </a:blip>
+          <a:stretch>
+            <a:fillRect/>
+          </a:stretch>
+        </p:blipFill>
+        <p:spPr>
+          <a:xfrm>
+            <a:off x="751311" y="2925609"/>
+            <a:ext cx="3777947" cy="3600000"/>
           </a:xfrm>
           <a:prstGeom prst="rect">
             <a:avLst/>
           </a:prstGeom>
         </p:spPr>
       </p:pic>
-      <p:pic>
-        <p:nvPicPr>
-          <p:cNvPr id="4" name="Image 3"/>
-          <p:cNvPicPr>
-            <a:picLocks noChangeAspect="1"/>
-          </p:cNvPicPr>
+      <p:sp>
+        <p:nvSpPr>
+          <p:cNvPr id="11" name="Espace réservé du contenu 3"/>
+          <p:cNvSpPr txBox="1">
+            <a:spLocks/>
+          </p:cNvSpPr>
           <p:nvPr/>
-        </p:nvPicPr>
-        <p:blipFill>
-          <a:blip r:embed="rId4"/>
-          <a:stretch>
-            <a:fillRect/>
-          </a:stretch>
-        </p:blipFill>
+        </p:nvSpPr>
         <p:spPr>
           <a:xfrm>
-            <a:off x="11096557" y="114510"/>
-            <a:ext cx="971686" cy="581106"/>
+            <a:off x="685355" y="1780876"/>
+            <a:ext cx="8835634" cy="4595861"/>
           </a:xfrm>
           <a:prstGeom prst="rect">
             <a:avLst/>
           </a:prstGeom>
         </p:spPr>
-      </p:pic>
+        <p:txBody>
+          <a:bodyPr vert="horz" lIns="91440" tIns="45720" rIns="91440" bIns="45720" rtlCol="0">
+            <a:normAutofit/>
+          </a:bodyPr>
+          <a:lstStyle>
+            <a:lvl1pPr marL="342900" indent="-342900" algn="l" defTabSz="457200" rtl="0" eaLnBrk="1" latinLnBrk="0" hangingPunct="1">
+              <a:spcBef>
+                <a:spcPts val="1000"/>
+              </a:spcBef>
+              <a:spcAft>
+                <a:spcPts val="0"/>
+              </a:spcAft>
+              <a:buClr>
+                <a:schemeClr val="accent1">
+                  <a:lumMod val="75000"/>
+                </a:schemeClr>
+              </a:buClr>
+              <a:buSzPct val="80000"/>
+              <a:buFont typeface="Wingdings 3" charset="2"/>
+              <a:buChar char=""/>
+              <a:defRPr sz="1800" kern="1200">
+                <a:solidFill>
+                  <a:schemeClr val="tx1">
+                    <a:lumMod val="75000"/>
+                    <a:lumOff val="25000"/>
+                  </a:schemeClr>
+                </a:solidFill>
+                <a:latin typeface="+mn-lt"/>
+                <a:ea typeface="+mn-ea"/>
+                <a:cs typeface="+mn-cs"/>
+              </a:defRPr>
+            </a:lvl1pPr>
+            <a:lvl2pPr marL="742950" indent="-285750" algn="l" defTabSz="457200" rtl="0" eaLnBrk="1" latinLnBrk="0" hangingPunct="1">
+              <a:spcBef>
+                <a:spcPts val="1000"/>
+              </a:spcBef>
+              <a:spcAft>
+                <a:spcPts val="0"/>
+              </a:spcAft>
+              <a:buClr>
+                <a:schemeClr val="accent1">
+                  <a:lumMod val="75000"/>
+                </a:schemeClr>
+              </a:buClr>
+              <a:buSzPct val="80000"/>
+              <a:buFont typeface="Wingdings 3" charset="2"/>
+              <a:buChar char=""/>
+              <a:defRPr sz="1600" kern="1200">
+                <a:solidFill>
+                  <a:schemeClr val="tx1">
+                    <a:lumMod val="75000"/>
+                    <a:lumOff val="25000"/>
+                  </a:schemeClr>
+                </a:solidFill>
+                <a:latin typeface="+mn-lt"/>
+                <a:ea typeface="+mn-ea"/>
+                <a:cs typeface="+mn-cs"/>
+              </a:defRPr>
+            </a:lvl2pPr>
+            <a:lvl3pPr marL="1143000" indent="-228600" algn="l" defTabSz="457200" rtl="0" eaLnBrk="1" latinLnBrk="0" hangingPunct="1">
+              <a:spcBef>
+                <a:spcPts val="1000"/>
+              </a:spcBef>
+              <a:spcAft>
+                <a:spcPts val="0"/>
+              </a:spcAft>
+              <a:buClr>
+                <a:schemeClr val="accent1">
+                  <a:lumMod val="75000"/>
+                </a:schemeClr>
+              </a:buClr>
+              <a:buSzPct val="80000"/>
+              <a:buFont typeface="Wingdings 3" charset="2"/>
+              <a:buChar char=""/>
+              <a:defRPr sz="1400" kern="1200">
+                <a:solidFill>
+                  <a:schemeClr val="tx1">
+                    <a:lumMod val="75000"/>
+                    <a:lumOff val="25000"/>
+                  </a:schemeClr>
+                </a:solidFill>
+                <a:latin typeface="+mn-lt"/>
+                <a:ea typeface="+mn-ea"/>
+                <a:cs typeface="+mn-cs"/>
+              </a:defRPr>
+            </a:lvl3pPr>
+            <a:lvl4pPr marL="1600200" indent="-228600" algn="l" defTabSz="457200" rtl="0" eaLnBrk="1" latinLnBrk="0" hangingPunct="1">
+              <a:spcBef>
+                <a:spcPts val="1000"/>
+              </a:spcBef>
+              <a:spcAft>
+                <a:spcPts val="0"/>
+              </a:spcAft>
+              <a:buClr>
+                <a:schemeClr val="accent1">
+                  <a:lumMod val="75000"/>
+                </a:schemeClr>
+              </a:buClr>
+              <a:buSzPct val="80000"/>
+              <a:buFont typeface="Wingdings 3" charset="2"/>
+              <a:buChar char=""/>
+              <a:defRPr sz="1200" kern="1200">
+                <a:solidFill>
+                  <a:schemeClr val="tx1">
+                    <a:lumMod val="75000"/>
+                    <a:lumOff val="25000"/>
+                  </a:schemeClr>
+                </a:solidFill>
+                <a:latin typeface="+mn-lt"/>
+                <a:ea typeface="+mn-ea"/>
+                <a:cs typeface="+mn-cs"/>
+              </a:defRPr>
+            </a:lvl4pPr>
+            <a:lvl5pPr marL="2057400" indent="-228600" algn="l" defTabSz="457200" rtl="0" eaLnBrk="1" latinLnBrk="0" hangingPunct="1">
+              <a:spcBef>
+                <a:spcPts val="1000"/>
+              </a:spcBef>
+              <a:spcAft>
+                <a:spcPts val="0"/>
+              </a:spcAft>
+              <a:buClr>
+                <a:schemeClr val="accent1">
+                  <a:lumMod val="75000"/>
+                </a:schemeClr>
+              </a:buClr>
+              <a:buSzPct val="80000"/>
+              <a:buFont typeface="Wingdings 3" charset="2"/>
+              <a:buChar char=""/>
+              <a:defRPr sz="1200" kern="1200">
+                <a:solidFill>
+                  <a:schemeClr val="tx1">
+                    <a:lumMod val="75000"/>
+                    <a:lumOff val="25000"/>
+                  </a:schemeClr>
+                </a:solidFill>
+                <a:latin typeface="+mn-lt"/>
+                <a:ea typeface="+mn-ea"/>
+                <a:cs typeface="+mn-cs"/>
+              </a:defRPr>
+            </a:lvl5pPr>
+            <a:lvl6pPr marL="2514600" indent="-228600" algn="l" defTabSz="457200" rtl="0" eaLnBrk="1" latinLnBrk="0" hangingPunct="1">
+              <a:spcBef>
+                <a:spcPts val="1000"/>
+              </a:spcBef>
+              <a:spcAft>
+                <a:spcPts val="0"/>
+              </a:spcAft>
+              <a:buClr>
+                <a:schemeClr val="accent1">
+                  <a:lumMod val="75000"/>
+                </a:schemeClr>
+              </a:buClr>
+              <a:buSzPct val="80000"/>
+              <a:buFont typeface="Wingdings 3" charset="2"/>
+              <a:buChar char=""/>
+              <a:defRPr sz="1200" kern="1200">
+                <a:solidFill>
+                  <a:schemeClr val="tx1">
+                    <a:lumMod val="75000"/>
+                    <a:lumOff val="25000"/>
+                  </a:schemeClr>
+                </a:solidFill>
+                <a:latin typeface="+mn-lt"/>
+                <a:ea typeface="+mn-ea"/>
+                <a:cs typeface="+mn-cs"/>
+              </a:defRPr>
+            </a:lvl6pPr>
+            <a:lvl7pPr marL="2971800" indent="-228600" algn="l" defTabSz="457200" rtl="0" eaLnBrk="1" latinLnBrk="0" hangingPunct="1">
+              <a:spcBef>
+                <a:spcPts val="1000"/>
+              </a:spcBef>
+              <a:spcAft>
+                <a:spcPts val="0"/>
+              </a:spcAft>
+              <a:buClr>
+                <a:schemeClr val="accent1">
+                  <a:lumMod val="75000"/>
+                </a:schemeClr>
+              </a:buClr>
+              <a:buSzPct val="80000"/>
+              <a:buFont typeface="Wingdings 3" charset="2"/>
+              <a:buChar char=""/>
+              <a:defRPr sz="1200" kern="1200">
+                <a:solidFill>
+                  <a:schemeClr val="tx1">
+                    <a:lumMod val="75000"/>
+                    <a:lumOff val="25000"/>
+                  </a:schemeClr>
+                </a:solidFill>
+                <a:latin typeface="+mn-lt"/>
+                <a:ea typeface="+mn-ea"/>
+                <a:cs typeface="+mn-cs"/>
+              </a:defRPr>
+            </a:lvl7pPr>
+            <a:lvl8pPr marL="3429000" indent="-228600" algn="l" defTabSz="457200" rtl="0" eaLnBrk="1" latinLnBrk="0" hangingPunct="1">
+              <a:spcBef>
+                <a:spcPts val="1000"/>
+              </a:spcBef>
+              <a:spcAft>
+                <a:spcPts val="0"/>
+              </a:spcAft>
+              <a:buClr>
+                <a:schemeClr val="accent1">
+                  <a:lumMod val="75000"/>
+                </a:schemeClr>
+              </a:buClr>
+              <a:buSzPct val="80000"/>
+              <a:buFont typeface="Wingdings 3" charset="2"/>
+              <a:buChar char=""/>
+              <a:defRPr sz="1200" kern="1200">
+                <a:solidFill>
+                  <a:schemeClr val="tx1">
+                    <a:lumMod val="75000"/>
+                    <a:lumOff val="25000"/>
+                  </a:schemeClr>
+                </a:solidFill>
+                <a:latin typeface="+mn-lt"/>
+                <a:ea typeface="+mn-ea"/>
+                <a:cs typeface="+mn-cs"/>
+              </a:defRPr>
+            </a:lvl8pPr>
+            <a:lvl9pPr marL="3886200" indent="-228600" algn="l" defTabSz="457200" rtl="0" eaLnBrk="1" latinLnBrk="0" hangingPunct="1">
+              <a:spcBef>
+                <a:spcPts val="1000"/>
+              </a:spcBef>
+              <a:spcAft>
+                <a:spcPts val="0"/>
+              </a:spcAft>
+              <a:buClr>
+                <a:schemeClr val="accent1">
+                  <a:lumMod val="75000"/>
+                </a:schemeClr>
+              </a:buClr>
+              <a:buSzPct val="80000"/>
+              <a:buFont typeface="Wingdings 3" charset="2"/>
+              <a:buChar char=""/>
+              <a:defRPr sz="1200" kern="1200">
+                <a:solidFill>
+                  <a:schemeClr val="tx1">
+                    <a:lumMod val="75000"/>
+                    <a:lumOff val="25000"/>
+                  </a:schemeClr>
+                </a:solidFill>
+                <a:latin typeface="+mn-lt"/>
+                <a:ea typeface="+mn-ea"/>
+                <a:cs typeface="+mn-cs"/>
+              </a:defRPr>
+            </a:lvl9pPr>
+          </a:lstStyle>
+          <a:p>
+            <a:pPr marL="0" indent="0">
+              <a:buFont typeface="Wingdings 3" charset="2"/>
+              <a:buNone/>
+            </a:pPr>
+            <a:r>
+              <a:rPr lang="fr-FR" dirty="0" smtClean="0"/>
+              <a:t>Cette étape est additionnelle à la segmentation. La ploïdie « A priori » peut être renseignée au début du pipeline.</a:t>
+            </a:r>
+            <a:endParaRPr lang="fr-FR" dirty="0"/>
+          </a:p>
+        </p:txBody>
+      </p:sp>
+      <p:cxnSp>
+        <p:nvCxnSpPr>
+          <p:cNvPr id="15" name="Connecteur droit avec flèche 14"/>
+          <p:cNvCxnSpPr/>
+          <p:nvPr/>
+        </p:nvCxnSpPr>
+        <p:spPr>
+          <a:xfrm>
+            <a:off x="4892842" y="4725609"/>
+            <a:ext cx="1708484" cy="0"/>
+          </a:xfrm>
+          <a:prstGeom prst="straightConnector1">
+            <a:avLst/>
+          </a:prstGeom>
+          <a:ln>
+            <a:tailEnd type="triangle"/>
+          </a:ln>
+        </p:spPr>
+        <p:style>
+          <a:lnRef idx="1">
+            <a:schemeClr val="dk1"/>
+          </a:lnRef>
+          <a:fillRef idx="0">
+            <a:schemeClr val="dk1"/>
+          </a:fillRef>
+          <a:effectRef idx="0">
+            <a:schemeClr val="dk1"/>
+          </a:effectRef>
+          <a:fontRef idx="minor">
+            <a:schemeClr val="tx1"/>
+          </a:fontRef>
+        </p:style>
+      </p:cxnSp>
     </p:spTree>
     <p:extLst>
       <p:ext uri="{BB962C8B-B14F-4D97-AF65-F5344CB8AC3E}">
-        <p14:creationId xmlns:p14="http://schemas.microsoft.com/office/powerpoint/2010/main" val="701775868"/>
+        <p14:creationId xmlns:p14="http://schemas.microsoft.com/office/powerpoint/2010/main" val="719158801"/>
       </p:ext>
     </p:extLst>
   </p:cSld>
@@ -7590,124 +8974,154 @@
         </p:nvSpPr>
         <p:spPr>
           <a:xfrm>
-            <a:off x="685355" y="121449"/>
+            <a:off x="685355" y="481263"/>
             <a:ext cx="8596668" cy="1320800"/>
           </a:xfrm>
         </p:spPr>
         <p:txBody>
-          <a:bodyPr/>
+          <a:bodyPr>
+            <a:normAutofit fontScale="90000"/>
+          </a:bodyPr>
           <a:lstStyle/>
           <a:p>
             <a:r>
               <a:rPr lang="fr-FR" dirty="0" smtClean="0"/>
-              <a:t>Conclusion</a:t>
-            </a:r>
+              <a:t>Deuxième normalisation (modèle de mélange)</a:t>
+            </a:r>
+            <a:br>
+              <a:rPr lang="fr-FR" dirty="0" smtClean="0"/>
+            </a:br>
+            <a:r>
+              <a:rPr lang="fr-FR" dirty="0" smtClean="0"/>
+              <a:t/>
+            </a:r>
+            <a:br>
+              <a:rPr lang="fr-FR" dirty="0" smtClean="0"/>
+            </a:br>
             <a:endParaRPr lang="fr-FR" dirty="0"/>
           </a:p>
         </p:txBody>
       </p:sp>
       <p:sp>
         <p:nvSpPr>
-          <p:cNvPr id="5" name="Espace réservé du contenu 2"/>
-          <p:cNvSpPr>
-            <a:spLocks noGrp="1"/>
-          </p:cNvSpPr>
-          <p:nvPr>
-            <p:ph idx="1"/>
-          </p:nvPr>
+          <p:cNvPr id="3" name="ZoneTexte 2"/>
+          <p:cNvSpPr txBox="1"/>
+          <p:nvPr/>
         </p:nvSpPr>
         <p:spPr>
           <a:xfrm>
-            <a:off x="677333" y="1727201"/>
-            <a:ext cx="9896881" cy="4314162"/>
+            <a:off x="1123513" y="1091699"/>
+            <a:ext cx="7720351" cy="369332"/>
           </a:xfrm>
+          <a:prstGeom prst="rect">
+            <a:avLst/>
+          </a:prstGeom>
+          <a:noFill/>
         </p:spPr>
         <p:txBody>
-          <a:bodyPr/>
+          <a:bodyPr wrap="square" rtlCol="0">
+            <a:spAutoFit/>
+          </a:bodyPr>
           <a:lstStyle/>
           <a:p>
             <a:r>
-              <a:rPr lang="fr-FR" dirty="0" err="1" smtClean="0"/>
-              <a:t>Rescaling</a:t>
-            </a:r>
-            <a:r>
-              <a:rPr lang="fr-FR" dirty="0" smtClean="0"/>
-              <a:t> des </a:t>
-            </a:r>
-            <a:r>
-              <a:rPr lang="fr-FR" dirty="0" err="1" smtClean="0"/>
-              <a:t>donneés</a:t>
-            </a:r>
-            <a:endParaRPr lang="fr-FR" dirty="0" smtClean="0"/>
-          </a:p>
-          <a:p>
-            <a:r>
-              <a:rPr lang="fr-FR" dirty="0" smtClean="0"/>
-              <a:t>Segmentation </a:t>
-            </a:r>
-            <a:r>
-              <a:rPr lang="fr-FR" dirty="0" err="1" smtClean="0"/>
-              <a:t>DNAcopy</a:t>
-            </a:r>
-            <a:endParaRPr lang="fr-FR" dirty="0" smtClean="0"/>
-          </a:p>
-          <a:p>
-            <a:r>
-              <a:rPr lang="fr-FR" dirty="0" smtClean="0"/>
-              <a:t>Estimation (simple) du nombre de copies</a:t>
-            </a:r>
-          </a:p>
-          <a:p>
-            <a:r>
-              <a:rPr lang="fr-FR" dirty="0" smtClean="0"/>
-              <a:t>Recentrage par modèle de mélange</a:t>
-            </a:r>
-          </a:p>
-          <a:p>
-            <a:r>
-              <a:rPr lang="fr-FR" dirty="0" smtClean="0"/>
-              <a:t>Visualisation interactive des données et </a:t>
-            </a:r>
-            <a:r>
-              <a:rPr lang="fr-FR" dirty="0" err="1" smtClean="0"/>
-              <a:t>mapping</a:t>
-            </a:r>
-            <a:r>
-              <a:rPr lang="fr-FR" dirty="0" smtClean="0"/>
-              <a:t> des gènes sur </a:t>
-            </a:r>
-            <a:r>
-              <a:rPr lang="fr-FR" smtClean="0"/>
-              <a:t>ces dernières</a:t>
-            </a:r>
-            <a:endParaRPr lang="fr-FR" dirty="0" smtClean="0"/>
-          </a:p>
-          <a:p>
-            <a:endParaRPr lang="fr-FR" dirty="0" smtClean="0"/>
-          </a:p>
-          <a:p>
-            <a:endParaRPr lang="fr-FR" dirty="0" smtClean="0"/>
-          </a:p>
-          <a:p>
-            <a:endParaRPr lang="fr-FR" dirty="0"/>
-          </a:p>
-          <a:p>
-            <a:endParaRPr lang="fr-FR" dirty="0" smtClean="0"/>
-          </a:p>
-          <a:p>
-            <a:pPr marL="0" indent="0">
-              <a:buNone/>
-            </a:pPr>
-            <a:endParaRPr lang="fr-FR" dirty="0" smtClean="0"/>
-          </a:p>
-          <a:p>
-            <a:endParaRPr lang="fr-FR" dirty="0"/>
-          </a:p>
-        </p:txBody>
-      </p:sp>
-      <p:sp>
-        <p:nvSpPr>
-          <p:cNvPr id="19" name="Espace réservé du contenu 3"/>
+              <a:rPr lang="fr-FR" dirty="0" err="1" smtClean="0">
+                <a:latin typeface="Agency FB" panose="020B0503020202020204" pitchFamily="34" charset="0"/>
+              </a:rPr>
+              <a:t>EMnormalize</a:t>
+            </a:r>
+            <a:r>
+              <a:rPr lang="fr-FR" dirty="0" smtClean="0">
+                <a:latin typeface="Agency FB" panose="020B0503020202020204" pitchFamily="34" charset="0"/>
+              </a:rPr>
+              <a:t>(data)</a:t>
+            </a:r>
+            <a:endParaRPr lang="fr-FR" dirty="0">
+              <a:latin typeface="Agency FB" panose="020B0503020202020204" pitchFamily="34" charset="0"/>
+            </a:endParaRPr>
+          </a:p>
+        </p:txBody>
+      </p:sp>
+      <p:pic>
+        <p:nvPicPr>
+          <p:cNvPr id="4" name="Image 3"/>
+          <p:cNvPicPr>
+            <a:picLocks noChangeAspect="1"/>
+          </p:cNvPicPr>
+          <p:nvPr/>
+        </p:nvPicPr>
+        <p:blipFill>
+          <a:blip r:embed="rId2"/>
+          <a:stretch>
+            <a:fillRect/>
+          </a:stretch>
+        </p:blipFill>
+        <p:spPr>
+          <a:xfrm>
+            <a:off x="11096557" y="114510"/>
+            <a:ext cx="971686" cy="581106"/>
+          </a:xfrm>
+          <a:prstGeom prst="rect">
+            <a:avLst/>
+          </a:prstGeom>
+        </p:spPr>
+      </p:pic>
+      <p:pic>
+        <p:nvPicPr>
+          <p:cNvPr id="8" name="Image 7"/>
+          <p:cNvPicPr>
+            <a:picLocks noChangeAspect="1"/>
+          </p:cNvPicPr>
+          <p:nvPr/>
+        </p:nvPicPr>
+        <p:blipFill>
+          <a:blip r:embed="rId3">
+            <a:extLst>
+              <a:ext uri="{28A0092B-C50C-407E-A947-70E740481C1C}">
+                <a14:useLocalDpi xmlns:a14="http://schemas.microsoft.com/office/drawing/2010/main" val="0"/>
+              </a:ext>
+            </a:extLst>
+          </a:blip>
+          <a:stretch>
+            <a:fillRect/>
+          </a:stretch>
+        </p:blipFill>
+        <p:spPr>
+          <a:xfrm>
+            <a:off x="7075502" y="1982352"/>
+            <a:ext cx="4911331" cy="4680000"/>
+          </a:xfrm>
+          <a:prstGeom prst="rect">
+            <a:avLst/>
+          </a:prstGeom>
+        </p:spPr>
+      </p:pic>
+      <p:pic>
+        <p:nvPicPr>
+          <p:cNvPr id="12" name="Image 11"/>
+          <p:cNvPicPr>
+            <a:picLocks noChangeAspect="1"/>
+          </p:cNvPicPr>
+          <p:nvPr/>
+        </p:nvPicPr>
+        <p:blipFill rotWithShape="1">
+          <a:blip r:embed="rId4"/>
+          <a:srcRect l="8639" t="18711" b="6711"/>
+          <a:stretch/>
+        </p:blipFill>
+        <p:spPr>
+          <a:xfrm rot="16200000">
+            <a:off x="4856074" y="2418547"/>
+            <a:ext cx="1877401" cy="3023059"/>
+          </a:xfrm>
+          <a:prstGeom prst="rect">
+            <a:avLst/>
+          </a:prstGeom>
+        </p:spPr>
+      </p:pic>
+      <p:sp>
+        <p:nvSpPr>
+          <p:cNvPr id="13" name="Espace réservé du contenu 3"/>
           <p:cNvSpPr txBox="1">
             <a:spLocks/>
           </p:cNvSpPr>
@@ -7715,8 +9129,8 @@
         </p:nvSpPr>
         <p:spPr>
           <a:xfrm>
-            <a:off x="500870" y="1135151"/>
-            <a:ext cx="10455888" cy="693650"/>
+            <a:off x="425116" y="1780876"/>
+            <a:ext cx="3858129" cy="4595861"/>
           </a:xfrm>
           <a:prstGeom prst="rect">
             <a:avLst/>
@@ -7735,7 +9149,9 @@
                 <a:spcPts val="0"/>
               </a:spcAft>
               <a:buClr>
-                <a:schemeClr val="accent1"/>
+                <a:schemeClr val="accent1">
+                  <a:lumMod val="75000"/>
+                </a:schemeClr>
               </a:buClr>
               <a:buSzPct val="80000"/>
               <a:buFont typeface="Wingdings 3" charset="2"/>
@@ -7760,7 +9176,9 @@
                 <a:spcPts val="0"/>
               </a:spcAft>
               <a:buClr>
-                <a:schemeClr val="accent1"/>
+                <a:schemeClr val="accent1">
+                  <a:lumMod val="75000"/>
+                </a:schemeClr>
               </a:buClr>
               <a:buSzPct val="80000"/>
               <a:buFont typeface="Wingdings 3" charset="2"/>
@@ -7785,7 +9203,9 @@
                 <a:spcPts val="0"/>
               </a:spcAft>
               <a:buClr>
-                <a:schemeClr val="accent1"/>
+                <a:schemeClr val="accent1">
+                  <a:lumMod val="75000"/>
+                </a:schemeClr>
               </a:buClr>
               <a:buSzPct val="80000"/>
               <a:buFont typeface="Wingdings 3" charset="2"/>
@@ -7810,7 +9230,9 @@
                 <a:spcPts val="0"/>
               </a:spcAft>
               <a:buClr>
-                <a:schemeClr val="accent1"/>
+                <a:schemeClr val="accent1">
+                  <a:lumMod val="75000"/>
+                </a:schemeClr>
               </a:buClr>
               <a:buSzPct val="80000"/>
               <a:buFont typeface="Wingdings 3" charset="2"/>
@@ -7835,7 +9257,9 @@
                 <a:spcPts val="0"/>
               </a:spcAft>
               <a:buClr>
-                <a:schemeClr val="accent1"/>
+                <a:schemeClr val="accent1">
+                  <a:lumMod val="75000"/>
+                </a:schemeClr>
               </a:buClr>
               <a:buSzPct val="80000"/>
               <a:buFont typeface="Wingdings 3" charset="2"/>
@@ -7860,7 +9284,9 @@
                 <a:spcPts val="0"/>
               </a:spcAft>
               <a:buClr>
-                <a:schemeClr val="accent1"/>
+                <a:schemeClr val="accent1">
+                  <a:lumMod val="75000"/>
+                </a:schemeClr>
               </a:buClr>
               <a:buSzPct val="80000"/>
               <a:buFont typeface="Wingdings 3" charset="2"/>
@@ -7885,7 +9311,9 @@
                 <a:spcPts val="0"/>
               </a:spcAft>
               <a:buClr>
-                <a:schemeClr val="accent1"/>
+                <a:schemeClr val="accent1">
+                  <a:lumMod val="75000"/>
+                </a:schemeClr>
               </a:buClr>
               <a:buSzPct val="80000"/>
               <a:buFont typeface="Wingdings 3" charset="2"/>
@@ -7910,7 +9338,9 @@
                 <a:spcPts val="0"/>
               </a:spcAft>
               <a:buClr>
-                <a:schemeClr val="accent1"/>
+                <a:schemeClr val="accent1">
+                  <a:lumMod val="75000"/>
+                </a:schemeClr>
               </a:buClr>
               <a:buSzPct val="80000"/>
               <a:buFont typeface="Wingdings 3" charset="2"/>
@@ -7935,7 +9365,9 @@
                 <a:spcPts val="0"/>
               </a:spcAft>
               <a:buClr>
-                <a:schemeClr val="accent1"/>
+                <a:schemeClr val="accent1">
+                  <a:lumMod val="75000"/>
+                </a:schemeClr>
               </a:buClr>
               <a:buSzPct val="80000"/>
               <a:buFont typeface="Wingdings 3" charset="2"/>
@@ -7955,22 +9387,590 @@
           </a:lstStyle>
           <a:p>
             <a:pPr marL="0" indent="0">
+              <a:buFont typeface="Wingdings 3" charset="2"/>
               <a:buNone/>
             </a:pPr>
-            <a:endParaRPr lang="fr-FR" sz="2200" dirty="0">
-              <a:solidFill>
-                <a:schemeClr val="accent1">
-                  <a:lumMod val="50000"/>
-                </a:schemeClr>
-              </a:solidFill>
-            </a:endParaRPr>
+            <a:r>
+              <a:rPr lang="fr-FR" dirty="0" smtClean="0"/>
+              <a:t>Le niveau zéro est estimé en cherchant la plus grande densité de segments. Un modèle de mélange la calcule. La valeur du pic trouvé est ensuite soustraite à toutes les valeurs.</a:t>
+            </a:r>
+          </a:p>
+          <a:p>
+            <a:pPr marL="0" indent="0">
+              <a:buFont typeface="Wingdings 3" charset="2"/>
+              <a:buNone/>
+            </a:pPr>
+            <a:endParaRPr lang="fr-FR" dirty="0"/>
           </a:p>
         </p:txBody>
       </p:sp>
     </p:spTree>
     <p:extLst>
       <p:ext uri="{BB962C8B-B14F-4D97-AF65-F5344CB8AC3E}">
-        <p14:creationId xmlns:p14="http://schemas.microsoft.com/office/powerpoint/2010/main" val="660512035"/>
+        <p14:creationId xmlns:p14="http://schemas.microsoft.com/office/powerpoint/2010/main" val="701775868"/>
+      </p:ext>
+    </p:extLst>
+  </p:cSld>
+  <p:clrMapOvr>
+    <a:masterClrMapping/>
+  </p:clrMapOvr>
+  <p:timing>
+    <p:tnLst>
+      <p:par>
+        <p:cTn id="1" dur="indefinite" restart="never" nodeType="tmRoot"/>
+      </p:par>
+    </p:tnLst>
+  </p:timing>
+</p:sld>
+</file>
+
+<file path=ppt/slides/slide9.xml><?xml version="1.0" encoding="utf-8"?>
+<p:sld xmlns:a="http://schemas.openxmlformats.org/drawingml/2006/main" xmlns:r="http://schemas.openxmlformats.org/officeDocument/2006/relationships" xmlns:p="http://schemas.openxmlformats.org/presentationml/2006/main">
+  <p:cSld>
+    <p:spTree>
+      <p:nvGrpSpPr>
+        <p:cNvPr id="1" name=""/>
+        <p:cNvGrpSpPr/>
+        <p:nvPr/>
+      </p:nvGrpSpPr>
+      <p:grpSpPr>
+        <a:xfrm>
+          <a:off x="0" y="0"/>
+          <a:ext cx="0" cy="0"/>
+          <a:chOff x="0" y="0"/>
+          <a:chExt cx="0" cy="0"/>
+        </a:xfrm>
+      </p:grpSpPr>
+      <p:sp>
+        <p:nvSpPr>
+          <p:cNvPr id="2" name="Titre 1"/>
+          <p:cNvSpPr>
+            <a:spLocks noGrp="1"/>
+          </p:cNvSpPr>
+          <p:nvPr>
+            <p:ph type="title"/>
+          </p:nvPr>
+        </p:nvSpPr>
+        <p:spPr>
+          <a:xfrm>
+            <a:off x="685355" y="481263"/>
+            <a:ext cx="8596668" cy="1320800"/>
+          </a:xfrm>
+        </p:spPr>
+        <p:txBody>
+          <a:bodyPr>
+            <a:normAutofit fontScale="90000"/>
+          </a:bodyPr>
+          <a:lstStyle/>
+          <a:p>
+            <a:r>
+              <a:rPr lang="fr-FR" dirty="0" smtClean="0"/>
+              <a:t>Deuxième normalisation (modèle de mélange)</a:t>
+            </a:r>
+            <a:br>
+              <a:rPr lang="fr-FR" dirty="0" smtClean="0"/>
+            </a:br>
+            <a:r>
+              <a:rPr lang="fr-FR" dirty="0" smtClean="0"/>
+              <a:t/>
+            </a:r>
+            <a:br>
+              <a:rPr lang="fr-FR" dirty="0" smtClean="0"/>
+            </a:br>
+            <a:endParaRPr lang="fr-FR" dirty="0"/>
+          </a:p>
+        </p:txBody>
+      </p:sp>
+      <p:sp>
+        <p:nvSpPr>
+          <p:cNvPr id="3" name="ZoneTexte 2"/>
+          <p:cNvSpPr txBox="1"/>
+          <p:nvPr/>
+        </p:nvSpPr>
+        <p:spPr>
+          <a:xfrm>
+            <a:off x="1123513" y="1427328"/>
+            <a:ext cx="7720351" cy="369332"/>
+          </a:xfrm>
+          <a:prstGeom prst="rect">
+            <a:avLst/>
+          </a:prstGeom>
+          <a:noFill/>
+        </p:spPr>
+        <p:txBody>
+          <a:bodyPr wrap="square" rtlCol="0">
+            <a:spAutoFit/>
+          </a:bodyPr>
+          <a:lstStyle/>
+          <a:p>
+            <a:r>
+              <a:rPr lang="fr-FR" dirty="0" err="1" smtClean="0">
+                <a:latin typeface="Agency FB" panose="020B0503020202020204" pitchFamily="34" charset="0"/>
+              </a:rPr>
+              <a:t>EMnormalize</a:t>
+            </a:r>
+            <a:r>
+              <a:rPr lang="fr-FR" dirty="0" smtClean="0">
+                <a:latin typeface="Agency FB" panose="020B0503020202020204" pitchFamily="34" charset="0"/>
+              </a:rPr>
+              <a:t>(data)</a:t>
+            </a:r>
+            <a:endParaRPr lang="fr-FR" dirty="0">
+              <a:latin typeface="Agency FB" panose="020B0503020202020204" pitchFamily="34" charset="0"/>
+            </a:endParaRPr>
+          </a:p>
+        </p:txBody>
+      </p:sp>
+      <p:pic>
+        <p:nvPicPr>
+          <p:cNvPr id="4" name="Image 3"/>
+          <p:cNvPicPr>
+            <a:picLocks noChangeAspect="1"/>
+          </p:cNvPicPr>
+          <p:nvPr/>
+        </p:nvPicPr>
+        <p:blipFill>
+          <a:blip r:embed="rId2"/>
+          <a:stretch>
+            <a:fillRect/>
+          </a:stretch>
+        </p:blipFill>
+        <p:spPr>
+          <a:xfrm>
+            <a:off x="11096557" y="114510"/>
+            <a:ext cx="971686" cy="581106"/>
+          </a:xfrm>
+          <a:prstGeom prst="rect">
+            <a:avLst/>
+          </a:prstGeom>
+        </p:spPr>
+      </p:pic>
+      <p:pic>
+        <p:nvPicPr>
+          <p:cNvPr id="5" name="Image 4"/>
+          <p:cNvPicPr>
+            <a:picLocks noChangeAspect="1"/>
+          </p:cNvPicPr>
+          <p:nvPr/>
+        </p:nvPicPr>
+        <p:blipFill>
+          <a:blip r:embed="rId3">
+            <a:extLst>
+              <a:ext uri="{28A0092B-C50C-407E-A947-70E740481C1C}">
+                <a14:useLocalDpi xmlns:a14="http://schemas.microsoft.com/office/drawing/2010/main" val="0"/>
+              </a:ext>
+            </a:extLst>
+          </a:blip>
+          <a:stretch>
+            <a:fillRect/>
+          </a:stretch>
+        </p:blipFill>
+        <p:spPr>
+          <a:xfrm>
+            <a:off x="8843864" y="2181726"/>
+            <a:ext cx="3067834" cy="2923334"/>
+          </a:xfrm>
+          <a:prstGeom prst="rect">
+            <a:avLst/>
+          </a:prstGeom>
+        </p:spPr>
+      </p:pic>
+      <p:pic>
+        <p:nvPicPr>
+          <p:cNvPr id="8" name="Image 7"/>
+          <p:cNvPicPr>
+            <a:picLocks noChangeAspect="1"/>
+          </p:cNvPicPr>
+          <p:nvPr/>
+        </p:nvPicPr>
+        <p:blipFill>
+          <a:blip r:embed="rId4">
+            <a:extLst>
+              <a:ext uri="{28A0092B-C50C-407E-A947-70E740481C1C}">
+                <a14:useLocalDpi xmlns:a14="http://schemas.microsoft.com/office/drawing/2010/main" val="0"/>
+              </a:ext>
+            </a:extLst>
+          </a:blip>
+          <a:stretch>
+            <a:fillRect/>
+          </a:stretch>
+        </p:blipFill>
+        <p:spPr>
+          <a:xfrm>
+            <a:off x="4775330" y="2181726"/>
+            <a:ext cx="3067834" cy="2923334"/>
+          </a:xfrm>
+          <a:prstGeom prst="rect">
+            <a:avLst/>
+          </a:prstGeom>
+        </p:spPr>
+      </p:pic>
+      <p:cxnSp>
+        <p:nvCxnSpPr>
+          <p:cNvPr id="9" name="Connecteur droit avec flèche 8"/>
+          <p:cNvCxnSpPr/>
+          <p:nvPr/>
+        </p:nvCxnSpPr>
+        <p:spPr>
+          <a:xfrm>
+            <a:off x="7898667" y="3602606"/>
+            <a:ext cx="834190" cy="0"/>
+          </a:xfrm>
+          <a:prstGeom prst="straightConnector1">
+            <a:avLst/>
+          </a:prstGeom>
+          <a:ln>
+            <a:tailEnd type="triangle"/>
+          </a:ln>
+        </p:spPr>
+        <p:style>
+          <a:lnRef idx="1">
+            <a:schemeClr val="dk1"/>
+          </a:lnRef>
+          <a:fillRef idx="0">
+            <a:schemeClr val="dk1"/>
+          </a:fillRef>
+          <a:effectRef idx="0">
+            <a:schemeClr val="dk1"/>
+          </a:effectRef>
+          <a:fontRef idx="minor">
+            <a:schemeClr val="tx1"/>
+          </a:fontRef>
+        </p:style>
+      </p:cxnSp>
+      <p:sp>
+        <p:nvSpPr>
+          <p:cNvPr id="10" name="Espace réservé du contenu 3"/>
+          <p:cNvSpPr txBox="1">
+            <a:spLocks/>
+          </p:cNvSpPr>
+          <p:nvPr/>
+        </p:nvSpPr>
+        <p:spPr>
+          <a:xfrm>
+            <a:off x="425116" y="1780876"/>
+            <a:ext cx="3858129" cy="4595861"/>
+          </a:xfrm>
+          <a:prstGeom prst="rect">
+            <a:avLst/>
+          </a:prstGeom>
+        </p:spPr>
+        <p:txBody>
+          <a:bodyPr vert="horz" lIns="91440" tIns="45720" rIns="91440" bIns="45720" rtlCol="0">
+            <a:normAutofit/>
+          </a:bodyPr>
+          <a:lstStyle>
+            <a:lvl1pPr marL="342900" indent="-342900" algn="l" defTabSz="457200" rtl="0" eaLnBrk="1" latinLnBrk="0" hangingPunct="1">
+              <a:spcBef>
+                <a:spcPts val="1000"/>
+              </a:spcBef>
+              <a:spcAft>
+                <a:spcPts val="0"/>
+              </a:spcAft>
+              <a:buClr>
+                <a:schemeClr val="accent1">
+                  <a:lumMod val="75000"/>
+                </a:schemeClr>
+              </a:buClr>
+              <a:buSzPct val="80000"/>
+              <a:buFont typeface="Wingdings 3" charset="2"/>
+              <a:buChar char=""/>
+              <a:defRPr sz="1800" kern="1200">
+                <a:solidFill>
+                  <a:schemeClr val="tx1">
+                    <a:lumMod val="75000"/>
+                    <a:lumOff val="25000"/>
+                  </a:schemeClr>
+                </a:solidFill>
+                <a:latin typeface="+mn-lt"/>
+                <a:ea typeface="+mn-ea"/>
+                <a:cs typeface="+mn-cs"/>
+              </a:defRPr>
+            </a:lvl1pPr>
+            <a:lvl2pPr marL="742950" indent="-285750" algn="l" defTabSz="457200" rtl="0" eaLnBrk="1" latinLnBrk="0" hangingPunct="1">
+              <a:spcBef>
+                <a:spcPts val="1000"/>
+              </a:spcBef>
+              <a:spcAft>
+                <a:spcPts val="0"/>
+              </a:spcAft>
+              <a:buClr>
+                <a:schemeClr val="accent1">
+                  <a:lumMod val="75000"/>
+                </a:schemeClr>
+              </a:buClr>
+              <a:buSzPct val="80000"/>
+              <a:buFont typeface="Wingdings 3" charset="2"/>
+              <a:buChar char=""/>
+              <a:defRPr sz="1600" kern="1200">
+                <a:solidFill>
+                  <a:schemeClr val="tx1">
+                    <a:lumMod val="75000"/>
+                    <a:lumOff val="25000"/>
+                  </a:schemeClr>
+                </a:solidFill>
+                <a:latin typeface="+mn-lt"/>
+                <a:ea typeface="+mn-ea"/>
+                <a:cs typeface="+mn-cs"/>
+              </a:defRPr>
+            </a:lvl2pPr>
+            <a:lvl3pPr marL="1143000" indent="-228600" algn="l" defTabSz="457200" rtl="0" eaLnBrk="1" latinLnBrk="0" hangingPunct="1">
+              <a:spcBef>
+                <a:spcPts val="1000"/>
+              </a:spcBef>
+              <a:spcAft>
+                <a:spcPts val="0"/>
+              </a:spcAft>
+              <a:buClr>
+                <a:schemeClr val="accent1">
+                  <a:lumMod val="75000"/>
+                </a:schemeClr>
+              </a:buClr>
+              <a:buSzPct val="80000"/>
+              <a:buFont typeface="Wingdings 3" charset="2"/>
+              <a:buChar char=""/>
+              <a:defRPr sz="1400" kern="1200">
+                <a:solidFill>
+                  <a:schemeClr val="tx1">
+                    <a:lumMod val="75000"/>
+                    <a:lumOff val="25000"/>
+                  </a:schemeClr>
+                </a:solidFill>
+                <a:latin typeface="+mn-lt"/>
+                <a:ea typeface="+mn-ea"/>
+                <a:cs typeface="+mn-cs"/>
+              </a:defRPr>
+            </a:lvl3pPr>
+            <a:lvl4pPr marL="1600200" indent="-228600" algn="l" defTabSz="457200" rtl="0" eaLnBrk="1" latinLnBrk="0" hangingPunct="1">
+              <a:spcBef>
+                <a:spcPts val="1000"/>
+              </a:spcBef>
+              <a:spcAft>
+                <a:spcPts val="0"/>
+              </a:spcAft>
+              <a:buClr>
+                <a:schemeClr val="accent1">
+                  <a:lumMod val="75000"/>
+                </a:schemeClr>
+              </a:buClr>
+              <a:buSzPct val="80000"/>
+              <a:buFont typeface="Wingdings 3" charset="2"/>
+              <a:buChar char=""/>
+              <a:defRPr sz="1200" kern="1200">
+                <a:solidFill>
+                  <a:schemeClr val="tx1">
+                    <a:lumMod val="75000"/>
+                    <a:lumOff val="25000"/>
+                  </a:schemeClr>
+                </a:solidFill>
+                <a:latin typeface="+mn-lt"/>
+                <a:ea typeface="+mn-ea"/>
+                <a:cs typeface="+mn-cs"/>
+              </a:defRPr>
+            </a:lvl4pPr>
+            <a:lvl5pPr marL="2057400" indent="-228600" algn="l" defTabSz="457200" rtl="0" eaLnBrk="1" latinLnBrk="0" hangingPunct="1">
+              <a:spcBef>
+                <a:spcPts val="1000"/>
+              </a:spcBef>
+              <a:spcAft>
+                <a:spcPts val="0"/>
+              </a:spcAft>
+              <a:buClr>
+                <a:schemeClr val="accent1">
+                  <a:lumMod val="75000"/>
+                </a:schemeClr>
+              </a:buClr>
+              <a:buSzPct val="80000"/>
+              <a:buFont typeface="Wingdings 3" charset="2"/>
+              <a:buChar char=""/>
+              <a:defRPr sz="1200" kern="1200">
+                <a:solidFill>
+                  <a:schemeClr val="tx1">
+                    <a:lumMod val="75000"/>
+                    <a:lumOff val="25000"/>
+                  </a:schemeClr>
+                </a:solidFill>
+                <a:latin typeface="+mn-lt"/>
+                <a:ea typeface="+mn-ea"/>
+                <a:cs typeface="+mn-cs"/>
+              </a:defRPr>
+            </a:lvl5pPr>
+            <a:lvl6pPr marL="2514600" indent="-228600" algn="l" defTabSz="457200" rtl="0" eaLnBrk="1" latinLnBrk="0" hangingPunct="1">
+              <a:spcBef>
+                <a:spcPts val="1000"/>
+              </a:spcBef>
+              <a:spcAft>
+                <a:spcPts val="0"/>
+              </a:spcAft>
+              <a:buClr>
+                <a:schemeClr val="accent1">
+                  <a:lumMod val="75000"/>
+                </a:schemeClr>
+              </a:buClr>
+              <a:buSzPct val="80000"/>
+              <a:buFont typeface="Wingdings 3" charset="2"/>
+              <a:buChar char=""/>
+              <a:defRPr sz="1200" kern="1200">
+                <a:solidFill>
+                  <a:schemeClr val="tx1">
+                    <a:lumMod val="75000"/>
+                    <a:lumOff val="25000"/>
+                  </a:schemeClr>
+                </a:solidFill>
+                <a:latin typeface="+mn-lt"/>
+                <a:ea typeface="+mn-ea"/>
+                <a:cs typeface="+mn-cs"/>
+              </a:defRPr>
+            </a:lvl6pPr>
+            <a:lvl7pPr marL="2971800" indent="-228600" algn="l" defTabSz="457200" rtl="0" eaLnBrk="1" latinLnBrk="0" hangingPunct="1">
+              <a:spcBef>
+                <a:spcPts val="1000"/>
+              </a:spcBef>
+              <a:spcAft>
+                <a:spcPts val="0"/>
+              </a:spcAft>
+              <a:buClr>
+                <a:schemeClr val="accent1">
+                  <a:lumMod val="75000"/>
+                </a:schemeClr>
+              </a:buClr>
+              <a:buSzPct val="80000"/>
+              <a:buFont typeface="Wingdings 3" charset="2"/>
+              <a:buChar char=""/>
+              <a:defRPr sz="1200" kern="1200">
+                <a:solidFill>
+                  <a:schemeClr val="tx1">
+                    <a:lumMod val="75000"/>
+                    <a:lumOff val="25000"/>
+                  </a:schemeClr>
+                </a:solidFill>
+                <a:latin typeface="+mn-lt"/>
+                <a:ea typeface="+mn-ea"/>
+                <a:cs typeface="+mn-cs"/>
+              </a:defRPr>
+            </a:lvl7pPr>
+            <a:lvl8pPr marL="3429000" indent="-228600" algn="l" defTabSz="457200" rtl="0" eaLnBrk="1" latinLnBrk="0" hangingPunct="1">
+              <a:spcBef>
+                <a:spcPts val="1000"/>
+              </a:spcBef>
+              <a:spcAft>
+                <a:spcPts val="0"/>
+              </a:spcAft>
+              <a:buClr>
+                <a:schemeClr val="accent1">
+                  <a:lumMod val="75000"/>
+                </a:schemeClr>
+              </a:buClr>
+              <a:buSzPct val="80000"/>
+              <a:buFont typeface="Wingdings 3" charset="2"/>
+              <a:buChar char=""/>
+              <a:defRPr sz="1200" kern="1200">
+                <a:solidFill>
+                  <a:schemeClr val="tx1">
+                    <a:lumMod val="75000"/>
+                    <a:lumOff val="25000"/>
+                  </a:schemeClr>
+                </a:solidFill>
+                <a:latin typeface="+mn-lt"/>
+                <a:ea typeface="+mn-ea"/>
+                <a:cs typeface="+mn-cs"/>
+              </a:defRPr>
+            </a:lvl8pPr>
+            <a:lvl9pPr marL="3886200" indent="-228600" algn="l" defTabSz="457200" rtl="0" eaLnBrk="1" latinLnBrk="0" hangingPunct="1">
+              <a:spcBef>
+                <a:spcPts val="1000"/>
+              </a:spcBef>
+              <a:spcAft>
+                <a:spcPts val="0"/>
+              </a:spcAft>
+              <a:buClr>
+                <a:schemeClr val="accent1">
+                  <a:lumMod val="75000"/>
+                </a:schemeClr>
+              </a:buClr>
+              <a:buSzPct val="80000"/>
+              <a:buFont typeface="Wingdings 3" charset="2"/>
+              <a:buChar char=""/>
+              <a:defRPr sz="1200" kern="1200">
+                <a:solidFill>
+                  <a:schemeClr val="tx1">
+                    <a:lumMod val="75000"/>
+                    <a:lumOff val="25000"/>
+                  </a:schemeClr>
+                </a:solidFill>
+                <a:latin typeface="+mn-lt"/>
+                <a:ea typeface="+mn-ea"/>
+                <a:cs typeface="+mn-cs"/>
+              </a:defRPr>
+            </a:lvl9pPr>
+          </a:lstStyle>
+          <a:p>
+            <a:pPr marL="0" indent="0">
+              <a:buFont typeface="Wingdings 3" charset="2"/>
+              <a:buNone/>
+            </a:pPr>
+            <a:r>
+              <a:rPr lang="fr-FR" dirty="0" smtClean="0"/>
+              <a:t>Le niveau zéro est estimé en cherchant la plus grande densité de segments. Un modèle de mélange la calcule. La valeur du pic trouvé est ensuite soustraite à toutes les valeurs.</a:t>
+            </a:r>
+          </a:p>
+          <a:p>
+            <a:pPr marL="0" indent="0">
+              <a:buFont typeface="Wingdings 3" charset="2"/>
+              <a:buNone/>
+            </a:pPr>
+            <a:r>
+              <a:rPr lang="fr-FR" dirty="0" smtClean="0"/>
+              <a:t>(Ici, la normalisation est presque invisible)</a:t>
+            </a:r>
+          </a:p>
+          <a:p>
+            <a:pPr marL="0" indent="0">
+              <a:buFont typeface="Wingdings 3" charset="2"/>
+              <a:buNone/>
+            </a:pPr>
+            <a:endParaRPr lang="fr-FR" dirty="0"/>
+          </a:p>
+        </p:txBody>
+      </p:sp>
+      <p:sp>
+        <p:nvSpPr>
+          <p:cNvPr id="6" name="ZoneTexte 5"/>
+          <p:cNvSpPr txBox="1"/>
+          <p:nvPr/>
+        </p:nvSpPr>
+        <p:spPr>
+          <a:xfrm>
+            <a:off x="7870318" y="3098104"/>
+            <a:ext cx="1411705" cy="369332"/>
+          </a:xfrm>
+          <a:prstGeom prst="rect">
+            <a:avLst/>
+          </a:prstGeom>
+          <a:noFill/>
+        </p:spPr>
+        <p:txBody>
+          <a:bodyPr wrap="square" rtlCol="0">
+            <a:spAutoFit/>
+          </a:bodyPr>
+          <a:lstStyle/>
+          <a:p>
+            <a:r>
+              <a:rPr lang="fr-FR" dirty="0"/>
+              <a:t>+</a:t>
+            </a:r>
+            <a:r>
+              <a:rPr lang="fr-FR" dirty="0" smtClean="0"/>
+              <a:t>0,029</a:t>
+            </a:r>
+            <a:endParaRPr lang="fr-FR" dirty="0"/>
+          </a:p>
+        </p:txBody>
+      </p:sp>
+    </p:spTree>
+    <p:extLst>
+      <p:ext uri="{BB962C8B-B14F-4D97-AF65-F5344CB8AC3E}">
+        <p14:creationId xmlns:p14="http://schemas.microsoft.com/office/powerpoint/2010/main" val="39030489"/>
       </p:ext>
     </p:extLst>
   </p:cSld>

--- a/docs/docs_I_made/slides/rCGH.pptx
+++ b/docs/docs_I_made/slides/rCGH.pptx
@@ -848,7 +848,7 @@
             <a:fld id="{B61BEF0D-F0BB-DE4B-95CE-6DB70DBA9567}" type="datetimeFigureOut">
               <a:rPr lang="en-US" smtClean="0"/>
               <a:pPr/>
-              <a:t>4/26/2022</a:t>
+              <a:t>4/29/2022</a:t>
             </a:fld>
             <a:endParaRPr lang="en-US" dirty="0"/>
           </a:p>
@@ -1101,7 +1101,7 @@
             <a:fld id="{B61BEF0D-F0BB-DE4B-95CE-6DB70DBA9567}" type="datetimeFigureOut">
               <a:rPr lang="en-US" smtClean="0"/>
               <a:pPr/>
-              <a:t>4/26/2022</a:t>
+              <a:t>4/29/2022</a:t>
             </a:fld>
             <a:endParaRPr lang="en-US" dirty="0"/>
           </a:p>
@@ -1417,7 +1417,7 @@
             <a:fld id="{B61BEF0D-F0BB-DE4B-95CE-6DB70DBA9567}" type="datetimeFigureOut">
               <a:rPr lang="en-US" smtClean="0"/>
               <a:pPr/>
-              <a:t>4/26/2022</a:t>
+              <a:t>4/29/2022</a:t>
             </a:fld>
             <a:endParaRPr lang="en-US" dirty="0"/>
           </a:p>
@@ -1746,7 +1746,7 @@
             <a:fld id="{B61BEF0D-F0BB-DE4B-95CE-6DB70DBA9567}" type="datetimeFigureOut">
               <a:rPr lang="en-US" smtClean="0"/>
               <a:pPr/>
-              <a:t>4/26/2022</a:t>
+              <a:t>4/29/2022</a:t>
             </a:fld>
             <a:endParaRPr lang="en-US" dirty="0"/>
           </a:p>
@@ -2062,7 +2062,7 @@
             <a:fld id="{B61BEF0D-F0BB-DE4B-95CE-6DB70DBA9567}" type="datetimeFigureOut">
               <a:rPr lang="en-US" smtClean="0"/>
               <a:pPr/>
-              <a:t>4/26/2022</a:t>
+              <a:t>4/29/2022</a:t>
             </a:fld>
             <a:endParaRPr lang="en-US" dirty="0"/>
           </a:p>
@@ -2451,7 +2451,7 @@
             <a:fld id="{B61BEF0D-F0BB-DE4B-95CE-6DB70DBA9567}" type="datetimeFigureOut">
               <a:rPr lang="en-US" smtClean="0"/>
               <a:pPr/>
-              <a:t>4/26/2022</a:t>
+              <a:t>4/29/2022</a:t>
             </a:fld>
             <a:endParaRPr lang="en-US" dirty="0"/>
           </a:p>
@@ -2622,7 +2622,7 @@
           <a:p>
             <a:fld id="{55C6B4A9-1611-4792-9094-5F34BCA07E0B}" type="datetimeFigureOut">
               <a:rPr lang="en-US" smtClean="0"/>
-              <a:t>4/26/2022</a:t>
+              <a:t>4/29/2022</a:t>
             </a:fld>
             <a:endParaRPr lang="en-US" dirty="0"/>
           </a:p>
@@ -2803,7 +2803,7 @@
             <a:fld id="{B61BEF0D-F0BB-DE4B-95CE-6DB70DBA9567}" type="datetimeFigureOut">
               <a:rPr lang="en-US" smtClean="0"/>
               <a:pPr/>
-              <a:t>4/26/2022</a:t>
+              <a:t>4/29/2022</a:t>
             </a:fld>
             <a:endParaRPr lang="en-US" dirty="0"/>
           </a:p>
@@ -2975,7 +2975,7 @@
             <a:fld id="{B61BEF0D-F0BB-DE4B-95CE-6DB70DBA9567}" type="datetimeFigureOut">
               <a:rPr lang="en-US" smtClean="0"/>
               <a:pPr/>
-              <a:t>4/26/2022</a:t>
+              <a:t>4/29/2022</a:t>
             </a:fld>
             <a:endParaRPr lang="en-US" dirty="0"/>
           </a:p>
@@ -3224,7 +3224,7 @@
             <a:fld id="{B61BEF0D-F0BB-DE4B-95CE-6DB70DBA9567}" type="datetimeFigureOut">
               <a:rPr lang="en-US" smtClean="0"/>
               <a:pPr/>
-              <a:t>4/26/2022</a:t>
+              <a:t>4/29/2022</a:t>
             </a:fld>
             <a:endParaRPr lang="en-US" dirty="0"/>
           </a:p>
@@ -3457,7 +3457,7 @@
           <a:p>
             <a:fld id="{EB712588-04B1-427B-82EE-E8DB90309F08}" type="datetimeFigureOut">
               <a:rPr lang="en-US" smtClean="0"/>
-              <a:t>4/26/2022</a:t>
+              <a:t>4/29/2022</a:t>
             </a:fld>
             <a:endParaRPr lang="en-US" dirty="0"/>
           </a:p>
@@ -3832,7 +3832,7 @@
             <a:fld id="{B61BEF0D-F0BB-DE4B-95CE-6DB70DBA9567}" type="datetimeFigureOut">
               <a:rPr lang="en-US" smtClean="0"/>
               <a:pPr/>
-              <a:t>4/26/2022</a:t>
+              <a:t>4/29/2022</a:t>
             </a:fld>
             <a:endParaRPr lang="en-US" dirty="0"/>
           </a:p>
@@ -3957,7 +3957,7 @@
             <a:fld id="{B61BEF0D-F0BB-DE4B-95CE-6DB70DBA9567}" type="datetimeFigureOut">
               <a:rPr lang="en-US" smtClean="0"/>
               <a:pPr/>
-              <a:t>4/26/2022</a:t>
+              <a:t>4/29/2022</a:t>
             </a:fld>
             <a:endParaRPr lang="en-US" dirty="0"/>
           </a:p>
@@ -4054,7 +4054,7 @@
             <a:fld id="{B61BEF0D-F0BB-DE4B-95CE-6DB70DBA9567}" type="datetimeFigureOut">
               <a:rPr lang="en-US" smtClean="0"/>
               <a:pPr/>
-              <a:t>4/26/2022</a:t>
+              <a:t>4/29/2022</a:t>
             </a:fld>
             <a:endParaRPr lang="en-US" dirty="0"/>
           </a:p>
@@ -4310,7 +4310,7 @@
           <a:p>
             <a:fld id="{42A54C80-263E-416B-A8E0-580EDEADCBDC}" type="datetimeFigureOut">
               <a:rPr lang="en-US" smtClean="0"/>
-              <a:t>4/26/2022</a:t>
+              <a:t>4/29/2022</a:t>
             </a:fld>
             <a:endParaRPr lang="en-US" dirty="0"/>
           </a:p>
@@ -4574,7 +4574,7 @@
             <a:fld id="{B61BEF0D-F0BB-DE4B-95CE-6DB70DBA9567}" type="datetimeFigureOut">
               <a:rPr lang="en-US" smtClean="0"/>
               <a:pPr/>
-              <a:t>4/26/2022</a:t>
+              <a:t>4/29/2022</a:t>
             </a:fld>
             <a:endParaRPr lang="en-US" dirty="0"/>
           </a:p>
@@ -5321,7 +5321,7 @@
             <a:fld id="{B61BEF0D-F0BB-DE4B-95CE-6DB70DBA9567}" type="datetimeFigureOut">
               <a:rPr lang="en-US" smtClean="0"/>
               <a:pPr/>
-              <a:t>4/26/2022</a:t>
+              <a:t>4/29/2022</a:t>
             </a:fld>
             <a:endParaRPr lang="en-US" dirty="0"/>
           </a:p>

--- a/docs/docs_I_made/slides/rCGH.pptx
+++ b/docs/docs_I_made/slides/rCGH.pptx
@@ -9,12 +9,11 @@
     <p:sldId id="271" r:id="rId3"/>
     <p:sldId id="261" r:id="rId4"/>
     <p:sldId id="260" r:id="rId5"/>
-    <p:sldId id="274" r:id="rId6"/>
-    <p:sldId id="272" r:id="rId7"/>
-    <p:sldId id="275" r:id="rId8"/>
-    <p:sldId id="269" r:id="rId9"/>
-    <p:sldId id="276" r:id="rId10"/>
-    <p:sldId id="273" r:id="rId11"/>
+    <p:sldId id="272" r:id="rId6"/>
+    <p:sldId id="275" r:id="rId7"/>
+    <p:sldId id="269" r:id="rId8"/>
+    <p:sldId id="276" r:id="rId9"/>
+    <p:sldId id="273" r:id="rId10"/>
   </p:sldIdLst>
   <p:sldSz cx="12192000" cy="6858000"/>
   <p:notesSz cx="6858000" cy="9144000"/>
@@ -848,7 +847,7 @@
             <a:fld id="{B61BEF0D-F0BB-DE4B-95CE-6DB70DBA9567}" type="datetimeFigureOut">
               <a:rPr lang="en-US" smtClean="0"/>
               <a:pPr/>
-              <a:t>4/29/2022</a:t>
+              <a:t>5/2/2022</a:t>
             </a:fld>
             <a:endParaRPr lang="en-US" dirty="0"/>
           </a:p>
@@ -1101,7 +1100,7 @@
             <a:fld id="{B61BEF0D-F0BB-DE4B-95CE-6DB70DBA9567}" type="datetimeFigureOut">
               <a:rPr lang="en-US" smtClean="0"/>
               <a:pPr/>
-              <a:t>4/29/2022</a:t>
+              <a:t>5/2/2022</a:t>
             </a:fld>
             <a:endParaRPr lang="en-US" dirty="0"/>
           </a:p>
@@ -1417,7 +1416,7 @@
             <a:fld id="{B61BEF0D-F0BB-DE4B-95CE-6DB70DBA9567}" type="datetimeFigureOut">
               <a:rPr lang="en-US" smtClean="0"/>
               <a:pPr/>
-              <a:t>4/29/2022</a:t>
+              <a:t>5/2/2022</a:t>
             </a:fld>
             <a:endParaRPr lang="en-US" dirty="0"/>
           </a:p>
@@ -1746,7 +1745,7 @@
             <a:fld id="{B61BEF0D-F0BB-DE4B-95CE-6DB70DBA9567}" type="datetimeFigureOut">
               <a:rPr lang="en-US" smtClean="0"/>
               <a:pPr/>
-              <a:t>4/29/2022</a:t>
+              <a:t>5/2/2022</a:t>
             </a:fld>
             <a:endParaRPr lang="en-US" dirty="0"/>
           </a:p>
@@ -2062,7 +2061,7 @@
             <a:fld id="{B61BEF0D-F0BB-DE4B-95CE-6DB70DBA9567}" type="datetimeFigureOut">
               <a:rPr lang="en-US" smtClean="0"/>
               <a:pPr/>
-              <a:t>4/29/2022</a:t>
+              <a:t>5/2/2022</a:t>
             </a:fld>
             <a:endParaRPr lang="en-US" dirty="0"/>
           </a:p>
@@ -2451,7 +2450,7 @@
             <a:fld id="{B61BEF0D-F0BB-DE4B-95CE-6DB70DBA9567}" type="datetimeFigureOut">
               <a:rPr lang="en-US" smtClean="0"/>
               <a:pPr/>
-              <a:t>4/29/2022</a:t>
+              <a:t>5/2/2022</a:t>
             </a:fld>
             <a:endParaRPr lang="en-US" dirty="0"/>
           </a:p>
@@ -2622,7 +2621,7 @@
           <a:p>
             <a:fld id="{55C6B4A9-1611-4792-9094-5F34BCA07E0B}" type="datetimeFigureOut">
               <a:rPr lang="en-US" smtClean="0"/>
-              <a:t>4/29/2022</a:t>
+              <a:t>5/2/2022</a:t>
             </a:fld>
             <a:endParaRPr lang="en-US" dirty="0"/>
           </a:p>
@@ -2803,7 +2802,7 @@
             <a:fld id="{B61BEF0D-F0BB-DE4B-95CE-6DB70DBA9567}" type="datetimeFigureOut">
               <a:rPr lang="en-US" smtClean="0"/>
               <a:pPr/>
-              <a:t>4/29/2022</a:t>
+              <a:t>5/2/2022</a:t>
             </a:fld>
             <a:endParaRPr lang="en-US" dirty="0"/>
           </a:p>
@@ -2975,7 +2974,7 @@
             <a:fld id="{B61BEF0D-F0BB-DE4B-95CE-6DB70DBA9567}" type="datetimeFigureOut">
               <a:rPr lang="en-US" smtClean="0"/>
               <a:pPr/>
-              <a:t>4/29/2022</a:t>
+              <a:t>5/2/2022</a:t>
             </a:fld>
             <a:endParaRPr lang="en-US" dirty="0"/>
           </a:p>
@@ -3224,7 +3223,7 @@
             <a:fld id="{B61BEF0D-F0BB-DE4B-95CE-6DB70DBA9567}" type="datetimeFigureOut">
               <a:rPr lang="en-US" smtClean="0"/>
               <a:pPr/>
-              <a:t>4/29/2022</a:t>
+              <a:t>5/2/2022</a:t>
             </a:fld>
             <a:endParaRPr lang="en-US" dirty="0"/>
           </a:p>
@@ -3457,7 +3456,7 @@
           <a:p>
             <a:fld id="{EB712588-04B1-427B-82EE-E8DB90309F08}" type="datetimeFigureOut">
               <a:rPr lang="en-US" smtClean="0"/>
-              <a:t>4/29/2022</a:t>
+              <a:t>5/2/2022</a:t>
             </a:fld>
             <a:endParaRPr lang="en-US" dirty="0"/>
           </a:p>
@@ -3832,7 +3831,7 @@
             <a:fld id="{B61BEF0D-F0BB-DE4B-95CE-6DB70DBA9567}" type="datetimeFigureOut">
               <a:rPr lang="en-US" smtClean="0"/>
               <a:pPr/>
-              <a:t>4/29/2022</a:t>
+              <a:t>5/2/2022</a:t>
             </a:fld>
             <a:endParaRPr lang="en-US" dirty="0"/>
           </a:p>
@@ -3957,7 +3956,7 @@
             <a:fld id="{B61BEF0D-F0BB-DE4B-95CE-6DB70DBA9567}" type="datetimeFigureOut">
               <a:rPr lang="en-US" smtClean="0"/>
               <a:pPr/>
-              <a:t>4/29/2022</a:t>
+              <a:t>5/2/2022</a:t>
             </a:fld>
             <a:endParaRPr lang="en-US" dirty="0"/>
           </a:p>
@@ -4054,7 +4053,7 @@
             <a:fld id="{B61BEF0D-F0BB-DE4B-95CE-6DB70DBA9567}" type="datetimeFigureOut">
               <a:rPr lang="en-US" smtClean="0"/>
               <a:pPr/>
-              <a:t>4/29/2022</a:t>
+              <a:t>5/2/2022</a:t>
             </a:fld>
             <a:endParaRPr lang="en-US" dirty="0"/>
           </a:p>
@@ -4310,7 +4309,7 @@
           <a:p>
             <a:fld id="{42A54C80-263E-416B-A8E0-580EDEADCBDC}" type="datetimeFigureOut">
               <a:rPr lang="en-US" smtClean="0"/>
-              <a:t>4/29/2022</a:t>
+              <a:t>5/2/2022</a:t>
             </a:fld>
             <a:endParaRPr lang="en-US" dirty="0"/>
           </a:p>
@@ -4574,7 +4573,7 @@
             <a:fld id="{B61BEF0D-F0BB-DE4B-95CE-6DB70DBA9567}" type="datetimeFigureOut">
               <a:rPr lang="en-US" smtClean="0"/>
               <a:pPr/>
-              <a:t>4/29/2022</a:t>
+              <a:t>5/2/2022</a:t>
             </a:fld>
             <a:endParaRPr lang="en-US" dirty="0"/>
           </a:p>
@@ -5321,7 +5320,7 @@
             <a:fld id="{B61BEF0D-F0BB-DE4B-95CE-6DB70DBA9567}" type="datetimeFigureOut">
               <a:rPr lang="en-US" smtClean="0"/>
               <a:pPr/>
-              <a:t>4/29/2022</a:t>
+              <a:t>5/2/2022</a:t>
             </a:fld>
             <a:endParaRPr lang="en-US" dirty="0"/>
           </a:p>
@@ -5930,422 +5929,6 @@
 </p:sld>
 </file>
 
-<file path=ppt/slides/slide10.xml><?xml version="1.0" encoding="utf-8"?>
-<p:sld xmlns:a="http://schemas.openxmlformats.org/drawingml/2006/main" xmlns:r="http://schemas.openxmlformats.org/officeDocument/2006/relationships" xmlns:p="http://schemas.openxmlformats.org/presentationml/2006/main">
-  <p:cSld>
-    <p:spTree>
-      <p:nvGrpSpPr>
-        <p:cNvPr id="1" name=""/>
-        <p:cNvGrpSpPr/>
-        <p:nvPr/>
-      </p:nvGrpSpPr>
-      <p:grpSpPr>
-        <a:xfrm>
-          <a:off x="0" y="0"/>
-          <a:ext cx="0" cy="0"/>
-          <a:chOff x="0" y="0"/>
-          <a:chExt cx="0" cy="0"/>
-        </a:xfrm>
-      </p:grpSpPr>
-      <p:sp>
-        <p:nvSpPr>
-          <p:cNvPr id="2" name="Titre 1"/>
-          <p:cNvSpPr>
-            <a:spLocks noGrp="1"/>
-          </p:cNvSpPr>
-          <p:nvPr>
-            <p:ph type="title"/>
-          </p:nvPr>
-        </p:nvSpPr>
-        <p:spPr>
-          <a:xfrm>
-            <a:off x="685355" y="121449"/>
-            <a:ext cx="8596668" cy="1320800"/>
-          </a:xfrm>
-        </p:spPr>
-        <p:txBody>
-          <a:bodyPr/>
-          <a:lstStyle/>
-          <a:p>
-            <a:r>
-              <a:rPr lang="fr-FR" dirty="0" smtClean="0"/>
-              <a:t>Conclusion</a:t>
-            </a:r>
-            <a:endParaRPr lang="fr-FR" dirty="0"/>
-          </a:p>
-        </p:txBody>
-      </p:sp>
-      <p:sp>
-        <p:nvSpPr>
-          <p:cNvPr id="5" name="Espace réservé du contenu 2"/>
-          <p:cNvSpPr>
-            <a:spLocks noGrp="1"/>
-          </p:cNvSpPr>
-          <p:nvPr>
-            <p:ph idx="1"/>
-          </p:nvPr>
-        </p:nvSpPr>
-        <p:spPr>
-          <a:xfrm>
-            <a:off x="677333" y="1727201"/>
-            <a:ext cx="9896881" cy="4314162"/>
-          </a:xfrm>
-        </p:spPr>
-        <p:txBody>
-          <a:bodyPr/>
-          <a:lstStyle/>
-          <a:p>
-            <a:r>
-              <a:rPr lang="fr-FR" dirty="0" err="1" smtClean="0"/>
-              <a:t>Rescaling</a:t>
-            </a:r>
-            <a:r>
-              <a:rPr lang="fr-FR" dirty="0" smtClean="0"/>
-              <a:t> des données</a:t>
-            </a:r>
-          </a:p>
-          <a:p>
-            <a:r>
-              <a:rPr lang="fr-FR" dirty="0" smtClean="0"/>
-              <a:t>Segmentation </a:t>
-            </a:r>
-            <a:r>
-              <a:rPr lang="fr-FR" dirty="0" err="1" smtClean="0"/>
-              <a:t>DNAcopy</a:t>
-            </a:r>
-            <a:endParaRPr lang="fr-FR" dirty="0" smtClean="0"/>
-          </a:p>
-          <a:p>
-            <a:r>
-              <a:rPr lang="fr-FR" dirty="0" smtClean="0"/>
-              <a:t>Estimation (simple) du nombre de copies</a:t>
-            </a:r>
-          </a:p>
-          <a:p>
-            <a:r>
-              <a:rPr lang="fr-FR" dirty="0" smtClean="0"/>
-              <a:t>Recentrage par modèle de mélange</a:t>
-            </a:r>
-          </a:p>
-          <a:p>
-            <a:r>
-              <a:rPr lang="fr-FR" dirty="0" smtClean="0"/>
-              <a:t>Visualisation interactive des données et </a:t>
-            </a:r>
-            <a:r>
-              <a:rPr lang="fr-FR" dirty="0" err="1" smtClean="0"/>
-              <a:t>mapping</a:t>
-            </a:r>
-            <a:r>
-              <a:rPr lang="fr-FR" dirty="0" smtClean="0"/>
-              <a:t> des gènes sur ces dernières</a:t>
-            </a:r>
-          </a:p>
-          <a:p>
-            <a:endParaRPr lang="fr-FR" dirty="0" smtClean="0"/>
-          </a:p>
-          <a:p>
-            <a:endParaRPr lang="fr-FR" dirty="0" smtClean="0"/>
-          </a:p>
-          <a:p>
-            <a:endParaRPr lang="fr-FR" dirty="0"/>
-          </a:p>
-          <a:p>
-            <a:endParaRPr lang="fr-FR" dirty="0" smtClean="0"/>
-          </a:p>
-          <a:p>
-            <a:pPr marL="0" indent="0">
-              <a:buNone/>
-            </a:pPr>
-            <a:endParaRPr lang="fr-FR" dirty="0" smtClean="0"/>
-          </a:p>
-          <a:p>
-            <a:endParaRPr lang="fr-FR" dirty="0"/>
-          </a:p>
-        </p:txBody>
-      </p:sp>
-      <p:sp>
-        <p:nvSpPr>
-          <p:cNvPr id="19" name="Espace réservé du contenu 3"/>
-          <p:cNvSpPr txBox="1">
-            <a:spLocks/>
-          </p:cNvSpPr>
-          <p:nvPr/>
-        </p:nvSpPr>
-        <p:spPr>
-          <a:xfrm>
-            <a:off x="500870" y="1135151"/>
-            <a:ext cx="10455888" cy="693650"/>
-          </a:xfrm>
-          <a:prstGeom prst="rect">
-            <a:avLst/>
-          </a:prstGeom>
-        </p:spPr>
-        <p:txBody>
-          <a:bodyPr vert="horz" lIns="91440" tIns="45720" rIns="91440" bIns="45720" rtlCol="0">
-            <a:normAutofit/>
-          </a:bodyPr>
-          <a:lstStyle>
-            <a:lvl1pPr marL="342900" indent="-342900" algn="l" defTabSz="457200" rtl="0" eaLnBrk="1" latinLnBrk="0" hangingPunct="1">
-              <a:spcBef>
-                <a:spcPts val="1000"/>
-              </a:spcBef>
-              <a:spcAft>
-                <a:spcPts val="0"/>
-              </a:spcAft>
-              <a:buClr>
-                <a:schemeClr val="accent1"/>
-              </a:buClr>
-              <a:buSzPct val="80000"/>
-              <a:buFont typeface="Wingdings 3" charset="2"/>
-              <a:buChar char=""/>
-              <a:defRPr sz="1800" kern="1200">
-                <a:solidFill>
-                  <a:schemeClr val="tx1">
-                    <a:lumMod val="75000"/>
-                    <a:lumOff val="25000"/>
-                  </a:schemeClr>
-                </a:solidFill>
-                <a:latin typeface="+mn-lt"/>
-                <a:ea typeface="+mn-ea"/>
-                <a:cs typeface="+mn-cs"/>
-              </a:defRPr>
-            </a:lvl1pPr>
-            <a:lvl2pPr marL="742950" indent="-285750" algn="l" defTabSz="457200" rtl="0" eaLnBrk="1" latinLnBrk="0" hangingPunct="1">
-              <a:spcBef>
-                <a:spcPts val="1000"/>
-              </a:spcBef>
-              <a:spcAft>
-                <a:spcPts val="0"/>
-              </a:spcAft>
-              <a:buClr>
-                <a:schemeClr val="accent1"/>
-              </a:buClr>
-              <a:buSzPct val="80000"/>
-              <a:buFont typeface="Wingdings 3" charset="2"/>
-              <a:buChar char=""/>
-              <a:defRPr sz="1600" kern="1200">
-                <a:solidFill>
-                  <a:schemeClr val="tx1">
-                    <a:lumMod val="75000"/>
-                    <a:lumOff val="25000"/>
-                  </a:schemeClr>
-                </a:solidFill>
-                <a:latin typeface="+mn-lt"/>
-                <a:ea typeface="+mn-ea"/>
-                <a:cs typeface="+mn-cs"/>
-              </a:defRPr>
-            </a:lvl2pPr>
-            <a:lvl3pPr marL="1143000" indent="-228600" algn="l" defTabSz="457200" rtl="0" eaLnBrk="1" latinLnBrk="0" hangingPunct="1">
-              <a:spcBef>
-                <a:spcPts val="1000"/>
-              </a:spcBef>
-              <a:spcAft>
-                <a:spcPts val="0"/>
-              </a:spcAft>
-              <a:buClr>
-                <a:schemeClr val="accent1"/>
-              </a:buClr>
-              <a:buSzPct val="80000"/>
-              <a:buFont typeface="Wingdings 3" charset="2"/>
-              <a:buChar char=""/>
-              <a:defRPr sz="1400" kern="1200">
-                <a:solidFill>
-                  <a:schemeClr val="tx1">
-                    <a:lumMod val="75000"/>
-                    <a:lumOff val="25000"/>
-                  </a:schemeClr>
-                </a:solidFill>
-                <a:latin typeface="+mn-lt"/>
-                <a:ea typeface="+mn-ea"/>
-                <a:cs typeface="+mn-cs"/>
-              </a:defRPr>
-            </a:lvl3pPr>
-            <a:lvl4pPr marL="1600200" indent="-228600" algn="l" defTabSz="457200" rtl="0" eaLnBrk="1" latinLnBrk="0" hangingPunct="1">
-              <a:spcBef>
-                <a:spcPts val="1000"/>
-              </a:spcBef>
-              <a:spcAft>
-                <a:spcPts val="0"/>
-              </a:spcAft>
-              <a:buClr>
-                <a:schemeClr val="accent1"/>
-              </a:buClr>
-              <a:buSzPct val="80000"/>
-              <a:buFont typeface="Wingdings 3" charset="2"/>
-              <a:buChar char=""/>
-              <a:defRPr sz="1200" kern="1200">
-                <a:solidFill>
-                  <a:schemeClr val="tx1">
-                    <a:lumMod val="75000"/>
-                    <a:lumOff val="25000"/>
-                  </a:schemeClr>
-                </a:solidFill>
-                <a:latin typeface="+mn-lt"/>
-                <a:ea typeface="+mn-ea"/>
-                <a:cs typeface="+mn-cs"/>
-              </a:defRPr>
-            </a:lvl4pPr>
-            <a:lvl5pPr marL="2057400" indent="-228600" algn="l" defTabSz="457200" rtl="0" eaLnBrk="1" latinLnBrk="0" hangingPunct="1">
-              <a:spcBef>
-                <a:spcPts val="1000"/>
-              </a:spcBef>
-              <a:spcAft>
-                <a:spcPts val="0"/>
-              </a:spcAft>
-              <a:buClr>
-                <a:schemeClr val="accent1"/>
-              </a:buClr>
-              <a:buSzPct val="80000"/>
-              <a:buFont typeface="Wingdings 3" charset="2"/>
-              <a:buChar char=""/>
-              <a:defRPr sz="1200" kern="1200">
-                <a:solidFill>
-                  <a:schemeClr val="tx1">
-                    <a:lumMod val="75000"/>
-                    <a:lumOff val="25000"/>
-                  </a:schemeClr>
-                </a:solidFill>
-                <a:latin typeface="+mn-lt"/>
-                <a:ea typeface="+mn-ea"/>
-                <a:cs typeface="+mn-cs"/>
-              </a:defRPr>
-            </a:lvl5pPr>
-            <a:lvl6pPr marL="2514600" indent="-228600" algn="l" defTabSz="457200" rtl="0" eaLnBrk="1" latinLnBrk="0" hangingPunct="1">
-              <a:spcBef>
-                <a:spcPts val="1000"/>
-              </a:spcBef>
-              <a:spcAft>
-                <a:spcPts val="0"/>
-              </a:spcAft>
-              <a:buClr>
-                <a:schemeClr val="accent1"/>
-              </a:buClr>
-              <a:buSzPct val="80000"/>
-              <a:buFont typeface="Wingdings 3" charset="2"/>
-              <a:buChar char=""/>
-              <a:defRPr sz="1200" kern="1200">
-                <a:solidFill>
-                  <a:schemeClr val="tx1">
-                    <a:lumMod val="75000"/>
-                    <a:lumOff val="25000"/>
-                  </a:schemeClr>
-                </a:solidFill>
-                <a:latin typeface="+mn-lt"/>
-                <a:ea typeface="+mn-ea"/>
-                <a:cs typeface="+mn-cs"/>
-              </a:defRPr>
-            </a:lvl6pPr>
-            <a:lvl7pPr marL="2971800" indent="-228600" algn="l" defTabSz="457200" rtl="0" eaLnBrk="1" latinLnBrk="0" hangingPunct="1">
-              <a:spcBef>
-                <a:spcPts val="1000"/>
-              </a:spcBef>
-              <a:spcAft>
-                <a:spcPts val="0"/>
-              </a:spcAft>
-              <a:buClr>
-                <a:schemeClr val="accent1"/>
-              </a:buClr>
-              <a:buSzPct val="80000"/>
-              <a:buFont typeface="Wingdings 3" charset="2"/>
-              <a:buChar char=""/>
-              <a:defRPr sz="1200" kern="1200">
-                <a:solidFill>
-                  <a:schemeClr val="tx1">
-                    <a:lumMod val="75000"/>
-                    <a:lumOff val="25000"/>
-                  </a:schemeClr>
-                </a:solidFill>
-                <a:latin typeface="+mn-lt"/>
-                <a:ea typeface="+mn-ea"/>
-                <a:cs typeface="+mn-cs"/>
-              </a:defRPr>
-            </a:lvl7pPr>
-            <a:lvl8pPr marL="3429000" indent="-228600" algn="l" defTabSz="457200" rtl="0" eaLnBrk="1" latinLnBrk="0" hangingPunct="1">
-              <a:spcBef>
-                <a:spcPts val="1000"/>
-              </a:spcBef>
-              <a:spcAft>
-                <a:spcPts val="0"/>
-              </a:spcAft>
-              <a:buClr>
-                <a:schemeClr val="accent1"/>
-              </a:buClr>
-              <a:buSzPct val="80000"/>
-              <a:buFont typeface="Wingdings 3" charset="2"/>
-              <a:buChar char=""/>
-              <a:defRPr sz="1200" kern="1200">
-                <a:solidFill>
-                  <a:schemeClr val="tx1">
-                    <a:lumMod val="75000"/>
-                    <a:lumOff val="25000"/>
-                  </a:schemeClr>
-                </a:solidFill>
-                <a:latin typeface="+mn-lt"/>
-                <a:ea typeface="+mn-ea"/>
-                <a:cs typeface="+mn-cs"/>
-              </a:defRPr>
-            </a:lvl8pPr>
-            <a:lvl9pPr marL="3886200" indent="-228600" algn="l" defTabSz="457200" rtl="0" eaLnBrk="1" latinLnBrk="0" hangingPunct="1">
-              <a:spcBef>
-                <a:spcPts val="1000"/>
-              </a:spcBef>
-              <a:spcAft>
-                <a:spcPts val="0"/>
-              </a:spcAft>
-              <a:buClr>
-                <a:schemeClr val="accent1"/>
-              </a:buClr>
-              <a:buSzPct val="80000"/>
-              <a:buFont typeface="Wingdings 3" charset="2"/>
-              <a:buChar char=""/>
-              <a:defRPr sz="1200" kern="1200">
-                <a:solidFill>
-                  <a:schemeClr val="tx1">
-                    <a:lumMod val="75000"/>
-                    <a:lumOff val="25000"/>
-                  </a:schemeClr>
-                </a:solidFill>
-                <a:latin typeface="+mn-lt"/>
-                <a:ea typeface="+mn-ea"/>
-                <a:cs typeface="+mn-cs"/>
-              </a:defRPr>
-            </a:lvl9pPr>
-          </a:lstStyle>
-          <a:p>
-            <a:pPr marL="0" indent="0">
-              <a:buNone/>
-            </a:pPr>
-            <a:endParaRPr lang="fr-FR" sz="2200" dirty="0">
-              <a:solidFill>
-                <a:schemeClr val="accent1">
-                  <a:lumMod val="50000"/>
-                </a:schemeClr>
-              </a:solidFill>
-            </a:endParaRPr>
-          </a:p>
-        </p:txBody>
-      </p:sp>
-    </p:spTree>
-    <p:extLst>
-      <p:ext uri="{BB962C8B-B14F-4D97-AF65-F5344CB8AC3E}">
-        <p14:creationId xmlns:p14="http://schemas.microsoft.com/office/powerpoint/2010/main" val="660512035"/>
-      </p:ext>
-    </p:extLst>
-  </p:cSld>
-  <p:clrMapOvr>
-    <a:masterClrMapping/>
-  </p:clrMapOvr>
-  <p:timing>
-    <p:tnLst>
-      <p:par>
-        <p:cTn id="1" dur="indefinite" restart="never" nodeType="tmRoot"/>
-      </p:par>
-    </p:tnLst>
-  </p:timing>
-</p:sld>
-</file>
-
 <file path=ppt/slides/slide2.xml><?xml version="1.0" encoding="utf-8"?>
 <p:sld xmlns:a="http://schemas.openxmlformats.org/drawingml/2006/main" xmlns:r="http://schemas.openxmlformats.org/officeDocument/2006/relationships" xmlns:p="http://schemas.openxmlformats.org/presentationml/2006/main">
   <p:cSld>
@@ -6432,8 +6015,8 @@
         </p:nvSpPr>
         <p:spPr>
           <a:xfrm>
-            <a:off x="2181725" y="4047262"/>
-            <a:ext cx="3010511" cy="813496"/>
+            <a:off x="4172545" y="4047262"/>
+            <a:ext cx="1019691" cy="813496"/>
           </a:xfrm>
           <a:prstGeom prst="rect">
             <a:avLst/>
@@ -7799,175 +7382,6 @@
           <a:lstStyle/>
           <a:p>
             <a:r>
-              <a:rPr lang="fr-FR" dirty="0" err="1" smtClean="0"/>
-              <a:t>Rescaling</a:t>
-            </a:r>
-            <a:endParaRPr lang="fr-FR" dirty="0"/>
-          </a:p>
-        </p:txBody>
-      </p:sp>
-      <p:sp>
-        <p:nvSpPr>
-          <p:cNvPr id="3" name="ZoneTexte 2"/>
-          <p:cNvSpPr txBox="1"/>
-          <p:nvPr/>
-        </p:nvSpPr>
-        <p:spPr>
-          <a:xfrm>
-            <a:off x="2673626" y="1434418"/>
-            <a:ext cx="4620126" cy="369332"/>
-          </a:xfrm>
-          <a:prstGeom prst="rect">
-            <a:avLst/>
-          </a:prstGeom>
-          <a:noFill/>
-        </p:spPr>
-        <p:txBody>
-          <a:bodyPr wrap="square" rtlCol="0">
-            <a:spAutoFit/>
-          </a:bodyPr>
-          <a:lstStyle/>
-          <a:p>
-            <a:r>
-              <a:rPr lang="fr-FR" dirty="0" err="1" smtClean="0">
-                <a:latin typeface="Agency FB" panose="020B0503020202020204" pitchFamily="34" charset="0"/>
-              </a:rPr>
-              <a:t>adjustSignal</a:t>
-            </a:r>
-            <a:r>
-              <a:rPr lang="fr-FR" dirty="0" smtClean="0">
-                <a:latin typeface="Agency FB" panose="020B0503020202020204" pitchFamily="34" charset="0"/>
-              </a:rPr>
-              <a:t>(data, </a:t>
-            </a:r>
-            <a:r>
-              <a:rPr lang="fr-FR" dirty="0" err="1">
-                <a:latin typeface="Agency FB" panose="020B0503020202020204" pitchFamily="34" charset="0"/>
-              </a:rPr>
-              <a:t>nCores</a:t>
-            </a:r>
-            <a:r>
-              <a:rPr lang="fr-FR" dirty="0">
-                <a:latin typeface="Agency FB" panose="020B0503020202020204" pitchFamily="34" charset="0"/>
-              </a:rPr>
-              <a:t>=1, </a:t>
-            </a:r>
-            <a:r>
-              <a:rPr lang="fr-FR" dirty="0" err="1">
-                <a:latin typeface="Agency FB" panose="020B0503020202020204" pitchFamily="34" charset="0"/>
-              </a:rPr>
-              <a:t>suppOutliers</a:t>
-            </a:r>
-            <a:r>
-              <a:rPr lang="fr-FR" dirty="0">
-                <a:latin typeface="Agency FB" panose="020B0503020202020204" pitchFamily="34" charset="0"/>
-              </a:rPr>
-              <a:t>=TRUE)</a:t>
-            </a:r>
-            <a:endParaRPr lang="fr-FR" dirty="0"/>
-          </a:p>
-        </p:txBody>
-      </p:sp>
-      <p:sp>
-        <p:nvSpPr>
-          <p:cNvPr id="4" name="Espace réservé du contenu 3"/>
-          <p:cNvSpPr>
-            <a:spLocks noGrp="1"/>
-          </p:cNvSpPr>
-          <p:nvPr>
-            <p:ph idx="1"/>
-          </p:nvPr>
-        </p:nvSpPr>
-        <p:spPr/>
-        <p:txBody>
-          <a:bodyPr/>
-          <a:lstStyle/>
-          <a:p>
-            <a:pPr marL="0" indent="0">
-              <a:buNone/>
-            </a:pPr>
-            <a:r>
-              <a:rPr lang="fr-FR" dirty="0" smtClean="0"/>
-              <a:t>Étape conçue pour traiter les données </a:t>
-            </a:r>
-            <a:r>
-              <a:rPr lang="fr-FR" dirty="0" err="1" smtClean="0"/>
-              <a:t>Agilent</a:t>
-            </a:r>
-            <a:r>
-              <a:rPr lang="fr-FR" dirty="0" smtClean="0"/>
-              <a:t> -&gt; seul le </a:t>
-            </a:r>
-            <a:r>
-              <a:rPr lang="fr-FR" dirty="0" err="1" smtClean="0"/>
-              <a:t>rescaling</a:t>
-            </a:r>
-            <a:r>
-              <a:rPr lang="fr-FR" dirty="0" smtClean="0"/>
-              <a:t> du LRR est nécessaire dans notre cas</a:t>
-            </a:r>
-            <a:endParaRPr lang="fr-FR" dirty="0"/>
-          </a:p>
-        </p:txBody>
-      </p:sp>
-    </p:spTree>
-    <p:extLst>
-      <p:ext uri="{BB962C8B-B14F-4D97-AF65-F5344CB8AC3E}">
-        <p14:creationId xmlns:p14="http://schemas.microsoft.com/office/powerpoint/2010/main" val="938206355"/>
-      </p:ext>
-    </p:extLst>
-  </p:cSld>
-  <p:clrMapOvr>
-    <a:masterClrMapping/>
-  </p:clrMapOvr>
-  <p:timing>
-    <p:tnLst>
-      <p:par>
-        <p:cTn id="1" dur="indefinite" restart="never" nodeType="tmRoot"/>
-      </p:par>
-    </p:tnLst>
-  </p:timing>
-</p:sld>
-</file>
-
-<file path=ppt/slides/slide6.xml><?xml version="1.0" encoding="utf-8"?>
-<p:sld xmlns:a="http://schemas.openxmlformats.org/drawingml/2006/main" xmlns:r="http://schemas.openxmlformats.org/officeDocument/2006/relationships" xmlns:p="http://schemas.openxmlformats.org/presentationml/2006/main">
-  <p:cSld>
-    <p:spTree>
-      <p:nvGrpSpPr>
-        <p:cNvPr id="1" name=""/>
-        <p:cNvGrpSpPr/>
-        <p:nvPr/>
-      </p:nvGrpSpPr>
-      <p:grpSpPr>
-        <a:xfrm>
-          <a:off x="0" y="0"/>
-          <a:ext cx="0" cy="0"/>
-          <a:chOff x="0" y="0"/>
-          <a:chExt cx="0" cy="0"/>
-        </a:xfrm>
-      </p:grpSpPr>
-      <p:sp>
-        <p:nvSpPr>
-          <p:cNvPr id="2" name="Titre 1"/>
-          <p:cNvSpPr>
-            <a:spLocks noGrp="1"/>
-          </p:cNvSpPr>
-          <p:nvPr>
-            <p:ph type="title"/>
-          </p:nvPr>
-        </p:nvSpPr>
-        <p:spPr>
-          <a:xfrm>
-            <a:off x="685355" y="481263"/>
-            <a:ext cx="8596668" cy="1320800"/>
-          </a:xfrm>
-        </p:spPr>
-        <p:txBody>
-          <a:bodyPr/>
-          <a:lstStyle/>
-          <a:p>
-            <a:r>
               <a:rPr lang="fr-FR" dirty="0" smtClean="0"/>
               <a:t>Segmentation </a:t>
             </a:r>
@@ -8183,7 +7597,7 @@
 </p:sld>
 </file>
 
-<file path=ppt/slides/slide7.xml><?xml version="1.0" encoding="utf-8"?>
+<file path=ppt/slides/slide6.xml><?xml version="1.0" encoding="utf-8"?>
 <p:sld xmlns:a="http://schemas.openxmlformats.org/drawingml/2006/main" xmlns:r="http://schemas.openxmlformats.org/officeDocument/2006/relationships" xmlns:p="http://schemas.openxmlformats.org/presentationml/2006/main">
   <p:cSld>
     <p:spTree>
@@ -8945,7 +8359,7 @@
 </p:sld>
 </file>
 
-<file path=ppt/slides/slide8.xml><?xml version="1.0" encoding="utf-8"?>
+<file path=ppt/slides/slide7.xml><?xml version="1.0" encoding="utf-8"?>
 <p:sld xmlns:a="http://schemas.openxmlformats.org/drawingml/2006/main" xmlns:r="http://schemas.openxmlformats.org/officeDocument/2006/relationships" xmlns:p="http://schemas.openxmlformats.org/presentationml/2006/main">
   <p:cSld>
     <p:spTree>
@@ -9424,7 +8838,7 @@
 </p:sld>
 </file>
 
-<file path=ppt/slides/slide9.xml><?xml version="1.0" encoding="utf-8"?>
+<file path=ppt/slides/slide8.xml><?xml version="1.0" encoding="utf-8"?>
 <p:sld xmlns:a="http://schemas.openxmlformats.org/drawingml/2006/main" xmlns:r="http://schemas.openxmlformats.org/officeDocument/2006/relationships" xmlns:p="http://schemas.openxmlformats.org/presentationml/2006/main">
   <p:cSld>
     <p:spTree>
@@ -9971,6 +9385,422 @@
     <p:extLst>
       <p:ext uri="{BB962C8B-B14F-4D97-AF65-F5344CB8AC3E}">
         <p14:creationId xmlns:p14="http://schemas.microsoft.com/office/powerpoint/2010/main" val="39030489"/>
+      </p:ext>
+    </p:extLst>
+  </p:cSld>
+  <p:clrMapOvr>
+    <a:masterClrMapping/>
+  </p:clrMapOvr>
+  <p:timing>
+    <p:tnLst>
+      <p:par>
+        <p:cTn id="1" dur="indefinite" restart="never" nodeType="tmRoot"/>
+      </p:par>
+    </p:tnLst>
+  </p:timing>
+</p:sld>
+</file>
+
+<file path=ppt/slides/slide9.xml><?xml version="1.0" encoding="utf-8"?>
+<p:sld xmlns:a="http://schemas.openxmlformats.org/drawingml/2006/main" xmlns:r="http://schemas.openxmlformats.org/officeDocument/2006/relationships" xmlns:p="http://schemas.openxmlformats.org/presentationml/2006/main">
+  <p:cSld>
+    <p:spTree>
+      <p:nvGrpSpPr>
+        <p:cNvPr id="1" name=""/>
+        <p:cNvGrpSpPr/>
+        <p:nvPr/>
+      </p:nvGrpSpPr>
+      <p:grpSpPr>
+        <a:xfrm>
+          <a:off x="0" y="0"/>
+          <a:ext cx="0" cy="0"/>
+          <a:chOff x="0" y="0"/>
+          <a:chExt cx="0" cy="0"/>
+        </a:xfrm>
+      </p:grpSpPr>
+      <p:sp>
+        <p:nvSpPr>
+          <p:cNvPr id="2" name="Titre 1"/>
+          <p:cNvSpPr>
+            <a:spLocks noGrp="1"/>
+          </p:cNvSpPr>
+          <p:nvPr>
+            <p:ph type="title"/>
+          </p:nvPr>
+        </p:nvSpPr>
+        <p:spPr>
+          <a:xfrm>
+            <a:off x="685355" y="121449"/>
+            <a:ext cx="8596668" cy="1320800"/>
+          </a:xfrm>
+        </p:spPr>
+        <p:txBody>
+          <a:bodyPr/>
+          <a:lstStyle/>
+          <a:p>
+            <a:r>
+              <a:rPr lang="fr-FR" dirty="0" smtClean="0"/>
+              <a:t>Conclusion</a:t>
+            </a:r>
+            <a:endParaRPr lang="fr-FR" dirty="0"/>
+          </a:p>
+        </p:txBody>
+      </p:sp>
+      <p:sp>
+        <p:nvSpPr>
+          <p:cNvPr id="5" name="Espace réservé du contenu 2"/>
+          <p:cNvSpPr>
+            <a:spLocks noGrp="1"/>
+          </p:cNvSpPr>
+          <p:nvPr>
+            <p:ph idx="1"/>
+          </p:nvPr>
+        </p:nvSpPr>
+        <p:spPr>
+          <a:xfrm>
+            <a:off x="677333" y="1727201"/>
+            <a:ext cx="9896881" cy="4314162"/>
+          </a:xfrm>
+        </p:spPr>
+        <p:txBody>
+          <a:bodyPr/>
+          <a:lstStyle/>
+          <a:p>
+            <a:r>
+              <a:rPr lang="fr-FR" dirty="0" err="1" smtClean="0"/>
+              <a:t>Rescaling</a:t>
+            </a:r>
+            <a:r>
+              <a:rPr lang="fr-FR" dirty="0" smtClean="0"/>
+              <a:t> des données</a:t>
+            </a:r>
+          </a:p>
+          <a:p>
+            <a:r>
+              <a:rPr lang="fr-FR" dirty="0" smtClean="0"/>
+              <a:t>Segmentation </a:t>
+            </a:r>
+            <a:r>
+              <a:rPr lang="fr-FR" dirty="0" err="1" smtClean="0"/>
+              <a:t>DNAcopy</a:t>
+            </a:r>
+            <a:endParaRPr lang="fr-FR" dirty="0" smtClean="0"/>
+          </a:p>
+          <a:p>
+            <a:r>
+              <a:rPr lang="fr-FR" dirty="0" smtClean="0"/>
+              <a:t>Estimation (simple) du nombre de copies</a:t>
+            </a:r>
+          </a:p>
+          <a:p>
+            <a:r>
+              <a:rPr lang="fr-FR" dirty="0" smtClean="0"/>
+              <a:t>Recentrage par modèle de mélange</a:t>
+            </a:r>
+          </a:p>
+          <a:p>
+            <a:r>
+              <a:rPr lang="fr-FR" dirty="0" smtClean="0"/>
+              <a:t>Visualisation interactive des données et </a:t>
+            </a:r>
+            <a:r>
+              <a:rPr lang="fr-FR" dirty="0" err="1" smtClean="0"/>
+              <a:t>mapping</a:t>
+            </a:r>
+            <a:r>
+              <a:rPr lang="fr-FR" dirty="0" smtClean="0"/>
+              <a:t> des gènes sur ces dernières</a:t>
+            </a:r>
+          </a:p>
+          <a:p>
+            <a:endParaRPr lang="fr-FR" dirty="0" smtClean="0"/>
+          </a:p>
+          <a:p>
+            <a:endParaRPr lang="fr-FR" dirty="0" smtClean="0"/>
+          </a:p>
+          <a:p>
+            <a:endParaRPr lang="fr-FR" dirty="0"/>
+          </a:p>
+          <a:p>
+            <a:endParaRPr lang="fr-FR" dirty="0" smtClean="0"/>
+          </a:p>
+          <a:p>
+            <a:pPr marL="0" indent="0">
+              <a:buNone/>
+            </a:pPr>
+            <a:endParaRPr lang="fr-FR" dirty="0" smtClean="0"/>
+          </a:p>
+          <a:p>
+            <a:endParaRPr lang="fr-FR" dirty="0"/>
+          </a:p>
+        </p:txBody>
+      </p:sp>
+      <p:sp>
+        <p:nvSpPr>
+          <p:cNvPr id="19" name="Espace réservé du contenu 3"/>
+          <p:cNvSpPr txBox="1">
+            <a:spLocks/>
+          </p:cNvSpPr>
+          <p:nvPr/>
+        </p:nvSpPr>
+        <p:spPr>
+          <a:xfrm>
+            <a:off x="500870" y="1135151"/>
+            <a:ext cx="10455888" cy="693650"/>
+          </a:xfrm>
+          <a:prstGeom prst="rect">
+            <a:avLst/>
+          </a:prstGeom>
+        </p:spPr>
+        <p:txBody>
+          <a:bodyPr vert="horz" lIns="91440" tIns="45720" rIns="91440" bIns="45720" rtlCol="0">
+            <a:normAutofit/>
+          </a:bodyPr>
+          <a:lstStyle>
+            <a:lvl1pPr marL="342900" indent="-342900" algn="l" defTabSz="457200" rtl="0" eaLnBrk="1" latinLnBrk="0" hangingPunct="1">
+              <a:spcBef>
+                <a:spcPts val="1000"/>
+              </a:spcBef>
+              <a:spcAft>
+                <a:spcPts val="0"/>
+              </a:spcAft>
+              <a:buClr>
+                <a:schemeClr val="accent1"/>
+              </a:buClr>
+              <a:buSzPct val="80000"/>
+              <a:buFont typeface="Wingdings 3" charset="2"/>
+              <a:buChar char=""/>
+              <a:defRPr sz="1800" kern="1200">
+                <a:solidFill>
+                  <a:schemeClr val="tx1">
+                    <a:lumMod val="75000"/>
+                    <a:lumOff val="25000"/>
+                  </a:schemeClr>
+                </a:solidFill>
+                <a:latin typeface="+mn-lt"/>
+                <a:ea typeface="+mn-ea"/>
+                <a:cs typeface="+mn-cs"/>
+              </a:defRPr>
+            </a:lvl1pPr>
+            <a:lvl2pPr marL="742950" indent="-285750" algn="l" defTabSz="457200" rtl="0" eaLnBrk="1" latinLnBrk="0" hangingPunct="1">
+              <a:spcBef>
+                <a:spcPts val="1000"/>
+              </a:spcBef>
+              <a:spcAft>
+                <a:spcPts val="0"/>
+              </a:spcAft>
+              <a:buClr>
+                <a:schemeClr val="accent1"/>
+              </a:buClr>
+              <a:buSzPct val="80000"/>
+              <a:buFont typeface="Wingdings 3" charset="2"/>
+              <a:buChar char=""/>
+              <a:defRPr sz="1600" kern="1200">
+                <a:solidFill>
+                  <a:schemeClr val="tx1">
+                    <a:lumMod val="75000"/>
+                    <a:lumOff val="25000"/>
+                  </a:schemeClr>
+                </a:solidFill>
+                <a:latin typeface="+mn-lt"/>
+                <a:ea typeface="+mn-ea"/>
+                <a:cs typeface="+mn-cs"/>
+              </a:defRPr>
+            </a:lvl2pPr>
+            <a:lvl3pPr marL="1143000" indent="-228600" algn="l" defTabSz="457200" rtl="0" eaLnBrk="1" latinLnBrk="0" hangingPunct="1">
+              <a:spcBef>
+                <a:spcPts val="1000"/>
+              </a:spcBef>
+              <a:spcAft>
+                <a:spcPts val="0"/>
+              </a:spcAft>
+              <a:buClr>
+                <a:schemeClr val="accent1"/>
+              </a:buClr>
+              <a:buSzPct val="80000"/>
+              <a:buFont typeface="Wingdings 3" charset="2"/>
+              <a:buChar char=""/>
+              <a:defRPr sz="1400" kern="1200">
+                <a:solidFill>
+                  <a:schemeClr val="tx1">
+                    <a:lumMod val="75000"/>
+                    <a:lumOff val="25000"/>
+                  </a:schemeClr>
+                </a:solidFill>
+                <a:latin typeface="+mn-lt"/>
+                <a:ea typeface="+mn-ea"/>
+                <a:cs typeface="+mn-cs"/>
+              </a:defRPr>
+            </a:lvl3pPr>
+            <a:lvl4pPr marL="1600200" indent="-228600" algn="l" defTabSz="457200" rtl="0" eaLnBrk="1" latinLnBrk="0" hangingPunct="1">
+              <a:spcBef>
+                <a:spcPts val="1000"/>
+              </a:spcBef>
+              <a:spcAft>
+                <a:spcPts val="0"/>
+              </a:spcAft>
+              <a:buClr>
+                <a:schemeClr val="accent1"/>
+              </a:buClr>
+              <a:buSzPct val="80000"/>
+              <a:buFont typeface="Wingdings 3" charset="2"/>
+              <a:buChar char=""/>
+              <a:defRPr sz="1200" kern="1200">
+                <a:solidFill>
+                  <a:schemeClr val="tx1">
+                    <a:lumMod val="75000"/>
+                    <a:lumOff val="25000"/>
+                  </a:schemeClr>
+                </a:solidFill>
+                <a:latin typeface="+mn-lt"/>
+                <a:ea typeface="+mn-ea"/>
+                <a:cs typeface="+mn-cs"/>
+              </a:defRPr>
+            </a:lvl4pPr>
+            <a:lvl5pPr marL="2057400" indent="-228600" algn="l" defTabSz="457200" rtl="0" eaLnBrk="1" latinLnBrk="0" hangingPunct="1">
+              <a:spcBef>
+                <a:spcPts val="1000"/>
+              </a:spcBef>
+              <a:spcAft>
+                <a:spcPts val="0"/>
+              </a:spcAft>
+              <a:buClr>
+                <a:schemeClr val="accent1"/>
+              </a:buClr>
+              <a:buSzPct val="80000"/>
+              <a:buFont typeface="Wingdings 3" charset="2"/>
+              <a:buChar char=""/>
+              <a:defRPr sz="1200" kern="1200">
+                <a:solidFill>
+                  <a:schemeClr val="tx1">
+                    <a:lumMod val="75000"/>
+                    <a:lumOff val="25000"/>
+                  </a:schemeClr>
+                </a:solidFill>
+                <a:latin typeface="+mn-lt"/>
+                <a:ea typeface="+mn-ea"/>
+                <a:cs typeface="+mn-cs"/>
+              </a:defRPr>
+            </a:lvl5pPr>
+            <a:lvl6pPr marL="2514600" indent="-228600" algn="l" defTabSz="457200" rtl="0" eaLnBrk="1" latinLnBrk="0" hangingPunct="1">
+              <a:spcBef>
+                <a:spcPts val="1000"/>
+              </a:spcBef>
+              <a:spcAft>
+                <a:spcPts val="0"/>
+              </a:spcAft>
+              <a:buClr>
+                <a:schemeClr val="accent1"/>
+              </a:buClr>
+              <a:buSzPct val="80000"/>
+              <a:buFont typeface="Wingdings 3" charset="2"/>
+              <a:buChar char=""/>
+              <a:defRPr sz="1200" kern="1200">
+                <a:solidFill>
+                  <a:schemeClr val="tx1">
+                    <a:lumMod val="75000"/>
+                    <a:lumOff val="25000"/>
+                  </a:schemeClr>
+                </a:solidFill>
+                <a:latin typeface="+mn-lt"/>
+                <a:ea typeface="+mn-ea"/>
+                <a:cs typeface="+mn-cs"/>
+              </a:defRPr>
+            </a:lvl6pPr>
+            <a:lvl7pPr marL="2971800" indent="-228600" algn="l" defTabSz="457200" rtl="0" eaLnBrk="1" latinLnBrk="0" hangingPunct="1">
+              <a:spcBef>
+                <a:spcPts val="1000"/>
+              </a:spcBef>
+              <a:spcAft>
+                <a:spcPts val="0"/>
+              </a:spcAft>
+              <a:buClr>
+                <a:schemeClr val="accent1"/>
+              </a:buClr>
+              <a:buSzPct val="80000"/>
+              <a:buFont typeface="Wingdings 3" charset="2"/>
+              <a:buChar char=""/>
+              <a:defRPr sz="1200" kern="1200">
+                <a:solidFill>
+                  <a:schemeClr val="tx1">
+                    <a:lumMod val="75000"/>
+                    <a:lumOff val="25000"/>
+                  </a:schemeClr>
+                </a:solidFill>
+                <a:latin typeface="+mn-lt"/>
+                <a:ea typeface="+mn-ea"/>
+                <a:cs typeface="+mn-cs"/>
+              </a:defRPr>
+            </a:lvl7pPr>
+            <a:lvl8pPr marL="3429000" indent="-228600" algn="l" defTabSz="457200" rtl="0" eaLnBrk="1" latinLnBrk="0" hangingPunct="1">
+              <a:spcBef>
+                <a:spcPts val="1000"/>
+              </a:spcBef>
+              <a:spcAft>
+                <a:spcPts val="0"/>
+              </a:spcAft>
+              <a:buClr>
+                <a:schemeClr val="accent1"/>
+              </a:buClr>
+              <a:buSzPct val="80000"/>
+              <a:buFont typeface="Wingdings 3" charset="2"/>
+              <a:buChar char=""/>
+              <a:defRPr sz="1200" kern="1200">
+                <a:solidFill>
+                  <a:schemeClr val="tx1">
+                    <a:lumMod val="75000"/>
+                    <a:lumOff val="25000"/>
+                  </a:schemeClr>
+                </a:solidFill>
+                <a:latin typeface="+mn-lt"/>
+                <a:ea typeface="+mn-ea"/>
+                <a:cs typeface="+mn-cs"/>
+              </a:defRPr>
+            </a:lvl8pPr>
+            <a:lvl9pPr marL="3886200" indent="-228600" algn="l" defTabSz="457200" rtl="0" eaLnBrk="1" latinLnBrk="0" hangingPunct="1">
+              <a:spcBef>
+                <a:spcPts val="1000"/>
+              </a:spcBef>
+              <a:spcAft>
+                <a:spcPts val="0"/>
+              </a:spcAft>
+              <a:buClr>
+                <a:schemeClr val="accent1"/>
+              </a:buClr>
+              <a:buSzPct val="80000"/>
+              <a:buFont typeface="Wingdings 3" charset="2"/>
+              <a:buChar char=""/>
+              <a:defRPr sz="1200" kern="1200">
+                <a:solidFill>
+                  <a:schemeClr val="tx1">
+                    <a:lumMod val="75000"/>
+                    <a:lumOff val="25000"/>
+                  </a:schemeClr>
+                </a:solidFill>
+                <a:latin typeface="+mn-lt"/>
+                <a:ea typeface="+mn-ea"/>
+                <a:cs typeface="+mn-cs"/>
+              </a:defRPr>
+            </a:lvl9pPr>
+          </a:lstStyle>
+          <a:p>
+            <a:pPr marL="0" indent="0">
+              <a:buNone/>
+            </a:pPr>
+            <a:endParaRPr lang="fr-FR" sz="2200" dirty="0">
+              <a:solidFill>
+                <a:schemeClr val="accent1">
+                  <a:lumMod val="50000"/>
+                </a:schemeClr>
+              </a:solidFill>
+            </a:endParaRPr>
+          </a:p>
+        </p:txBody>
+      </p:sp>
+    </p:spTree>
+    <p:extLst>
+      <p:ext uri="{BB962C8B-B14F-4D97-AF65-F5344CB8AC3E}">
+        <p14:creationId xmlns:p14="http://schemas.microsoft.com/office/powerpoint/2010/main" val="660512035"/>
       </p:ext>
     </p:extLst>
   </p:cSld>
